--- a/design.pptx
+++ b/design.pptx
@@ -6,6 +6,7 @@
   </p:sldMasterIdLst>
   <p:sldIdLst>
     <p:sldId id="256" r:id="rId2"/>
+    <p:sldId id="257" r:id="rId3"/>
   </p:sldIdLst>
   <p:sldSz cx="12192000" cy="6858000"/>
   <p:notesSz cx="6858000" cy="9144000"/>
@@ -112,918 +113,6 @@
 </p:presentation>
 </file>
 
-<file path=ppt/charts/chart1.xml><?xml version="1.0" encoding="utf-8"?>
-<c:chartSpace xmlns:c="http://schemas.openxmlformats.org/drawingml/2006/chart" xmlns:a="http://schemas.openxmlformats.org/drawingml/2006/main" xmlns:r="http://schemas.openxmlformats.org/officeDocument/2006/relationships" xmlns:c16r2="http://schemas.microsoft.com/office/drawing/2015/06/chart">
-  <c:date1904 val="0"/>
-  <c:lang val="ko-KR"/>
-  <c:roundedCorners val="0"/>
-  <mc:AlternateContent xmlns:mc="http://schemas.openxmlformats.org/markup-compatibility/2006">
-    <mc:Choice xmlns:c14="http://schemas.microsoft.com/office/drawing/2007/8/2/chart" Requires="c14">
-      <c14:style val="102"/>
-    </mc:Choice>
-    <mc:Fallback>
-      <c:style val="2"/>
-    </mc:Fallback>
-  </mc:AlternateContent>
-  <c:chart>
-    <c:autoTitleDeleted val="1"/>
-    <c:plotArea>
-      <c:layout>
-        <c:manualLayout>
-          <c:layoutTarget val="inner"/>
-          <c:xMode val="edge"/>
-          <c:yMode val="edge"/>
-          <c:x val="5.5454966198517718E-2"/>
-          <c:y val="0.10495327631623864"/>
-          <c:w val="0.94312364665354331"/>
-          <c:h val="0.7238712030098915"/>
-        </c:manualLayout>
-      </c:layout>
-      <c:barChart>
-        <c:barDir val="col"/>
-        <c:grouping val="clustered"/>
-        <c:varyColors val="0"/>
-        <c:ser>
-          <c:idx val="0"/>
-          <c:order val="0"/>
-          <c:tx>
-            <c:strRef>
-              <c:f>Sheet1!$B$1</c:f>
-              <c:strCache>
-                <c:ptCount val="1"/>
-                <c:pt idx="0">
-                  <c:v>계열 1</c:v>
-                </c:pt>
-              </c:strCache>
-            </c:strRef>
-          </c:tx>
-          <c:spPr>
-            <a:solidFill>
-              <a:schemeClr val="accent1"/>
-            </a:solidFill>
-            <a:ln>
-              <a:noFill/>
-            </a:ln>
-            <a:effectLst/>
-          </c:spPr>
-          <c:invertIfNegative val="0"/>
-          <c:cat>
-            <c:strRef>
-              <c:f>Sheet1!$A$2:$A$5</c:f>
-              <c:strCache>
-                <c:ptCount val="4"/>
-                <c:pt idx="0">
-                  <c:v>항목 1</c:v>
-                </c:pt>
-                <c:pt idx="1">
-                  <c:v>항목 2</c:v>
-                </c:pt>
-                <c:pt idx="2">
-                  <c:v>항목 3</c:v>
-                </c:pt>
-                <c:pt idx="3">
-                  <c:v>항목 4</c:v>
-                </c:pt>
-              </c:strCache>
-            </c:strRef>
-          </c:cat>
-          <c:val>
-            <c:numRef>
-              <c:f>Sheet1!$B$2:$B$5</c:f>
-              <c:numCache>
-                <c:formatCode>General</c:formatCode>
-                <c:ptCount val="4"/>
-                <c:pt idx="0">
-                  <c:v>4.3</c:v>
-                </c:pt>
-                <c:pt idx="1">
-                  <c:v>2.5</c:v>
-                </c:pt>
-                <c:pt idx="2">
-                  <c:v>3.5</c:v>
-                </c:pt>
-                <c:pt idx="3">
-                  <c:v>4.5</c:v>
-                </c:pt>
-              </c:numCache>
-            </c:numRef>
-          </c:val>
-          <c:extLst>
-            <c:ext xmlns:c16="http://schemas.microsoft.com/office/drawing/2014/chart" uri="{C3380CC4-5D6E-409C-BE32-E72D297353CC}">
-              <c16:uniqueId val="{00000000-1BFE-4E51-A5F9-1522F12A6B59}"/>
-            </c:ext>
-          </c:extLst>
-        </c:ser>
-        <c:ser>
-          <c:idx val="1"/>
-          <c:order val="1"/>
-          <c:tx>
-            <c:strRef>
-              <c:f>Sheet1!$C$1</c:f>
-              <c:strCache>
-                <c:ptCount val="1"/>
-                <c:pt idx="0">
-                  <c:v>계열 2</c:v>
-                </c:pt>
-              </c:strCache>
-            </c:strRef>
-          </c:tx>
-          <c:spPr>
-            <a:solidFill>
-              <a:schemeClr val="accent2"/>
-            </a:solidFill>
-            <a:ln>
-              <a:noFill/>
-            </a:ln>
-            <a:effectLst/>
-          </c:spPr>
-          <c:invertIfNegative val="0"/>
-          <c:cat>
-            <c:strRef>
-              <c:f>Sheet1!$A$2:$A$5</c:f>
-              <c:strCache>
-                <c:ptCount val="4"/>
-                <c:pt idx="0">
-                  <c:v>항목 1</c:v>
-                </c:pt>
-                <c:pt idx="1">
-                  <c:v>항목 2</c:v>
-                </c:pt>
-                <c:pt idx="2">
-                  <c:v>항목 3</c:v>
-                </c:pt>
-                <c:pt idx="3">
-                  <c:v>항목 4</c:v>
-                </c:pt>
-              </c:strCache>
-            </c:strRef>
-          </c:cat>
-          <c:val>
-            <c:numRef>
-              <c:f>Sheet1!$C$2:$C$5</c:f>
-              <c:numCache>
-                <c:formatCode>General</c:formatCode>
-                <c:ptCount val="4"/>
-                <c:pt idx="0">
-                  <c:v>2.4</c:v>
-                </c:pt>
-                <c:pt idx="1">
-                  <c:v>4.4000000000000004</c:v>
-                </c:pt>
-                <c:pt idx="2">
-                  <c:v>1.8</c:v>
-                </c:pt>
-                <c:pt idx="3">
-                  <c:v>2.8</c:v>
-                </c:pt>
-              </c:numCache>
-            </c:numRef>
-          </c:val>
-          <c:extLst>
-            <c:ext xmlns:c16="http://schemas.microsoft.com/office/drawing/2014/chart" uri="{C3380CC4-5D6E-409C-BE32-E72D297353CC}">
-              <c16:uniqueId val="{00000001-1BFE-4E51-A5F9-1522F12A6B59}"/>
-            </c:ext>
-          </c:extLst>
-        </c:ser>
-        <c:dLbls>
-          <c:showLegendKey val="0"/>
-          <c:showVal val="0"/>
-          <c:showCatName val="0"/>
-          <c:showSerName val="0"/>
-          <c:showPercent val="0"/>
-          <c:showBubbleSize val="0"/>
-        </c:dLbls>
-        <c:gapWidth val="219"/>
-        <c:overlap val="-27"/>
-        <c:axId val="377194623"/>
-        <c:axId val="377192127"/>
-      </c:barChart>
-      <c:catAx>
-        <c:axId val="377194623"/>
-        <c:scaling>
-          <c:orientation val="minMax"/>
-        </c:scaling>
-        <c:delete val="0"/>
-        <c:axPos val="b"/>
-        <c:numFmt formatCode="General" sourceLinked="1"/>
-        <c:majorTickMark val="none"/>
-        <c:minorTickMark val="none"/>
-        <c:tickLblPos val="nextTo"/>
-        <c:spPr>
-          <a:noFill/>
-          <a:ln w="9525" cap="flat" cmpd="sng" algn="ctr">
-            <a:solidFill>
-              <a:schemeClr val="tx1">
-                <a:lumMod val="15000"/>
-                <a:lumOff val="85000"/>
-              </a:schemeClr>
-            </a:solidFill>
-            <a:round/>
-          </a:ln>
-          <a:effectLst/>
-        </c:spPr>
-        <c:txPr>
-          <a:bodyPr rot="-60000000" spcFirstLastPara="1" vertOverflow="ellipsis" vert="horz" wrap="square" anchor="ctr" anchorCtr="1"/>
-          <a:lstStyle/>
-          <a:p>
-            <a:pPr>
-              <a:defRPr sz="1197" b="0" i="0" u="none" strike="noStrike" kern="1200" baseline="0">
-                <a:solidFill>
-                  <a:schemeClr val="tx1">
-                    <a:lumMod val="65000"/>
-                    <a:lumOff val="35000"/>
-                  </a:schemeClr>
-                </a:solidFill>
-                <a:latin typeface="+mn-lt"/>
-                <a:ea typeface="+mn-ea"/>
-                <a:cs typeface="+mn-cs"/>
-              </a:defRPr>
-            </a:pPr>
-            <a:endParaRPr lang="ko-KR"/>
-          </a:p>
-        </c:txPr>
-        <c:crossAx val="377192127"/>
-        <c:crosses val="autoZero"/>
-        <c:auto val="1"/>
-        <c:lblAlgn val="ctr"/>
-        <c:lblOffset val="100"/>
-        <c:noMultiLvlLbl val="0"/>
-      </c:catAx>
-      <c:valAx>
-        <c:axId val="377192127"/>
-        <c:scaling>
-          <c:orientation val="minMax"/>
-        </c:scaling>
-        <c:delete val="0"/>
-        <c:axPos val="l"/>
-        <c:majorGridlines>
-          <c:spPr>
-            <a:ln w="9525" cap="flat" cmpd="sng" algn="ctr">
-              <a:solidFill>
-                <a:schemeClr val="tx1">
-                  <a:lumMod val="15000"/>
-                  <a:lumOff val="85000"/>
-                </a:schemeClr>
-              </a:solidFill>
-              <a:round/>
-            </a:ln>
-            <a:effectLst/>
-          </c:spPr>
-        </c:majorGridlines>
-        <c:numFmt formatCode="General" sourceLinked="1"/>
-        <c:majorTickMark val="none"/>
-        <c:minorTickMark val="none"/>
-        <c:tickLblPos val="nextTo"/>
-        <c:spPr>
-          <a:noFill/>
-          <a:ln>
-            <a:noFill/>
-          </a:ln>
-          <a:effectLst/>
-        </c:spPr>
-        <c:txPr>
-          <a:bodyPr rot="-60000000" spcFirstLastPara="1" vertOverflow="ellipsis" vert="horz" wrap="square" anchor="ctr" anchorCtr="1"/>
-          <a:lstStyle/>
-          <a:p>
-            <a:pPr>
-              <a:defRPr sz="1197" b="0" i="0" u="none" strike="noStrike" kern="1200" baseline="0">
-                <a:solidFill>
-                  <a:schemeClr val="tx1">
-                    <a:lumMod val="65000"/>
-                    <a:lumOff val="35000"/>
-                  </a:schemeClr>
-                </a:solidFill>
-                <a:latin typeface="+mn-lt"/>
-                <a:ea typeface="+mn-ea"/>
-                <a:cs typeface="+mn-cs"/>
-              </a:defRPr>
-            </a:pPr>
-            <a:endParaRPr lang="ko-KR"/>
-          </a:p>
-        </c:txPr>
-        <c:crossAx val="377194623"/>
-        <c:crosses val="autoZero"/>
-        <c:crossBetween val="between"/>
-      </c:valAx>
-      <c:spPr>
-        <a:noFill/>
-        <a:ln>
-          <a:noFill/>
-        </a:ln>
-        <a:effectLst/>
-      </c:spPr>
-    </c:plotArea>
-    <c:legend>
-      <c:legendPos val="b"/>
-      <c:layout>
-        <c:manualLayout>
-          <c:xMode val="edge"/>
-          <c:yMode val="edge"/>
-          <c:x val="0.76205948331057405"/>
-          <c:y val="6.0579688864177007E-2"/>
-          <c:w val="0.20015456984571381"/>
-          <c:h val="6.133132404882366E-2"/>
-        </c:manualLayout>
-      </c:layout>
-      <c:overlay val="0"/>
-      <c:spPr>
-        <a:noFill/>
-        <a:ln>
-          <a:noFill/>
-        </a:ln>
-        <a:effectLst/>
-      </c:spPr>
-      <c:txPr>
-        <a:bodyPr rot="0" spcFirstLastPara="1" vertOverflow="ellipsis" vert="horz" wrap="square" anchor="ctr" anchorCtr="1"/>
-        <a:lstStyle/>
-        <a:p>
-          <a:pPr>
-            <a:defRPr sz="1197" b="0" i="0" u="none" strike="noStrike" kern="1200" baseline="0">
-              <a:solidFill>
-                <a:schemeClr val="tx1">
-                  <a:lumMod val="65000"/>
-                  <a:lumOff val="35000"/>
-                </a:schemeClr>
-              </a:solidFill>
-              <a:latin typeface="+mn-lt"/>
-              <a:ea typeface="+mn-ea"/>
-              <a:cs typeface="+mn-cs"/>
-            </a:defRPr>
-          </a:pPr>
-          <a:endParaRPr lang="ko-KR"/>
-        </a:p>
-      </c:txPr>
-    </c:legend>
-    <c:plotVisOnly val="1"/>
-    <c:dispBlanksAs val="gap"/>
-    <c:showDLblsOverMax val="0"/>
-  </c:chart>
-  <c:spPr>
-    <a:noFill/>
-    <a:ln>
-      <a:noFill/>
-    </a:ln>
-    <a:effectLst/>
-  </c:spPr>
-  <c:txPr>
-    <a:bodyPr/>
-    <a:lstStyle/>
-    <a:p>
-      <a:pPr>
-        <a:defRPr/>
-      </a:pPr>
-      <a:endParaRPr lang="ko-KR"/>
-    </a:p>
-  </c:txPr>
-  <c:externalData r:id="rId3">
-    <c:autoUpdate val="0"/>
-  </c:externalData>
-</c:chartSpace>
-</file>
-
-<file path=ppt/charts/colors1.xml><?xml version="1.0" encoding="utf-8"?>
-<cs:colorStyle xmlns:cs="http://schemas.microsoft.com/office/drawing/2012/chartStyle" xmlns:a="http://schemas.openxmlformats.org/drawingml/2006/main" meth="cycle" id="10">
-  <a:schemeClr val="accent1"/>
-  <a:schemeClr val="accent2"/>
-  <a:schemeClr val="accent3"/>
-  <a:schemeClr val="accent4"/>
-  <a:schemeClr val="accent5"/>
-  <a:schemeClr val="accent6"/>
-  <cs:variation/>
-  <cs:variation>
-    <a:lumMod val="60000"/>
-  </cs:variation>
-  <cs:variation>
-    <a:lumMod val="80000"/>
-    <a:lumOff val="20000"/>
-  </cs:variation>
-  <cs:variation>
-    <a:lumMod val="80000"/>
-  </cs:variation>
-  <cs:variation>
-    <a:lumMod val="60000"/>
-    <a:lumOff val="40000"/>
-  </cs:variation>
-  <cs:variation>
-    <a:lumMod val="50000"/>
-  </cs:variation>
-  <cs:variation>
-    <a:lumMod val="70000"/>
-    <a:lumOff val="30000"/>
-  </cs:variation>
-  <cs:variation>
-    <a:lumMod val="70000"/>
-  </cs:variation>
-  <cs:variation>
-    <a:lumMod val="50000"/>
-    <a:lumOff val="50000"/>
-  </cs:variation>
-</cs:colorStyle>
-</file>
-
-<file path=ppt/charts/style1.xml><?xml version="1.0" encoding="utf-8"?>
-<cs:chartStyle xmlns:cs="http://schemas.microsoft.com/office/drawing/2012/chartStyle" xmlns:a="http://schemas.openxmlformats.org/drawingml/2006/main" id="201">
-  <cs:axisTitle>
-    <cs:lnRef idx="0"/>
-    <cs:fillRef idx="0"/>
-    <cs:effectRef idx="0"/>
-    <cs:fontRef idx="minor">
-      <a:schemeClr val="tx1">
-        <a:lumMod val="65000"/>
-        <a:lumOff val="35000"/>
-      </a:schemeClr>
-    </cs:fontRef>
-    <cs:defRPr sz="1330" kern="1200"/>
-  </cs:axisTitle>
-  <cs:categoryAxis>
-    <cs:lnRef idx="0"/>
-    <cs:fillRef idx="0"/>
-    <cs:effectRef idx="0"/>
-    <cs:fontRef idx="minor">
-      <a:schemeClr val="tx1">
-        <a:lumMod val="65000"/>
-        <a:lumOff val="35000"/>
-      </a:schemeClr>
-    </cs:fontRef>
-    <cs:spPr>
-      <a:ln w="9525" cap="flat" cmpd="sng" algn="ctr">
-        <a:solidFill>
-          <a:schemeClr val="tx1">
-            <a:lumMod val="15000"/>
-            <a:lumOff val="85000"/>
-          </a:schemeClr>
-        </a:solidFill>
-        <a:round/>
-      </a:ln>
-    </cs:spPr>
-    <cs:defRPr sz="1197" kern="1200"/>
-  </cs:categoryAxis>
-  <cs:chartArea mods="allowNoFillOverride allowNoLineOverride">
-    <cs:lnRef idx="0"/>
-    <cs:fillRef idx="0"/>
-    <cs:effectRef idx="0"/>
-    <cs:fontRef idx="minor">
-      <a:schemeClr val="tx1"/>
-    </cs:fontRef>
-    <cs:spPr>
-      <a:solidFill>
-        <a:schemeClr val="bg1"/>
-      </a:solidFill>
-      <a:ln w="9525" cap="flat" cmpd="sng" algn="ctr">
-        <a:solidFill>
-          <a:schemeClr val="tx1">
-            <a:lumMod val="15000"/>
-            <a:lumOff val="85000"/>
-          </a:schemeClr>
-        </a:solidFill>
-        <a:round/>
-      </a:ln>
-    </cs:spPr>
-    <cs:defRPr sz="1330" kern="1200"/>
-  </cs:chartArea>
-  <cs:dataLabel>
-    <cs:lnRef idx="0"/>
-    <cs:fillRef idx="0"/>
-    <cs:effectRef idx="0"/>
-    <cs:fontRef idx="minor">
-      <a:schemeClr val="tx1">
-        <a:lumMod val="75000"/>
-        <a:lumOff val="25000"/>
-      </a:schemeClr>
-    </cs:fontRef>
-    <cs:defRPr sz="1197" kern="1200"/>
-  </cs:dataLabel>
-  <cs:dataLabelCallout>
-    <cs:lnRef idx="0"/>
-    <cs:fillRef idx="0"/>
-    <cs:effectRef idx="0"/>
-    <cs:fontRef idx="minor">
-      <a:schemeClr val="dk1">
-        <a:lumMod val="65000"/>
-        <a:lumOff val="35000"/>
-      </a:schemeClr>
-    </cs:fontRef>
-    <cs:spPr>
-      <a:solidFill>
-        <a:schemeClr val="lt1"/>
-      </a:solidFill>
-      <a:ln>
-        <a:solidFill>
-          <a:schemeClr val="dk1">
-            <a:lumMod val="25000"/>
-            <a:lumOff val="75000"/>
-          </a:schemeClr>
-        </a:solidFill>
-      </a:ln>
-    </cs:spPr>
-    <cs:defRPr sz="1197" kern="1200"/>
-    <cs:bodyPr rot="0" spcFirstLastPara="1" vertOverflow="clip" horzOverflow="clip" vert="horz" wrap="square" lIns="36576" tIns="18288" rIns="36576" bIns="18288" anchor="ctr" anchorCtr="1">
-      <a:spAutoFit/>
-    </cs:bodyPr>
-  </cs:dataLabelCallout>
-  <cs:dataPoint>
-    <cs:lnRef idx="0"/>
-    <cs:fillRef idx="1">
-      <cs:styleClr val="auto"/>
-    </cs:fillRef>
-    <cs:effectRef idx="0"/>
-    <cs:fontRef idx="minor">
-      <a:schemeClr val="tx1"/>
-    </cs:fontRef>
-  </cs:dataPoint>
-  <cs:dataPoint3D>
-    <cs:lnRef idx="0"/>
-    <cs:fillRef idx="1">
-      <cs:styleClr val="auto"/>
-    </cs:fillRef>
-    <cs:effectRef idx="0"/>
-    <cs:fontRef idx="minor">
-      <a:schemeClr val="tx1"/>
-    </cs:fontRef>
-  </cs:dataPoint3D>
-  <cs:dataPointLine>
-    <cs:lnRef idx="0">
-      <cs:styleClr val="auto"/>
-    </cs:lnRef>
-    <cs:fillRef idx="1"/>
-    <cs:effectRef idx="0"/>
-    <cs:fontRef idx="minor">
-      <a:schemeClr val="tx1"/>
-    </cs:fontRef>
-    <cs:spPr>
-      <a:ln w="28575" cap="rnd">
-        <a:solidFill>
-          <a:schemeClr val="phClr"/>
-        </a:solidFill>
-        <a:round/>
-      </a:ln>
-    </cs:spPr>
-  </cs:dataPointLine>
-  <cs:dataPointMarker>
-    <cs:lnRef idx="0">
-      <cs:styleClr val="auto"/>
-    </cs:lnRef>
-    <cs:fillRef idx="1">
-      <cs:styleClr val="auto"/>
-    </cs:fillRef>
-    <cs:effectRef idx="0"/>
-    <cs:fontRef idx="minor">
-      <a:schemeClr val="tx1"/>
-    </cs:fontRef>
-    <cs:spPr>
-      <a:ln w="9525">
-        <a:solidFill>
-          <a:schemeClr val="phClr"/>
-        </a:solidFill>
-      </a:ln>
-    </cs:spPr>
-  </cs:dataPointMarker>
-  <cs:dataPointMarkerLayout symbol="circle" size="5"/>
-  <cs:dataPointWireframe>
-    <cs:lnRef idx="0">
-      <cs:styleClr val="auto"/>
-    </cs:lnRef>
-    <cs:fillRef idx="1"/>
-    <cs:effectRef idx="0"/>
-    <cs:fontRef idx="minor">
-      <a:schemeClr val="tx1"/>
-    </cs:fontRef>
-    <cs:spPr>
-      <a:ln w="9525" cap="rnd">
-        <a:solidFill>
-          <a:schemeClr val="phClr"/>
-        </a:solidFill>
-        <a:round/>
-      </a:ln>
-    </cs:spPr>
-  </cs:dataPointWireframe>
-  <cs:dataTable>
-    <cs:lnRef idx="0"/>
-    <cs:fillRef idx="0"/>
-    <cs:effectRef idx="0"/>
-    <cs:fontRef idx="minor">
-      <a:schemeClr val="tx1">
-        <a:lumMod val="65000"/>
-        <a:lumOff val="35000"/>
-      </a:schemeClr>
-    </cs:fontRef>
-    <cs:spPr>
-      <a:noFill/>
-      <a:ln w="9525" cap="flat" cmpd="sng" algn="ctr">
-        <a:solidFill>
-          <a:schemeClr val="tx1">
-            <a:lumMod val="15000"/>
-            <a:lumOff val="85000"/>
-          </a:schemeClr>
-        </a:solidFill>
-        <a:round/>
-      </a:ln>
-    </cs:spPr>
-    <cs:defRPr sz="1197" kern="1200"/>
-  </cs:dataTable>
-  <cs:downBar>
-    <cs:lnRef idx="0"/>
-    <cs:fillRef idx="0"/>
-    <cs:effectRef idx="0"/>
-    <cs:fontRef idx="minor">
-      <a:schemeClr val="dk1"/>
-    </cs:fontRef>
-    <cs:spPr>
-      <a:solidFill>
-        <a:schemeClr val="dk1">
-          <a:lumMod val="65000"/>
-          <a:lumOff val="35000"/>
-        </a:schemeClr>
-      </a:solidFill>
-      <a:ln w="9525">
-        <a:solidFill>
-          <a:schemeClr val="tx1">
-            <a:lumMod val="65000"/>
-            <a:lumOff val="35000"/>
-          </a:schemeClr>
-        </a:solidFill>
-      </a:ln>
-    </cs:spPr>
-  </cs:downBar>
-  <cs:dropLine>
-    <cs:lnRef idx="0"/>
-    <cs:fillRef idx="0"/>
-    <cs:effectRef idx="0"/>
-    <cs:fontRef idx="minor">
-      <a:schemeClr val="tx1"/>
-    </cs:fontRef>
-    <cs:spPr>
-      <a:ln w="9525" cap="flat" cmpd="sng" algn="ctr">
-        <a:solidFill>
-          <a:schemeClr val="tx1">
-            <a:lumMod val="35000"/>
-            <a:lumOff val="65000"/>
-          </a:schemeClr>
-        </a:solidFill>
-        <a:round/>
-      </a:ln>
-    </cs:spPr>
-  </cs:dropLine>
-  <cs:errorBar>
-    <cs:lnRef idx="0"/>
-    <cs:fillRef idx="0"/>
-    <cs:effectRef idx="0"/>
-    <cs:fontRef idx="minor">
-      <a:schemeClr val="tx1"/>
-    </cs:fontRef>
-    <cs:spPr>
-      <a:ln w="9525" cap="flat" cmpd="sng" algn="ctr">
-        <a:solidFill>
-          <a:schemeClr val="tx1">
-            <a:lumMod val="65000"/>
-            <a:lumOff val="35000"/>
-          </a:schemeClr>
-        </a:solidFill>
-        <a:round/>
-      </a:ln>
-    </cs:spPr>
-  </cs:errorBar>
-  <cs:floor>
-    <cs:lnRef idx="0"/>
-    <cs:fillRef idx="0"/>
-    <cs:effectRef idx="0"/>
-    <cs:fontRef idx="minor">
-      <a:schemeClr val="tx1"/>
-    </cs:fontRef>
-    <cs:spPr>
-      <a:noFill/>
-      <a:ln>
-        <a:noFill/>
-      </a:ln>
-    </cs:spPr>
-  </cs:floor>
-  <cs:gridlineMajor>
-    <cs:lnRef idx="0"/>
-    <cs:fillRef idx="0"/>
-    <cs:effectRef idx="0"/>
-    <cs:fontRef idx="minor">
-      <a:schemeClr val="tx1"/>
-    </cs:fontRef>
-    <cs:spPr>
-      <a:ln w="9525" cap="flat" cmpd="sng" algn="ctr">
-        <a:solidFill>
-          <a:schemeClr val="tx1">
-            <a:lumMod val="15000"/>
-            <a:lumOff val="85000"/>
-          </a:schemeClr>
-        </a:solidFill>
-        <a:round/>
-      </a:ln>
-    </cs:spPr>
-  </cs:gridlineMajor>
-  <cs:gridlineMinor>
-    <cs:lnRef idx="0"/>
-    <cs:fillRef idx="0"/>
-    <cs:effectRef idx="0"/>
-    <cs:fontRef idx="minor">
-      <a:schemeClr val="tx1"/>
-    </cs:fontRef>
-    <cs:spPr>
-      <a:ln w="9525" cap="flat" cmpd="sng" algn="ctr">
-        <a:solidFill>
-          <a:schemeClr val="tx1">
-            <a:lumMod val="5000"/>
-            <a:lumOff val="95000"/>
-          </a:schemeClr>
-        </a:solidFill>
-        <a:round/>
-      </a:ln>
-    </cs:spPr>
-  </cs:gridlineMinor>
-  <cs:hiLoLine>
-    <cs:lnRef idx="0"/>
-    <cs:fillRef idx="0"/>
-    <cs:effectRef idx="0"/>
-    <cs:fontRef idx="minor">
-      <a:schemeClr val="tx1"/>
-    </cs:fontRef>
-    <cs:spPr>
-      <a:ln w="9525" cap="flat" cmpd="sng" algn="ctr">
-        <a:solidFill>
-          <a:schemeClr val="tx1">
-            <a:lumMod val="75000"/>
-            <a:lumOff val="25000"/>
-          </a:schemeClr>
-        </a:solidFill>
-        <a:round/>
-      </a:ln>
-    </cs:spPr>
-  </cs:hiLoLine>
-  <cs:leaderLine>
-    <cs:lnRef idx="0"/>
-    <cs:fillRef idx="0"/>
-    <cs:effectRef idx="0"/>
-    <cs:fontRef idx="minor">
-      <a:schemeClr val="tx1"/>
-    </cs:fontRef>
-    <cs:spPr>
-      <a:ln w="9525" cap="flat" cmpd="sng" algn="ctr">
-        <a:solidFill>
-          <a:schemeClr val="tx1">
-            <a:lumMod val="35000"/>
-            <a:lumOff val="65000"/>
-          </a:schemeClr>
-        </a:solidFill>
-        <a:round/>
-      </a:ln>
-    </cs:spPr>
-  </cs:leaderLine>
-  <cs:legend>
-    <cs:lnRef idx="0"/>
-    <cs:fillRef idx="0"/>
-    <cs:effectRef idx="0"/>
-    <cs:fontRef idx="minor">
-      <a:schemeClr val="tx1">
-        <a:lumMod val="65000"/>
-        <a:lumOff val="35000"/>
-      </a:schemeClr>
-    </cs:fontRef>
-    <cs:defRPr sz="1197" kern="1200"/>
-  </cs:legend>
-  <cs:plotArea mods="allowNoFillOverride allowNoLineOverride">
-    <cs:lnRef idx="0"/>
-    <cs:fillRef idx="0"/>
-    <cs:effectRef idx="0"/>
-    <cs:fontRef idx="minor">
-      <a:schemeClr val="tx1"/>
-    </cs:fontRef>
-  </cs:plotArea>
-  <cs:plotArea3D mods="allowNoFillOverride allowNoLineOverride">
-    <cs:lnRef idx="0"/>
-    <cs:fillRef idx="0"/>
-    <cs:effectRef idx="0"/>
-    <cs:fontRef idx="minor">
-      <a:schemeClr val="tx1"/>
-    </cs:fontRef>
-  </cs:plotArea3D>
-  <cs:seriesAxis>
-    <cs:lnRef idx="0"/>
-    <cs:fillRef idx="0"/>
-    <cs:effectRef idx="0"/>
-    <cs:fontRef idx="minor">
-      <a:schemeClr val="tx1">
-        <a:lumMod val="65000"/>
-        <a:lumOff val="35000"/>
-      </a:schemeClr>
-    </cs:fontRef>
-    <cs:defRPr sz="1197" kern="1200"/>
-  </cs:seriesAxis>
-  <cs:seriesLine>
-    <cs:lnRef idx="0"/>
-    <cs:fillRef idx="0"/>
-    <cs:effectRef idx="0"/>
-    <cs:fontRef idx="minor">
-      <a:schemeClr val="tx1"/>
-    </cs:fontRef>
-    <cs:spPr>
-      <a:ln w="9525" cap="flat" cmpd="sng" algn="ctr">
-        <a:solidFill>
-          <a:schemeClr val="tx1">
-            <a:lumMod val="35000"/>
-            <a:lumOff val="65000"/>
-          </a:schemeClr>
-        </a:solidFill>
-        <a:round/>
-      </a:ln>
-    </cs:spPr>
-  </cs:seriesLine>
-  <cs:title>
-    <cs:lnRef idx="0"/>
-    <cs:fillRef idx="0"/>
-    <cs:effectRef idx="0"/>
-    <cs:fontRef idx="minor">
-      <a:schemeClr val="tx1">
-        <a:lumMod val="65000"/>
-        <a:lumOff val="35000"/>
-      </a:schemeClr>
-    </cs:fontRef>
-    <cs:defRPr sz="1862" b="0" kern="1200" spc="0" baseline="0"/>
-  </cs:title>
-  <cs:trendline>
-    <cs:lnRef idx="0">
-      <cs:styleClr val="auto"/>
-    </cs:lnRef>
-    <cs:fillRef idx="0"/>
-    <cs:effectRef idx="0"/>
-    <cs:fontRef idx="minor">
-      <a:schemeClr val="tx1"/>
-    </cs:fontRef>
-    <cs:spPr>
-      <a:ln w="19050" cap="rnd">
-        <a:solidFill>
-          <a:schemeClr val="phClr"/>
-        </a:solidFill>
-        <a:prstDash val="sysDot"/>
-      </a:ln>
-    </cs:spPr>
-  </cs:trendline>
-  <cs:trendlineLabel>
-    <cs:lnRef idx="0"/>
-    <cs:fillRef idx="0"/>
-    <cs:effectRef idx="0"/>
-    <cs:fontRef idx="minor">
-      <a:schemeClr val="tx1">
-        <a:lumMod val="65000"/>
-        <a:lumOff val="35000"/>
-      </a:schemeClr>
-    </cs:fontRef>
-    <cs:defRPr sz="1197" kern="1200"/>
-  </cs:trendlineLabel>
-  <cs:upBar>
-    <cs:lnRef idx="0"/>
-    <cs:fillRef idx="0"/>
-    <cs:effectRef idx="0"/>
-    <cs:fontRef idx="minor">
-      <a:schemeClr val="dk1"/>
-    </cs:fontRef>
-    <cs:spPr>
-      <a:solidFill>
-        <a:schemeClr val="lt1"/>
-      </a:solidFill>
-      <a:ln w="9525">
-        <a:solidFill>
-          <a:schemeClr val="tx1">
-            <a:lumMod val="15000"/>
-            <a:lumOff val="85000"/>
-          </a:schemeClr>
-        </a:solidFill>
-      </a:ln>
-    </cs:spPr>
-  </cs:upBar>
-  <cs:valueAxis>
-    <cs:lnRef idx="0"/>
-    <cs:fillRef idx="0"/>
-    <cs:effectRef idx="0"/>
-    <cs:fontRef idx="minor">
-      <a:schemeClr val="tx1">
-        <a:lumMod val="65000"/>
-        <a:lumOff val="35000"/>
-      </a:schemeClr>
-    </cs:fontRef>
-    <cs:defRPr sz="1197" kern="1200"/>
-  </cs:valueAxis>
-  <cs:wall>
-    <cs:lnRef idx="0"/>
-    <cs:fillRef idx="0"/>
-    <cs:effectRef idx="0"/>
-    <cs:fontRef idx="minor">
-      <a:schemeClr val="tx1"/>
-    </cs:fontRef>
-    <cs:spPr>
-      <a:noFill/>
-      <a:ln>
-        <a:noFill/>
-      </a:ln>
-    </cs:spPr>
-  </cs:wall>
-</cs:chartStyle>
-</file>
-
 <file path=ppt/slideLayouts/slideLayout1.xml><?xml version="1.0" encoding="utf-8"?>
 <p:sldLayout xmlns:a="http://schemas.openxmlformats.org/drawingml/2006/main" xmlns:r="http://schemas.openxmlformats.org/officeDocument/2006/relationships" xmlns:p="http://schemas.openxmlformats.org/presentationml/2006/main" type="title" preserve="1">
   <p:cSld name="제목 슬라이드">
@@ -1155,7 +244,7 @@
           <a:p>
             <a:fld id="{EDB13A16-E8B7-49B3-BFC3-A609BD0FC85B}" type="datetimeFigureOut">
               <a:rPr lang="ko-KR" altLang="en-US" smtClean="0"/>
-              <a:t>2023-06-11 Sunday</a:t>
+              <a:t>2023-06-25 Sunday</a:t>
             </a:fld>
             <a:endParaRPr lang="ko-KR" altLang="en-US"/>
           </a:p>
@@ -1325,7 +414,7 @@
           <a:p>
             <a:fld id="{EDB13A16-E8B7-49B3-BFC3-A609BD0FC85B}" type="datetimeFigureOut">
               <a:rPr lang="ko-KR" altLang="en-US" smtClean="0"/>
-              <a:t>2023-06-11 Sunday</a:t>
+              <a:t>2023-06-25 Sunday</a:t>
             </a:fld>
             <a:endParaRPr lang="ko-KR" altLang="en-US"/>
           </a:p>
@@ -1505,7 +594,7 @@
           <a:p>
             <a:fld id="{EDB13A16-E8B7-49B3-BFC3-A609BD0FC85B}" type="datetimeFigureOut">
               <a:rPr lang="ko-KR" altLang="en-US" smtClean="0"/>
-              <a:t>2023-06-11 Sunday</a:t>
+              <a:t>2023-06-25 Sunday</a:t>
             </a:fld>
             <a:endParaRPr lang="ko-KR" altLang="en-US"/>
           </a:p>
@@ -1675,7 +764,7 @@
           <a:p>
             <a:fld id="{EDB13A16-E8B7-49B3-BFC3-A609BD0FC85B}" type="datetimeFigureOut">
               <a:rPr lang="ko-KR" altLang="en-US" smtClean="0"/>
-              <a:t>2023-06-11 Sunday</a:t>
+              <a:t>2023-06-25 Sunday</a:t>
             </a:fld>
             <a:endParaRPr lang="ko-KR" altLang="en-US"/>
           </a:p>
@@ -1921,7 +1010,7 @@
           <a:p>
             <a:fld id="{EDB13A16-E8B7-49B3-BFC3-A609BD0FC85B}" type="datetimeFigureOut">
               <a:rPr lang="ko-KR" altLang="en-US" smtClean="0"/>
-              <a:t>2023-06-11 Sunday</a:t>
+              <a:t>2023-06-25 Sunday</a:t>
             </a:fld>
             <a:endParaRPr lang="ko-KR" altLang="en-US"/>
           </a:p>
@@ -2153,7 +1242,7 @@
           <a:p>
             <a:fld id="{EDB13A16-E8B7-49B3-BFC3-A609BD0FC85B}" type="datetimeFigureOut">
               <a:rPr lang="ko-KR" altLang="en-US" smtClean="0"/>
-              <a:t>2023-06-11 Sunday</a:t>
+              <a:t>2023-06-25 Sunday</a:t>
             </a:fld>
             <a:endParaRPr lang="ko-KR" altLang="en-US"/>
           </a:p>
@@ -2520,7 +1609,7 @@
           <a:p>
             <a:fld id="{EDB13A16-E8B7-49B3-BFC3-A609BD0FC85B}" type="datetimeFigureOut">
               <a:rPr lang="ko-KR" altLang="en-US" smtClean="0"/>
-              <a:t>2023-06-11 Sunday</a:t>
+              <a:t>2023-06-25 Sunday</a:t>
             </a:fld>
             <a:endParaRPr lang="ko-KR" altLang="en-US"/>
           </a:p>
@@ -2638,7 +1727,7 @@
           <a:p>
             <a:fld id="{EDB13A16-E8B7-49B3-BFC3-A609BD0FC85B}" type="datetimeFigureOut">
               <a:rPr lang="ko-KR" altLang="en-US" smtClean="0"/>
-              <a:t>2023-06-11 Sunday</a:t>
+              <a:t>2023-06-25 Sunday</a:t>
             </a:fld>
             <a:endParaRPr lang="ko-KR" altLang="en-US"/>
           </a:p>
@@ -2733,7 +1822,7 @@
           <a:p>
             <a:fld id="{EDB13A16-E8B7-49B3-BFC3-A609BD0FC85B}" type="datetimeFigureOut">
               <a:rPr lang="ko-KR" altLang="en-US" smtClean="0"/>
-              <a:t>2023-06-11 Sunday</a:t>
+              <a:t>2023-06-25 Sunday</a:t>
             </a:fld>
             <a:endParaRPr lang="ko-KR" altLang="en-US"/>
           </a:p>
@@ -3010,7 +2099,7 @@
           <a:p>
             <a:fld id="{EDB13A16-E8B7-49B3-BFC3-A609BD0FC85B}" type="datetimeFigureOut">
               <a:rPr lang="ko-KR" altLang="en-US" smtClean="0"/>
-              <a:t>2023-06-11 Sunday</a:t>
+              <a:t>2023-06-25 Sunday</a:t>
             </a:fld>
             <a:endParaRPr lang="ko-KR" altLang="en-US"/>
           </a:p>
@@ -3263,7 +2352,7 @@
           <a:p>
             <a:fld id="{EDB13A16-E8B7-49B3-BFC3-A609BD0FC85B}" type="datetimeFigureOut">
               <a:rPr lang="ko-KR" altLang="en-US" smtClean="0"/>
-              <a:t>2023-06-11 Sunday</a:t>
+              <a:t>2023-06-25 Sunday</a:t>
             </a:fld>
             <a:endParaRPr lang="ko-KR" altLang="en-US"/>
           </a:p>
@@ -3476,7 +2565,7 @@
           <a:p>
             <a:fld id="{EDB13A16-E8B7-49B3-BFC3-A609BD0FC85B}" type="datetimeFigureOut">
               <a:rPr lang="ko-KR" altLang="en-US" smtClean="0"/>
-              <a:t>2023-06-11 Sunday</a:t>
+              <a:t>2023-06-25 Sunday</a:t>
             </a:fld>
             <a:endParaRPr lang="ko-KR" altLang="en-US"/>
           </a:p>
@@ -3881,56 +2970,23 @@
           <a:chExt cx="0" cy="0"/>
         </a:xfrm>
       </p:grpSpPr>
-      <p:pic>
-        <p:nvPicPr>
-          <p:cNvPr id="11" name="그림 10"/>
-          <p:cNvPicPr>
-            <a:picLocks noChangeAspect="1"/>
-          </p:cNvPicPr>
-          <p:nvPr/>
-        </p:nvPicPr>
-        <p:blipFill rotWithShape="1">
-          <a:blip r:embed="rId2"/>
-          <a:srcRect l="14220"/>
-          <a:stretch/>
-        </p:blipFill>
-        <p:spPr>
-          <a:xfrm>
-            <a:off x="2174906" y="8544"/>
-            <a:ext cx="10029793" cy="544898"/>
-          </a:xfrm>
-          <a:prstGeom prst="rect">
-            <a:avLst/>
-          </a:prstGeom>
-          <a:effectLst>
-            <a:outerShdw blurRad="50800" dist="38100" dir="5400000" algn="t" rotWithShape="0">
-              <a:prstClr val="black">
-                <a:alpha val="40000"/>
-              </a:prstClr>
-            </a:outerShdw>
-          </a:effectLst>
-        </p:spPr>
-      </p:pic>
-      <p:sp>
-        <p:nvSpPr>
-          <p:cNvPr id="13" name="직사각형 12"/>
+      <p:sp>
+        <p:nvSpPr>
+          <p:cNvPr id="20" name="모서리가 둥근 직사각형 19"/>
           <p:cNvSpPr/>
           <p:nvPr/>
         </p:nvSpPr>
         <p:spPr>
           <a:xfrm>
-            <a:off x="2229860" y="0"/>
-            <a:ext cx="3136307" cy="529839"/>
-          </a:xfrm>
-          <a:prstGeom prst="rect">
+            <a:off x="207628" y="196508"/>
+            <a:ext cx="779309" cy="272684"/>
+          </a:xfrm>
+          <a:prstGeom prst="roundRect">
             <a:avLst/>
           </a:prstGeom>
           <a:solidFill>
-            <a:srgbClr val="FFFFFF"/>
+            <a:srgbClr val="0D6EFD"/>
           </a:solidFill>
-          <a:ln>
-            <a:noFill/>
-          </a:ln>
         </p:spPr>
         <p:style>
           <a:lnRef idx="2">
@@ -3952,58 +3008,32 @@
           <a:bodyPr rtlCol="0" anchor="ctr"/>
           <a:lstStyle/>
           <a:p>
-            <a:r>
-              <a:rPr lang="en-US" altLang="ko-KR" sz="1400" b="1" dirty="0" smtClean="0">
-                <a:solidFill>
-                  <a:srgbClr val="000000"/>
-                </a:solidFill>
-              </a:rPr>
-              <a:t>21-22 </a:t>
-            </a:r>
-            <a:r>
-              <a:rPr lang="en-US" altLang="ko-KR" sz="1400" b="1" dirty="0" smtClean="0">
-                <a:solidFill>
-                  <a:srgbClr val="000000"/>
-                </a:solidFill>
-              </a:rPr>
-              <a:t>EPL </a:t>
-            </a:r>
-            <a:r>
-              <a:rPr lang="ko-KR" altLang="en-US" sz="1400" b="1" dirty="0" smtClean="0">
-                <a:solidFill>
-                  <a:srgbClr val="000000"/>
-                </a:solidFill>
-              </a:rPr>
-              <a:t>데이터 시각화</a:t>
-            </a:r>
-            <a:endParaRPr lang="ko-KR" altLang="en-US" sz="1400" b="1" dirty="0">
-              <a:solidFill>
-                <a:srgbClr val="000000"/>
-              </a:solidFill>
-            </a:endParaRPr>
-          </a:p>
-        </p:txBody>
-      </p:sp>
-      <p:sp>
-        <p:nvSpPr>
-          <p:cNvPr id="19" name="직사각형 18"/>
+            <a:pPr algn="ctr"/>
+            <a:r>
+              <a:rPr lang="ko-KR" altLang="en-US" sz="1100" dirty="0" smtClean="0"/>
+              <a:t>홈</a:t>
+            </a:r>
+            <a:endParaRPr lang="ko-KR" altLang="en-US" sz="1100" dirty="0"/>
+          </a:p>
+        </p:txBody>
+      </p:sp>
+      <p:sp>
+        <p:nvSpPr>
+          <p:cNvPr id="21" name="모서리가 둥근 직사각형 20"/>
           <p:cNvSpPr/>
           <p:nvPr/>
         </p:nvSpPr>
         <p:spPr>
           <a:xfrm>
-            <a:off x="7861885" y="36915"/>
-            <a:ext cx="2965390" cy="350377"/>
-          </a:xfrm>
-          <a:prstGeom prst="rect">
+            <a:off x="207628" y="1010247"/>
+            <a:ext cx="827667" cy="272684"/>
+          </a:xfrm>
+          <a:prstGeom prst="roundRect">
             <a:avLst/>
           </a:prstGeom>
           <a:solidFill>
-            <a:srgbClr val="FFFFFF"/>
+            <a:srgbClr val="0D6EFD"/>
           </a:solidFill>
-          <a:ln>
-            <a:noFill/>
-          </a:ln>
         </p:spPr>
         <p:style>
           <a:lnRef idx="2">
@@ -4026,96 +3056,6 @@
           <a:lstStyle/>
           <a:p>
             <a:pPr algn="ctr"/>
-            <a:endParaRPr lang="ko-KR" altLang="en-US"/>
-          </a:p>
-        </p:txBody>
-      </p:sp>
-      <p:sp>
-        <p:nvSpPr>
-          <p:cNvPr id="20" name="모서리가 둥근 직사각형 19"/>
-          <p:cNvSpPr/>
-          <p:nvPr/>
-        </p:nvSpPr>
-        <p:spPr>
-          <a:xfrm>
-            <a:off x="207628" y="583548"/>
-            <a:ext cx="779309" cy="272684"/>
-          </a:xfrm>
-          <a:prstGeom prst="roundRect">
-            <a:avLst/>
-          </a:prstGeom>
-          <a:solidFill>
-            <a:srgbClr val="0D6EFD"/>
-          </a:solidFill>
-        </p:spPr>
-        <p:style>
-          <a:lnRef idx="2">
-            <a:schemeClr val="accent1">
-              <a:shade val="50000"/>
-            </a:schemeClr>
-          </a:lnRef>
-          <a:fillRef idx="1">
-            <a:schemeClr val="accent1"/>
-          </a:fillRef>
-          <a:effectRef idx="0">
-            <a:schemeClr val="accent1"/>
-          </a:effectRef>
-          <a:fontRef idx="minor">
-            <a:schemeClr val="lt1"/>
-          </a:fontRef>
-        </p:style>
-        <p:txBody>
-          <a:bodyPr rtlCol="0" anchor="ctr"/>
-          <a:lstStyle/>
-          <a:p>
-            <a:pPr algn="ctr"/>
-            <a:r>
-              <a:rPr lang="ko-KR" altLang="en-US" sz="1100" dirty="0" smtClean="0"/>
-              <a:t>홈</a:t>
-            </a:r>
-            <a:endParaRPr lang="ko-KR" altLang="en-US" sz="1100" dirty="0"/>
-          </a:p>
-        </p:txBody>
-      </p:sp>
-      <p:sp>
-        <p:nvSpPr>
-          <p:cNvPr id="21" name="모서리가 둥근 직사각형 20"/>
-          <p:cNvSpPr/>
-          <p:nvPr/>
-        </p:nvSpPr>
-        <p:spPr>
-          <a:xfrm>
-            <a:off x="1194564" y="583548"/>
-            <a:ext cx="827667" cy="272684"/>
-          </a:xfrm>
-          <a:prstGeom prst="roundRect">
-            <a:avLst/>
-          </a:prstGeom>
-          <a:solidFill>
-            <a:srgbClr val="0D6EFD"/>
-          </a:solidFill>
-        </p:spPr>
-        <p:style>
-          <a:lnRef idx="2">
-            <a:schemeClr val="accent1">
-              <a:shade val="50000"/>
-            </a:schemeClr>
-          </a:lnRef>
-          <a:fillRef idx="1">
-            <a:schemeClr val="accent1"/>
-          </a:fillRef>
-          <a:effectRef idx="0">
-            <a:schemeClr val="accent1"/>
-          </a:effectRef>
-          <a:fontRef idx="minor">
-            <a:schemeClr val="lt1"/>
-          </a:fontRef>
-        </p:style>
-        <p:txBody>
-          <a:bodyPr rtlCol="0" anchor="ctr"/>
-          <a:lstStyle/>
-          <a:p>
-            <a:pPr algn="ctr"/>
             <a:r>
               <a:rPr lang="ko-KR" altLang="en-US" sz="1100" dirty="0" smtClean="0"/>
               <a:t>원정</a:t>
@@ -4132,7 +3072,7 @@
         </p:nvSpPr>
         <p:spPr>
           <a:xfrm>
-            <a:off x="-1" y="0"/>
+            <a:off x="8501" y="19022"/>
             <a:ext cx="2174907" cy="6849457"/>
           </a:xfrm>
           <a:prstGeom prst="rect">
@@ -4178,7 +3118,7 @@
         </p:nvSpPr>
         <p:spPr>
           <a:xfrm>
-            <a:off x="207628" y="124118"/>
+            <a:off x="207628" y="576536"/>
             <a:ext cx="1814603" cy="328809"/>
           </a:xfrm>
           <a:prstGeom prst="roundRect">
@@ -4229,7 +3169,7 @@
         </p:nvSpPr>
         <p:spPr>
           <a:xfrm>
-            <a:off x="1709245" y="200599"/>
+            <a:off x="1709245" y="653017"/>
             <a:ext cx="228600" cy="175846"/>
           </a:xfrm>
           <a:prstGeom prst="downArrow">
@@ -4269,7 +3209,7 @@
         </p:nvSpPr>
         <p:spPr>
           <a:xfrm>
-            <a:off x="1292469" y="6425958"/>
+            <a:off x="1292469" y="2050353"/>
             <a:ext cx="729762" cy="297553"/>
           </a:xfrm>
           <a:prstGeom prst="roundRect">
@@ -4305,38 +3245,16 @@
           </a:p>
         </p:txBody>
       </p:sp>
-      <p:graphicFrame>
-        <p:nvGraphicFramePr>
-          <p:cNvPr id="42" name="차트 41"/>
-          <p:cNvGraphicFramePr/>
-          <p:nvPr>
-            <p:extLst>
-              <p:ext uri="{D42A27DB-BD31-4B8C-83A1-F6EECF244321}">
-                <p14:modId xmlns:p14="http://schemas.microsoft.com/office/powerpoint/2010/main" val="2180932273"/>
-              </p:ext>
-            </p:extLst>
-          </p:nvPr>
-        </p:nvGraphicFramePr>
-        <p:xfrm>
-          <a:off x="2308991" y="1078489"/>
-          <a:ext cx="8385579" cy="4276846"/>
-        </p:xfrm>
-        <a:graphic>
-          <a:graphicData uri="http://schemas.openxmlformats.org/drawingml/2006/chart">
-            <c:chart xmlns:c="http://schemas.openxmlformats.org/drawingml/2006/chart" xmlns:r="http://schemas.openxmlformats.org/officeDocument/2006/relationships" r:id="rId3"/>
-          </a:graphicData>
-        </a:graphic>
-      </p:graphicFrame>
-      <p:sp>
-        <p:nvSpPr>
-          <p:cNvPr id="46" name="모서리가 둥근 직사각형 45"/>
+      <p:sp>
+        <p:nvSpPr>
+          <p:cNvPr id="34" name="모서리가 둥근 직사각형 33"/>
           <p:cNvSpPr/>
           <p:nvPr/>
         </p:nvSpPr>
         <p:spPr>
           <a:xfrm>
-            <a:off x="207628" y="1414769"/>
-            <a:ext cx="1893734" cy="395654"/>
+            <a:off x="207628" y="1387833"/>
+            <a:ext cx="1814603" cy="328809"/>
           </a:xfrm>
           <a:prstGeom prst="roundRect">
             <a:avLst/>
@@ -4344,6 +3262,11 @@
           <a:solidFill>
             <a:srgbClr val="0D6EFD"/>
           </a:solidFill>
+          <a:ln>
+            <a:solidFill>
+              <a:srgbClr val="000000"/>
+            </a:solidFill>
+          </a:ln>
         </p:spPr>
         <p:style>
           <a:lnRef idx="2">
@@ -4367,7 +3290,7 @@
           <a:p>
             <a:r>
               <a:rPr lang="ko-KR" altLang="en-US" sz="1100" dirty="0" smtClean="0"/>
-              <a:t>그래프 유형</a:t>
+              <a:t>팀 선택</a:t>
             </a:r>
             <a:endParaRPr lang="ko-KR" altLang="en-US" sz="1100" dirty="0"/>
           </a:p>
@@ -4375,14 +3298,14 @@
       </p:sp>
       <p:sp>
         <p:nvSpPr>
-          <p:cNvPr id="47" name="아래쪽 화살표 46"/>
+          <p:cNvPr id="35" name="아래쪽 화살표 34"/>
           <p:cNvSpPr/>
           <p:nvPr/>
         </p:nvSpPr>
         <p:spPr>
           <a:xfrm>
-            <a:off x="1823545" y="1566272"/>
-            <a:ext cx="114300" cy="198490"/>
+            <a:off x="1709245" y="1464314"/>
+            <a:ext cx="228600" cy="175846"/>
           </a:xfrm>
           <a:prstGeom prst="downArrow">
             <a:avLst/>
@@ -4415,14 +3338,660 @@
       </p:sp>
       <p:sp>
         <p:nvSpPr>
-          <p:cNvPr id="24" name="직사각형 23"/>
+          <p:cNvPr id="2" name="직사각형 1"/>
           <p:cNvSpPr/>
           <p:nvPr/>
         </p:nvSpPr>
         <p:spPr>
           <a:xfrm>
-            <a:off x="0" y="1987420"/>
-            <a:ext cx="2174906" cy="4264090"/>
+            <a:off x="2453539" y="262658"/>
+            <a:ext cx="1313411" cy="677397"/>
+          </a:xfrm>
+          <a:prstGeom prst="rect">
+            <a:avLst/>
+          </a:prstGeom>
+        </p:spPr>
+        <p:style>
+          <a:lnRef idx="2">
+            <a:schemeClr val="accent1">
+              <a:shade val="50000"/>
+            </a:schemeClr>
+          </a:lnRef>
+          <a:fillRef idx="1">
+            <a:schemeClr val="accent1"/>
+          </a:fillRef>
+          <a:effectRef idx="0">
+            <a:schemeClr val="accent1"/>
+          </a:effectRef>
+          <a:fontRef idx="minor">
+            <a:schemeClr val="lt1"/>
+          </a:fontRef>
+        </p:style>
+        <p:txBody>
+          <a:bodyPr rtlCol="0" anchor="ctr"/>
+          <a:lstStyle/>
+          <a:p>
+            <a:pPr algn="ctr"/>
+            <a:r>
+              <a:rPr lang="en-US" altLang="ko-KR" dirty="0" smtClean="0"/>
+              <a:t>A</a:t>
+            </a:r>
+            <a:r>
+              <a:rPr lang="ko-KR" altLang="en-US" dirty="0" smtClean="0"/>
+              <a:t>팀의 득점 평균</a:t>
+            </a:r>
+            <a:endParaRPr lang="ko-KR" altLang="en-US" dirty="0"/>
+          </a:p>
+        </p:txBody>
+      </p:sp>
+      <p:sp>
+        <p:nvSpPr>
+          <p:cNvPr id="37" name="직사각형 36"/>
+          <p:cNvSpPr/>
+          <p:nvPr/>
+        </p:nvSpPr>
+        <p:spPr>
+          <a:xfrm>
+            <a:off x="4022707" y="290708"/>
+            <a:ext cx="1313411" cy="677397"/>
+          </a:xfrm>
+          <a:prstGeom prst="rect">
+            <a:avLst/>
+          </a:prstGeom>
+        </p:spPr>
+        <p:style>
+          <a:lnRef idx="2">
+            <a:schemeClr val="accent1">
+              <a:shade val="50000"/>
+            </a:schemeClr>
+          </a:lnRef>
+          <a:fillRef idx="1">
+            <a:schemeClr val="accent1"/>
+          </a:fillRef>
+          <a:effectRef idx="0">
+            <a:schemeClr val="accent1"/>
+          </a:effectRef>
+          <a:fontRef idx="minor">
+            <a:schemeClr val="lt1"/>
+          </a:fontRef>
+        </p:style>
+        <p:txBody>
+          <a:bodyPr rtlCol="0" anchor="ctr"/>
+          <a:lstStyle/>
+          <a:p>
+            <a:pPr algn="ctr"/>
+            <a:r>
+              <a:rPr lang="en-US" altLang="ko-KR" dirty="0" smtClean="0"/>
+              <a:t>A</a:t>
+            </a:r>
+            <a:r>
+              <a:rPr lang="ko-KR" altLang="en-US" dirty="0" smtClean="0"/>
+              <a:t>팀의 총득점</a:t>
+            </a:r>
+            <a:endParaRPr lang="ko-KR" altLang="en-US" dirty="0"/>
+          </a:p>
+        </p:txBody>
+      </p:sp>
+      <p:sp>
+        <p:nvSpPr>
+          <p:cNvPr id="43" name="직사각형 42"/>
+          <p:cNvSpPr/>
+          <p:nvPr/>
+        </p:nvSpPr>
+        <p:spPr>
+          <a:xfrm>
+            <a:off x="5591875" y="314318"/>
+            <a:ext cx="1695798" cy="677397"/>
+          </a:xfrm>
+          <a:prstGeom prst="rect">
+            <a:avLst/>
+          </a:prstGeom>
+        </p:spPr>
+        <p:style>
+          <a:lnRef idx="2">
+            <a:schemeClr val="accent1">
+              <a:shade val="50000"/>
+            </a:schemeClr>
+          </a:lnRef>
+          <a:fillRef idx="1">
+            <a:schemeClr val="accent1"/>
+          </a:fillRef>
+          <a:effectRef idx="0">
+            <a:schemeClr val="accent1"/>
+          </a:effectRef>
+          <a:fontRef idx="minor">
+            <a:schemeClr val="lt1"/>
+          </a:fontRef>
+        </p:style>
+        <p:txBody>
+          <a:bodyPr rtlCol="0" anchor="ctr"/>
+          <a:lstStyle/>
+          <a:p>
+            <a:pPr algn="ctr"/>
+            <a:r>
+              <a:rPr lang="en-US" altLang="ko-KR" dirty="0" smtClean="0"/>
+              <a:t>A</a:t>
+            </a:r>
+            <a:r>
+              <a:rPr lang="ko-KR" altLang="en-US" dirty="0" smtClean="0"/>
+              <a:t>팀의 에이스</a:t>
+            </a:r>
+            <a:endParaRPr lang="ko-KR" altLang="en-US" dirty="0"/>
+          </a:p>
+        </p:txBody>
+      </p:sp>
+      <p:sp>
+        <p:nvSpPr>
+          <p:cNvPr id="44" name="직사각형 43"/>
+          <p:cNvSpPr/>
+          <p:nvPr/>
+        </p:nvSpPr>
+        <p:spPr>
+          <a:xfrm>
+            <a:off x="2453539" y="1243076"/>
+            <a:ext cx="4834134" cy="2393719"/>
+          </a:xfrm>
+          <a:prstGeom prst="rect">
+            <a:avLst/>
+          </a:prstGeom>
+        </p:spPr>
+        <p:style>
+          <a:lnRef idx="2">
+            <a:schemeClr val="accent1">
+              <a:shade val="50000"/>
+            </a:schemeClr>
+          </a:lnRef>
+          <a:fillRef idx="1">
+            <a:schemeClr val="accent1"/>
+          </a:fillRef>
+          <a:effectRef idx="0">
+            <a:schemeClr val="accent1"/>
+          </a:effectRef>
+          <a:fontRef idx="minor">
+            <a:schemeClr val="lt1"/>
+          </a:fontRef>
+        </p:style>
+        <p:txBody>
+          <a:bodyPr rtlCol="0" anchor="ctr"/>
+          <a:lstStyle/>
+          <a:p>
+            <a:pPr algn="ctr"/>
+            <a:r>
+              <a:rPr lang="ko-KR" altLang="en-US" dirty="0" smtClean="0"/>
+              <a:t>전체 팀의 득점 분석 꺾은선 그래프</a:t>
+            </a:r>
+            <a:endParaRPr lang="ko-KR" altLang="en-US" dirty="0"/>
+          </a:p>
+        </p:txBody>
+      </p:sp>
+      <p:sp>
+        <p:nvSpPr>
+          <p:cNvPr id="45" name="직사각형 44"/>
+          <p:cNvSpPr/>
+          <p:nvPr/>
+        </p:nvSpPr>
+        <p:spPr>
+          <a:xfrm>
+            <a:off x="2453539" y="3888156"/>
+            <a:ext cx="4834134" cy="2857981"/>
+          </a:xfrm>
+          <a:prstGeom prst="rect">
+            <a:avLst/>
+          </a:prstGeom>
+        </p:spPr>
+        <p:style>
+          <a:lnRef idx="2">
+            <a:schemeClr val="accent1">
+              <a:shade val="50000"/>
+            </a:schemeClr>
+          </a:lnRef>
+          <a:fillRef idx="1">
+            <a:schemeClr val="accent1"/>
+          </a:fillRef>
+          <a:effectRef idx="0">
+            <a:schemeClr val="accent1"/>
+          </a:effectRef>
+          <a:fontRef idx="minor">
+            <a:schemeClr val="lt1"/>
+          </a:fontRef>
+        </p:style>
+        <p:txBody>
+          <a:bodyPr rtlCol="0" anchor="ctr"/>
+          <a:lstStyle/>
+          <a:p>
+            <a:pPr algn="ctr"/>
+            <a:r>
+              <a:rPr lang="ko-KR" altLang="en-US" dirty="0" smtClean="0"/>
+              <a:t>전체 팀의 실점 분석 꺾은선 그래프</a:t>
+            </a:r>
+            <a:endParaRPr lang="ko-KR" altLang="en-US" dirty="0"/>
+          </a:p>
+        </p:txBody>
+      </p:sp>
+      <p:sp>
+        <p:nvSpPr>
+          <p:cNvPr id="3" name="타원 2"/>
+          <p:cNvSpPr/>
+          <p:nvPr/>
+        </p:nvSpPr>
+        <p:spPr>
+          <a:xfrm>
+            <a:off x="7852229" y="1179456"/>
+            <a:ext cx="2685142" cy="2563737"/>
+          </a:xfrm>
+          <a:prstGeom prst="ellipse">
+            <a:avLst/>
+          </a:prstGeom>
+        </p:spPr>
+        <p:style>
+          <a:lnRef idx="2">
+            <a:schemeClr val="accent1">
+              <a:shade val="50000"/>
+            </a:schemeClr>
+          </a:lnRef>
+          <a:fillRef idx="1">
+            <a:schemeClr val="accent1"/>
+          </a:fillRef>
+          <a:effectRef idx="0">
+            <a:schemeClr val="accent1"/>
+          </a:effectRef>
+          <a:fontRef idx="minor">
+            <a:schemeClr val="lt1"/>
+          </a:fontRef>
+        </p:style>
+        <p:txBody>
+          <a:bodyPr rtlCol="0" anchor="ctr"/>
+          <a:lstStyle/>
+          <a:p>
+            <a:pPr algn="ctr"/>
+            <a:endParaRPr lang="ko-KR" altLang="en-US"/>
+          </a:p>
+        </p:txBody>
+      </p:sp>
+    </p:spTree>
+    <p:extLst>
+      <p:ext uri="{BB962C8B-B14F-4D97-AF65-F5344CB8AC3E}">
+        <p14:creationId xmlns:p14="http://schemas.microsoft.com/office/powerpoint/2010/main" val="4024388501"/>
+      </p:ext>
+    </p:extLst>
+  </p:cSld>
+  <p:clrMapOvr>
+    <a:masterClrMapping/>
+  </p:clrMapOvr>
+</p:sld>
+</file>
+
+<file path=ppt/slides/slide2.xml><?xml version="1.0" encoding="utf-8"?>
+<p:sld xmlns:a="http://schemas.openxmlformats.org/drawingml/2006/main" xmlns:r="http://schemas.openxmlformats.org/officeDocument/2006/relationships" xmlns:p="http://schemas.openxmlformats.org/presentationml/2006/main">
+  <p:cSld>
+    <p:spTree>
+      <p:nvGrpSpPr>
+        <p:cNvPr id="1" name=""/>
+        <p:cNvGrpSpPr/>
+        <p:nvPr/>
+      </p:nvGrpSpPr>
+      <p:grpSpPr>
+        <a:xfrm>
+          <a:off x="0" y="0"/>
+          <a:ext cx="0" cy="0"/>
+          <a:chOff x="0" y="0"/>
+          <a:chExt cx="0" cy="0"/>
+        </a:xfrm>
+      </p:grpSpPr>
+      <p:sp>
+        <p:nvSpPr>
+          <p:cNvPr id="4" name="직사각형 3"/>
+          <p:cNvSpPr/>
+          <p:nvPr/>
+        </p:nvSpPr>
+        <p:spPr>
+          <a:xfrm>
+            <a:off x="3633086" y="0"/>
+            <a:ext cx="6614157" cy="1141043"/>
+          </a:xfrm>
+          <a:prstGeom prst="rect">
+            <a:avLst/>
+          </a:prstGeom>
+          <a:noFill/>
+          <a:ln>
+            <a:solidFill>
+              <a:srgbClr val="000000"/>
+            </a:solidFill>
+          </a:ln>
+        </p:spPr>
+        <p:style>
+          <a:lnRef idx="2">
+            <a:schemeClr val="accent1">
+              <a:shade val="50000"/>
+            </a:schemeClr>
+          </a:lnRef>
+          <a:fillRef idx="1">
+            <a:schemeClr val="accent1"/>
+          </a:fillRef>
+          <a:effectRef idx="0">
+            <a:schemeClr val="accent1"/>
+          </a:effectRef>
+          <a:fontRef idx="minor">
+            <a:schemeClr val="lt1"/>
+          </a:fontRef>
+        </p:style>
+        <p:txBody>
+          <a:bodyPr rtlCol="0" anchor="ctr"/>
+          <a:lstStyle/>
+          <a:p>
+            <a:r>
+              <a:rPr lang="en-US" altLang="ko-KR" dirty="0" smtClean="0">
+                <a:solidFill>
+                  <a:schemeClr val="tx1"/>
+                </a:solidFill>
+                <a:latin typeface="+mj-lt"/>
+              </a:rPr>
+              <a:t>                                     </a:t>
+            </a:r>
+            <a:r>
+              <a:rPr lang="en-US" altLang="ko-KR" sz="2400" dirty="0" smtClean="0">
+                <a:solidFill>
+                  <a:schemeClr val="tx1"/>
+                </a:solidFill>
+                <a:latin typeface="+mj-lt"/>
+              </a:rPr>
+              <a:t>VS</a:t>
+            </a:r>
+            <a:endParaRPr lang="ko-KR" altLang="en-US" sz="2400" dirty="0">
+              <a:solidFill>
+                <a:schemeClr val="tx1"/>
+              </a:solidFill>
+              <a:latin typeface="+mj-lt"/>
+            </a:endParaRPr>
+          </a:p>
+        </p:txBody>
+      </p:sp>
+      <p:sp>
+        <p:nvSpPr>
+          <p:cNvPr id="5" name="모서리가 둥근 직사각형 4"/>
+          <p:cNvSpPr/>
+          <p:nvPr/>
+        </p:nvSpPr>
+        <p:spPr>
+          <a:xfrm>
+            <a:off x="3708633" y="407026"/>
+            <a:ext cx="765188" cy="342696"/>
+          </a:xfrm>
+          <a:prstGeom prst="roundRect">
+            <a:avLst/>
+          </a:prstGeom>
+          <a:solidFill>
+            <a:srgbClr val="0D6EFD"/>
+          </a:solidFill>
+        </p:spPr>
+        <p:style>
+          <a:lnRef idx="2">
+            <a:schemeClr val="accent1">
+              <a:shade val="50000"/>
+            </a:schemeClr>
+          </a:lnRef>
+          <a:fillRef idx="1">
+            <a:schemeClr val="accent1"/>
+          </a:fillRef>
+          <a:effectRef idx="0">
+            <a:schemeClr val="accent1"/>
+          </a:effectRef>
+          <a:fontRef idx="minor">
+            <a:schemeClr val="lt1"/>
+          </a:fontRef>
+        </p:style>
+        <p:txBody>
+          <a:bodyPr rtlCol="0" anchor="ctr"/>
+          <a:lstStyle/>
+          <a:p>
+            <a:pPr algn="ctr"/>
+            <a:r>
+              <a:rPr lang="ko-KR" altLang="en-US" sz="1100" dirty="0" smtClean="0"/>
+              <a:t>홈</a:t>
+            </a:r>
+            <a:endParaRPr lang="ko-KR" altLang="en-US" sz="1100" dirty="0"/>
+          </a:p>
+        </p:txBody>
+      </p:sp>
+      <p:sp>
+        <p:nvSpPr>
+          <p:cNvPr id="6" name="모서리가 둥근 직사각형 5"/>
+          <p:cNvSpPr/>
+          <p:nvPr/>
+        </p:nvSpPr>
+        <p:spPr>
+          <a:xfrm>
+            <a:off x="4608167" y="362048"/>
+            <a:ext cx="1335833" cy="416945"/>
+          </a:xfrm>
+          <a:prstGeom prst="roundRect">
+            <a:avLst/>
+          </a:prstGeom>
+          <a:solidFill>
+            <a:srgbClr val="0D6EFD"/>
+          </a:solidFill>
+          <a:ln>
+            <a:solidFill>
+              <a:srgbClr val="000000"/>
+            </a:solidFill>
+          </a:ln>
+        </p:spPr>
+        <p:style>
+          <a:lnRef idx="2">
+            <a:schemeClr val="accent1">
+              <a:shade val="50000"/>
+            </a:schemeClr>
+          </a:lnRef>
+          <a:fillRef idx="1">
+            <a:schemeClr val="accent1"/>
+          </a:fillRef>
+          <a:effectRef idx="0">
+            <a:schemeClr val="accent1"/>
+          </a:effectRef>
+          <a:fontRef idx="minor">
+            <a:schemeClr val="lt1"/>
+          </a:fontRef>
+        </p:style>
+        <p:txBody>
+          <a:bodyPr rtlCol="0" anchor="ctr"/>
+          <a:lstStyle/>
+          <a:p>
+            <a:r>
+              <a:rPr lang="ko-KR" altLang="en-US" sz="1100" dirty="0" smtClean="0"/>
+              <a:t>팀 선택</a:t>
+            </a:r>
+            <a:endParaRPr lang="ko-KR" altLang="en-US" sz="1100" dirty="0"/>
+          </a:p>
+        </p:txBody>
+      </p:sp>
+      <p:sp>
+        <p:nvSpPr>
+          <p:cNvPr id="7" name="아래쪽 화살표 6"/>
+          <p:cNvSpPr/>
+          <p:nvPr/>
+        </p:nvSpPr>
+        <p:spPr>
+          <a:xfrm>
+            <a:off x="5683386" y="482597"/>
+            <a:ext cx="228600" cy="175846"/>
+          </a:xfrm>
+          <a:prstGeom prst="downArrow">
+            <a:avLst/>
+          </a:prstGeom>
+        </p:spPr>
+        <p:style>
+          <a:lnRef idx="2">
+            <a:schemeClr val="accent1">
+              <a:shade val="50000"/>
+            </a:schemeClr>
+          </a:lnRef>
+          <a:fillRef idx="1">
+            <a:schemeClr val="accent1"/>
+          </a:fillRef>
+          <a:effectRef idx="0">
+            <a:schemeClr val="accent1"/>
+          </a:effectRef>
+          <a:fontRef idx="minor">
+            <a:schemeClr val="lt1"/>
+          </a:fontRef>
+        </p:style>
+        <p:txBody>
+          <a:bodyPr rtlCol="0" anchor="ctr"/>
+          <a:lstStyle/>
+          <a:p>
+            <a:pPr algn="ctr"/>
+            <a:endParaRPr lang="ko-KR" altLang="en-US"/>
+          </a:p>
+        </p:txBody>
+      </p:sp>
+      <p:sp>
+        <p:nvSpPr>
+          <p:cNvPr id="8" name="모서리가 둥근 직사각형 7"/>
+          <p:cNvSpPr/>
+          <p:nvPr/>
+        </p:nvSpPr>
+        <p:spPr>
+          <a:xfrm>
+            <a:off x="8610832" y="333067"/>
+            <a:ext cx="1572610" cy="422084"/>
+          </a:xfrm>
+          <a:prstGeom prst="roundRect">
+            <a:avLst/>
+          </a:prstGeom>
+          <a:solidFill>
+            <a:srgbClr val="0D6EFD"/>
+          </a:solidFill>
+          <a:ln>
+            <a:solidFill>
+              <a:srgbClr val="000000"/>
+            </a:solidFill>
+          </a:ln>
+        </p:spPr>
+        <p:style>
+          <a:lnRef idx="2">
+            <a:schemeClr val="accent1">
+              <a:shade val="50000"/>
+            </a:schemeClr>
+          </a:lnRef>
+          <a:fillRef idx="1">
+            <a:schemeClr val="accent1"/>
+          </a:fillRef>
+          <a:effectRef idx="0">
+            <a:schemeClr val="accent1"/>
+          </a:effectRef>
+          <a:fontRef idx="minor">
+            <a:schemeClr val="lt1"/>
+          </a:fontRef>
+        </p:style>
+        <p:txBody>
+          <a:bodyPr rtlCol="0" anchor="ctr"/>
+          <a:lstStyle/>
+          <a:p>
+            <a:r>
+              <a:rPr lang="ko-KR" altLang="en-US" sz="1100" dirty="0" smtClean="0"/>
+              <a:t>팀 선택</a:t>
+            </a:r>
+            <a:endParaRPr lang="ko-KR" altLang="en-US" sz="1100" dirty="0"/>
+          </a:p>
+        </p:txBody>
+      </p:sp>
+      <p:sp>
+        <p:nvSpPr>
+          <p:cNvPr id="9" name="아래쪽 화살표 8"/>
+          <p:cNvSpPr/>
+          <p:nvPr/>
+        </p:nvSpPr>
+        <p:spPr>
+          <a:xfrm>
+            <a:off x="9884880" y="500807"/>
+            <a:ext cx="196131" cy="145015"/>
+          </a:xfrm>
+          <a:prstGeom prst="downArrow">
+            <a:avLst/>
+          </a:prstGeom>
+        </p:spPr>
+        <p:style>
+          <a:lnRef idx="2">
+            <a:schemeClr val="accent1">
+              <a:shade val="50000"/>
+            </a:schemeClr>
+          </a:lnRef>
+          <a:fillRef idx="1">
+            <a:schemeClr val="accent1"/>
+          </a:fillRef>
+          <a:effectRef idx="0">
+            <a:schemeClr val="accent1"/>
+          </a:effectRef>
+          <a:fontRef idx="minor">
+            <a:schemeClr val="lt1"/>
+          </a:fontRef>
+        </p:style>
+        <p:txBody>
+          <a:bodyPr rtlCol="0" anchor="ctr"/>
+          <a:lstStyle/>
+          <a:p>
+            <a:pPr algn="ctr"/>
+            <a:endParaRPr lang="ko-KR" altLang="en-US"/>
+          </a:p>
+        </p:txBody>
+      </p:sp>
+      <p:sp>
+        <p:nvSpPr>
+          <p:cNvPr id="10" name="모서리가 둥근 직사각형 9"/>
+          <p:cNvSpPr/>
+          <p:nvPr/>
+        </p:nvSpPr>
+        <p:spPr>
+          <a:xfrm>
+            <a:off x="7732665" y="376127"/>
+            <a:ext cx="748483" cy="379024"/>
+          </a:xfrm>
+          <a:prstGeom prst="roundRect">
+            <a:avLst/>
+          </a:prstGeom>
+          <a:solidFill>
+            <a:srgbClr val="0D6EFD"/>
+          </a:solidFill>
+        </p:spPr>
+        <p:style>
+          <a:lnRef idx="2">
+            <a:schemeClr val="accent1">
+              <a:shade val="50000"/>
+            </a:schemeClr>
+          </a:lnRef>
+          <a:fillRef idx="1">
+            <a:schemeClr val="accent1"/>
+          </a:fillRef>
+          <a:effectRef idx="0">
+            <a:schemeClr val="accent1"/>
+          </a:effectRef>
+          <a:fontRef idx="minor">
+            <a:schemeClr val="lt1"/>
+          </a:fontRef>
+        </p:style>
+        <p:txBody>
+          <a:bodyPr rtlCol="0" anchor="ctr"/>
+          <a:lstStyle/>
+          <a:p>
+            <a:pPr algn="ctr"/>
+            <a:r>
+              <a:rPr lang="ko-KR" altLang="en-US" sz="1100" dirty="0" smtClean="0"/>
+              <a:t>원정</a:t>
+            </a:r>
+            <a:endParaRPr lang="ko-KR" altLang="en-US" sz="1100" dirty="0"/>
+          </a:p>
+        </p:txBody>
+      </p:sp>
+      <p:sp>
+        <p:nvSpPr>
+          <p:cNvPr id="12" name="직사각형 11"/>
+          <p:cNvSpPr/>
+          <p:nvPr/>
+        </p:nvSpPr>
+        <p:spPr>
+          <a:xfrm>
+            <a:off x="10247244" y="0"/>
+            <a:ext cx="1944756" cy="1216407"/>
           </a:xfrm>
           <a:prstGeom prst="rect">
             <a:avLst/>
@@ -4463,14 +4032,102 @@
       </p:sp>
       <p:sp>
         <p:nvSpPr>
-          <p:cNvPr id="25" name="직사각형 24"/>
+          <p:cNvPr id="13" name="모서리가 둥근 직사각형 12"/>
           <p:cNvSpPr/>
           <p:nvPr/>
         </p:nvSpPr>
         <p:spPr>
           <a:xfrm>
-            <a:off x="78027" y="2301578"/>
-            <a:ext cx="688111" cy="317241"/>
+            <a:off x="10407024" y="174171"/>
+            <a:ext cx="1509205" cy="317637"/>
+          </a:xfrm>
+          <a:prstGeom prst="roundRect">
+            <a:avLst/>
+          </a:prstGeom>
+        </p:spPr>
+        <p:style>
+          <a:lnRef idx="2">
+            <a:schemeClr val="accent1">
+              <a:shade val="50000"/>
+            </a:schemeClr>
+          </a:lnRef>
+          <a:fillRef idx="1">
+            <a:schemeClr val="accent1"/>
+          </a:fillRef>
+          <a:effectRef idx="0">
+            <a:schemeClr val="accent1"/>
+          </a:effectRef>
+          <a:fontRef idx="minor">
+            <a:schemeClr val="lt1"/>
+          </a:fontRef>
+        </p:style>
+        <p:txBody>
+          <a:bodyPr rtlCol="0" anchor="ctr"/>
+          <a:lstStyle/>
+          <a:p>
+            <a:pPr algn="ctr"/>
+            <a:r>
+              <a:rPr lang="ko-KR" altLang="en-US" dirty="0" smtClean="0"/>
+              <a:t>승부 예측</a:t>
+            </a:r>
+            <a:endParaRPr lang="ko-KR" altLang="en-US" dirty="0"/>
+          </a:p>
+        </p:txBody>
+      </p:sp>
+      <p:sp>
+        <p:nvSpPr>
+          <p:cNvPr id="14" name="모서리가 둥근 직사각형 13"/>
+          <p:cNvSpPr/>
+          <p:nvPr/>
+        </p:nvSpPr>
+        <p:spPr>
+          <a:xfrm>
+            <a:off x="10442537" y="671565"/>
+            <a:ext cx="1490368" cy="337544"/>
+          </a:xfrm>
+          <a:prstGeom prst="roundRect">
+            <a:avLst/>
+          </a:prstGeom>
+        </p:spPr>
+        <p:style>
+          <a:lnRef idx="2">
+            <a:schemeClr val="accent1">
+              <a:shade val="50000"/>
+            </a:schemeClr>
+          </a:lnRef>
+          <a:fillRef idx="1">
+            <a:schemeClr val="accent1"/>
+          </a:fillRef>
+          <a:effectRef idx="0">
+            <a:schemeClr val="accent1"/>
+          </a:effectRef>
+          <a:fontRef idx="minor">
+            <a:schemeClr val="lt1"/>
+          </a:fontRef>
+        </p:style>
+        <p:txBody>
+          <a:bodyPr rtlCol="0" anchor="ctr"/>
+          <a:lstStyle/>
+          <a:p>
+            <a:pPr algn="ctr"/>
+            <a:r>
+              <a:rPr lang="ko-KR" altLang="en-US" sz="1200" dirty="0" smtClean="0"/>
+              <a:t>양 팀 전력 분석</a:t>
+            </a:r>
+            <a:endParaRPr lang="ko-KR" altLang="en-US" sz="1200" dirty="0"/>
+          </a:p>
+        </p:txBody>
+      </p:sp>
+      <p:sp>
+        <p:nvSpPr>
+          <p:cNvPr id="15" name="직사각형 14"/>
+          <p:cNvSpPr/>
+          <p:nvPr/>
+        </p:nvSpPr>
+        <p:spPr>
+          <a:xfrm>
+            <a:off x="0" y="1146629"/>
+            <a:ext cx="6110233" cy="9492342"/>
           </a:xfrm>
           <a:prstGeom prst="rect">
             <a:avLst/>
@@ -4480,7 +4137,7 @@
           </a:solidFill>
           <a:ln>
             <a:solidFill>
-              <a:schemeClr val="bg1"/>
+              <a:srgbClr val="000000"/>
             </a:solidFill>
           </a:ln>
         </p:spPr>
@@ -4504,143 +4161,21 @@
           <a:bodyPr rtlCol="0" anchor="ctr"/>
           <a:lstStyle/>
           <a:p>
-            <a:r>
-              <a:rPr lang="en-US" altLang="ko-KR" sz="1100" dirty="0" smtClean="0">
-                <a:solidFill>
-                  <a:schemeClr val="tx1"/>
-                </a:solidFill>
-              </a:rPr>
-              <a:t>X</a:t>
-            </a:r>
-            <a:r>
-              <a:rPr lang="ko-KR" altLang="en-US" sz="1100" dirty="0" smtClean="0">
-                <a:solidFill>
-                  <a:schemeClr val="tx1"/>
-                </a:solidFill>
-              </a:rPr>
-              <a:t> </a:t>
-            </a:r>
-            <a:r>
-              <a:rPr lang="en-US" altLang="ko-KR" sz="1100" dirty="0" smtClean="0">
-                <a:solidFill>
-                  <a:schemeClr val="tx1"/>
-                </a:solidFill>
-              </a:rPr>
-              <a:t>:</a:t>
-            </a:r>
-            <a:endParaRPr lang="ko-KR" altLang="en-US" sz="1100" dirty="0">
-              <a:solidFill>
-                <a:schemeClr val="tx1"/>
-              </a:solidFill>
-            </a:endParaRPr>
-          </a:p>
-        </p:txBody>
-      </p:sp>
-      <p:sp>
-        <p:nvSpPr>
-          <p:cNvPr id="26" name="직사각형 25"/>
+            <a:pPr algn="ctr"/>
+            <a:endParaRPr lang="ko-KR" altLang="en-US"/>
+          </a:p>
+        </p:txBody>
+      </p:sp>
+      <p:sp>
+        <p:nvSpPr>
+          <p:cNvPr id="16" name="직사각형 15"/>
           <p:cNvSpPr/>
           <p:nvPr/>
         </p:nvSpPr>
         <p:spPr>
           <a:xfrm>
-            <a:off x="477037" y="2332157"/>
-            <a:ext cx="1545194" cy="256085"/>
-          </a:xfrm>
-          <a:prstGeom prst="rect">
-            <a:avLst/>
-          </a:prstGeom>
-        </p:spPr>
-        <p:style>
-          <a:lnRef idx="2">
-            <a:schemeClr val="accent1">
-              <a:shade val="50000"/>
-            </a:schemeClr>
-          </a:lnRef>
-          <a:fillRef idx="1">
-            <a:schemeClr val="accent1"/>
-          </a:fillRef>
-          <a:effectRef idx="0">
-            <a:schemeClr val="accent1"/>
-          </a:effectRef>
-          <a:fontRef idx="minor">
-            <a:schemeClr val="lt1"/>
-          </a:fontRef>
-        </p:style>
-        <p:txBody>
-          <a:bodyPr rtlCol="0" anchor="ctr"/>
-          <a:lstStyle/>
-          <a:p>
-            <a:r>
-              <a:rPr lang="en-US" altLang="ko-KR" sz="1100" dirty="0" smtClean="0"/>
-              <a:t>X(</a:t>
-            </a:r>
-            <a:r>
-              <a:rPr lang="ko-KR" altLang="en-US" sz="1100" dirty="0" smtClean="0"/>
-              <a:t>가로</a:t>
-            </a:r>
-            <a:r>
-              <a:rPr lang="en-US" altLang="ko-KR" sz="1100" dirty="0" smtClean="0"/>
-              <a:t>)</a:t>
-            </a:r>
-            <a:r>
-              <a:rPr lang="ko-KR" altLang="en-US" sz="1100" dirty="0" smtClean="0"/>
-              <a:t>값</a:t>
-            </a:r>
-            <a:endParaRPr lang="ko-KR" altLang="en-US" sz="1100" dirty="0"/>
-          </a:p>
-        </p:txBody>
-      </p:sp>
-      <p:sp>
-        <p:nvSpPr>
-          <p:cNvPr id="27" name="아래쪽 화살표 26"/>
-          <p:cNvSpPr/>
-          <p:nvPr/>
-        </p:nvSpPr>
-        <p:spPr>
-          <a:xfrm>
-            <a:off x="1821967" y="2390725"/>
-            <a:ext cx="115878" cy="153810"/>
-          </a:xfrm>
-          <a:prstGeom prst="downArrow">
-            <a:avLst/>
-          </a:prstGeom>
-        </p:spPr>
-        <p:style>
-          <a:lnRef idx="2">
-            <a:schemeClr val="accent1">
-              <a:shade val="50000"/>
-            </a:schemeClr>
-          </a:lnRef>
-          <a:fillRef idx="1">
-            <a:schemeClr val="accent1"/>
-          </a:fillRef>
-          <a:effectRef idx="0">
-            <a:schemeClr val="accent1"/>
-          </a:effectRef>
-          <a:fontRef idx="minor">
-            <a:schemeClr val="lt1"/>
-          </a:fontRef>
-        </p:style>
-        <p:txBody>
-          <a:bodyPr rtlCol="0" anchor="ctr"/>
-          <a:lstStyle/>
-          <a:p>
-            <a:pPr algn="ctr"/>
-            <a:endParaRPr lang="ko-KR" altLang="en-US"/>
-          </a:p>
-        </p:txBody>
-      </p:sp>
-      <p:sp>
-        <p:nvSpPr>
-          <p:cNvPr id="79" name="직사각형 78"/>
-          <p:cNvSpPr/>
-          <p:nvPr/>
-        </p:nvSpPr>
-        <p:spPr>
-          <a:xfrm>
-            <a:off x="78027" y="4052797"/>
-            <a:ext cx="688111" cy="317241"/>
+            <a:off x="6110233" y="1146629"/>
+            <a:ext cx="6081767" cy="9492342"/>
           </a:xfrm>
           <a:prstGeom prst="rect">
             <a:avLst/>
@@ -4650,7 +4185,7 @@
           </a:solidFill>
           <a:ln>
             <a:solidFill>
-              <a:schemeClr val="bg1"/>
+              <a:srgbClr val="000000"/>
             </a:solidFill>
           </a:ln>
         </p:spPr>
@@ -4674,48 +4209,21 @@
           <a:bodyPr rtlCol="0" anchor="ctr"/>
           <a:lstStyle/>
           <a:p>
-            <a:r>
-              <a:rPr lang="en-US" altLang="ko-KR" sz="1100" dirty="0" smtClean="0">
-                <a:solidFill>
-                  <a:schemeClr val="tx1"/>
-                </a:solidFill>
-              </a:rPr>
-              <a:t>Y</a:t>
-            </a:r>
-            <a:r>
-              <a:rPr lang="ko-KR" altLang="en-US" sz="1100" dirty="0" smtClean="0">
-                <a:solidFill>
-                  <a:schemeClr val="tx1"/>
-                </a:solidFill>
-              </a:rPr>
-              <a:t> </a:t>
-            </a:r>
-            <a:r>
-              <a:rPr lang="en-US" altLang="ko-KR" sz="1100" dirty="0" smtClean="0">
-                <a:solidFill>
-                  <a:schemeClr val="tx1"/>
-                </a:solidFill>
-              </a:rPr>
-              <a:t>:</a:t>
-            </a:r>
-            <a:endParaRPr lang="ko-KR" altLang="en-US" sz="1100" dirty="0">
-              <a:solidFill>
-                <a:schemeClr val="tx1"/>
-              </a:solidFill>
-            </a:endParaRPr>
-          </a:p>
-        </p:txBody>
-      </p:sp>
-      <p:sp>
-        <p:nvSpPr>
-          <p:cNvPr id="80" name="직사각형 79"/>
+            <a:pPr algn="ctr"/>
+            <a:endParaRPr lang="ko-KR" altLang="en-US"/>
+          </a:p>
+        </p:txBody>
+      </p:sp>
+      <p:sp>
+        <p:nvSpPr>
+          <p:cNvPr id="18" name="직사각형 17"/>
           <p:cNvSpPr/>
           <p:nvPr/>
         </p:nvSpPr>
         <p:spPr>
           <a:xfrm>
-            <a:off x="476149" y="4079028"/>
-            <a:ext cx="1545194" cy="256085"/>
+            <a:off x="188686" y="1364343"/>
+            <a:ext cx="899850" cy="812800"/>
           </a:xfrm>
           <a:prstGeom prst="rect">
             <a:avLst/>
@@ -4741,42 +4249,27 @@
           <a:bodyPr rtlCol="0" anchor="ctr"/>
           <a:lstStyle/>
           <a:p>
-            <a:r>
-              <a:rPr lang="en-US" altLang="ko-KR" sz="1100" dirty="0" smtClean="0"/>
-              <a:t>Y(</a:t>
-            </a:r>
-            <a:r>
-              <a:rPr lang="ko-KR" altLang="en-US" sz="1100" dirty="0"/>
-              <a:t>세</a:t>
-            </a:r>
-            <a:r>
-              <a:rPr lang="ko-KR" altLang="en-US" sz="1100" dirty="0" smtClean="0"/>
-              <a:t>로</a:t>
-            </a:r>
-            <a:r>
-              <a:rPr lang="en-US" altLang="ko-KR" sz="1100" dirty="0" smtClean="0"/>
-              <a:t>)</a:t>
-            </a:r>
-            <a:r>
-              <a:rPr lang="ko-KR" altLang="en-US" sz="1100" dirty="0" smtClean="0"/>
-              <a:t>값</a:t>
-            </a:r>
-            <a:endParaRPr lang="ko-KR" altLang="en-US" sz="1100" dirty="0"/>
-          </a:p>
-        </p:txBody>
-      </p:sp>
-      <p:sp>
-        <p:nvSpPr>
-          <p:cNvPr id="82" name="아래쪽 화살표 81"/>
+            <a:pPr algn="ctr"/>
+            <a:r>
+              <a:rPr lang="en-US" altLang="ko-KR" dirty="0" smtClean="0"/>
+              <a:t>H</a:t>
+            </a:r>
+            <a:endParaRPr lang="ko-KR" altLang="en-US" dirty="0"/>
+          </a:p>
+        </p:txBody>
+      </p:sp>
+      <p:sp>
+        <p:nvSpPr>
+          <p:cNvPr id="20" name="직사각형 19"/>
           <p:cNvSpPr/>
           <p:nvPr/>
         </p:nvSpPr>
         <p:spPr>
           <a:xfrm>
-            <a:off x="1821967" y="4133442"/>
-            <a:ext cx="115878" cy="153810"/>
-          </a:xfrm>
-          <a:prstGeom prst="downArrow">
+            <a:off x="6356939" y="1364343"/>
+            <a:ext cx="943747" cy="812800"/>
+          </a:xfrm>
+          <a:prstGeom prst="rect">
             <a:avLst/>
           </a:prstGeom>
         </p:spPr>
@@ -4801,186 +4294,24 @@
           <a:lstStyle/>
           <a:p>
             <a:pPr algn="ctr"/>
-            <a:endParaRPr lang="ko-KR" altLang="en-US"/>
-          </a:p>
-        </p:txBody>
-      </p:sp>
-      <p:sp>
-        <p:nvSpPr>
-          <p:cNvPr id="83" name="직사각형 82"/>
+            <a:r>
+              <a:rPr lang="en-US" altLang="ko-KR" dirty="0"/>
+              <a:t>A</a:t>
+            </a:r>
+            <a:endParaRPr lang="ko-KR" altLang="en-US" dirty="0"/>
+          </a:p>
+        </p:txBody>
+      </p:sp>
+      <p:sp>
+        <p:nvSpPr>
+          <p:cNvPr id="21" name="직사각형 20"/>
           <p:cNvSpPr/>
           <p:nvPr/>
         </p:nvSpPr>
         <p:spPr>
           <a:xfrm>
-            <a:off x="476149" y="2701191"/>
-            <a:ext cx="1545194" cy="256085"/>
-          </a:xfrm>
-          <a:prstGeom prst="rect">
-            <a:avLst/>
-          </a:prstGeom>
-        </p:spPr>
-        <p:style>
-          <a:lnRef idx="2">
-            <a:schemeClr val="accent1">
-              <a:shade val="50000"/>
-            </a:schemeClr>
-          </a:lnRef>
-          <a:fillRef idx="1">
-            <a:schemeClr val="accent1"/>
-          </a:fillRef>
-          <a:effectRef idx="0">
-            <a:schemeClr val="accent1"/>
-          </a:effectRef>
-          <a:fontRef idx="minor">
-            <a:schemeClr val="lt1"/>
-          </a:fontRef>
-        </p:style>
-        <p:txBody>
-          <a:bodyPr rtlCol="0" anchor="ctr"/>
-          <a:lstStyle/>
-          <a:p>
-            <a:r>
-              <a:rPr lang="ko-KR" altLang="en-US" sz="1100" dirty="0" smtClean="0"/>
-              <a:t>색상</a:t>
-            </a:r>
-            <a:endParaRPr lang="ko-KR" altLang="en-US" sz="1100" dirty="0"/>
-          </a:p>
-        </p:txBody>
-      </p:sp>
-      <p:sp>
-        <p:nvSpPr>
-          <p:cNvPr id="84" name="직사각형 83"/>
-          <p:cNvSpPr/>
-          <p:nvPr/>
-        </p:nvSpPr>
-        <p:spPr>
-          <a:xfrm>
-            <a:off x="471405" y="4491769"/>
-            <a:ext cx="1545194" cy="256085"/>
-          </a:xfrm>
-          <a:prstGeom prst="rect">
-            <a:avLst/>
-          </a:prstGeom>
-        </p:spPr>
-        <p:style>
-          <a:lnRef idx="2">
-            <a:schemeClr val="accent1">
-              <a:shade val="50000"/>
-            </a:schemeClr>
-          </a:lnRef>
-          <a:fillRef idx="1">
-            <a:schemeClr val="accent1"/>
-          </a:fillRef>
-          <a:effectRef idx="0">
-            <a:schemeClr val="accent1"/>
-          </a:effectRef>
-          <a:fontRef idx="minor">
-            <a:schemeClr val="lt1"/>
-          </a:fontRef>
-        </p:style>
-        <p:txBody>
-          <a:bodyPr rtlCol="0" anchor="ctr"/>
-          <a:lstStyle/>
-          <a:p>
-            <a:r>
-              <a:rPr lang="ko-KR" altLang="en-US" sz="1100" dirty="0" smtClean="0"/>
-              <a:t>색상</a:t>
-            </a:r>
-            <a:endParaRPr lang="ko-KR" altLang="en-US" sz="1100" dirty="0"/>
-          </a:p>
-        </p:txBody>
-      </p:sp>
-      <p:sp>
-        <p:nvSpPr>
-          <p:cNvPr id="85" name="아래쪽 화살표 84"/>
-          <p:cNvSpPr/>
-          <p:nvPr/>
-        </p:nvSpPr>
-        <p:spPr>
-          <a:xfrm>
-            <a:off x="1821967" y="2747409"/>
-            <a:ext cx="115878" cy="153810"/>
-          </a:xfrm>
-          <a:prstGeom prst="downArrow">
-            <a:avLst/>
-          </a:prstGeom>
-        </p:spPr>
-        <p:style>
-          <a:lnRef idx="2">
-            <a:schemeClr val="accent1">
-              <a:shade val="50000"/>
-            </a:schemeClr>
-          </a:lnRef>
-          <a:fillRef idx="1">
-            <a:schemeClr val="accent1"/>
-          </a:fillRef>
-          <a:effectRef idx="0">
-            <a:schemeClr val="accent1"/>
-          </a:effectRef>
-          <a:fontRef idx="minor">
-            <a:schemeClr val="lt1"/>
-          </a:fontRef>
-        </p:style>
-        <p:txBody>
-          <a:bodyPr rtlCol="0" anchor="ctr"/>
-          <a:lstStyle/>
-          <a:p>
-            <a:pPr algn="ctr"/>
-            <a:endParaRPr lang="ko-KR" altLang="en-US"/>
-          </a:p>
-        </p:txBody>
-      </p:sp>
-      <p:sp>
-        <p:nvSpPr>
-          <p:cNvPr id="86" name="아래쪽 화살표 85"/>
-          <p:cNvSpPr/>
-          <p:nvPr/>
-        </p:nvSpPr>
-        <p:spPr>
-          <a:xfrm>
-            <a:off x="1821482" y="4559787"/>
-            <a:ext cx="115878" cy="153810"/>
-          </a:xfrm>
-          <a:prstGeom prst="downArrow">
-            <a:avLst/>
-          </a:prstGeom>
-        </p:spPr>
-        <p:style>
-          <a:lnRef idx="2">
-            <a:schemeClr val="accent1">
-              <a:shade val="50000"/>
-            </a:schemeClr>
-          </a:lnRef>
-          <a:fillRef idx="1">
-            <a:schemeClr val="accent1"/>
-          </a:fillRef>
-          <a:effectRef idx="0">
-            <a:schemeClr val="accent1"/>
-          </a:effectRef>
-          <a:fontRef idx="minor">
-            <a:schemeClr val="lt1"/>
-          </a:fontRef>
-        </p:style>
-        <p:txBody>
-          <a:bodyPr rtlCol="0" anchor="ctr"/>
-          <a:lstStyle/>
-          <a:p>
-            <a:pPr algn="ctr"/>
-            <a:endParaRPr lang="ko-KR" altLang="en-US"/>
-          </a:p>
-        </p:txBody>
-      </p:sp>
-      <p:sp>
-        <p:nvSpPr>
-          <p:cNvPr id="40" name="직사각형 39"/>
-          <p:cNvSpPr/>
-          <p:nvPr/>
-        </p:nvSpPr>
-        <p:spPr>
-          <a:xfrm>
-            <a:off x="2172002" y="5098799"/>
-            <a:ext cx="10014190" cy="256536"/>
+            <a:off x="4325257" y="1146628"/>
+            <a:ext cx="1784976" cy="1277257"/>
           </a:xfrm>
           <a:prstGeom prst="rect">
             <a:avLst/>
@@ -4990,7 +4321,7 @@
           </a:solidFill>
           <a:ln>
             <a:solidFill>
-              <a:schemeClr val="tx1"/>
+              <a:srgbClr val="000000"/>
             </a:solidFill>
           </a:ln>
         </p:spPr>
@@ -5014,15 +4345,16 @@
           <a:bodyPr rtlCol="0" anchor="ctr"/>
           <a:lstStyle/>
           <a:p>
-            <a:r>
-              <a:rPr lang="ko-KR" altLang="en-US" sz="1100" dirty="0" smtClean="0">
+            <a:pPr algn="ctr"/>
+            <a:r>
+              <a:rPr lang="en-US" altLang="ko-KR" sz="4400" dirty="0" smtClean="0">
                 <a:solidFill>
                   <a:schemeClr val="tx1"/>
                 </a:solidFill>
               </a:rPr>
-              <a:t>결과</a:t>
-            </a:r>
-            <a:endParaRPr lang="ko-KR" altLang="en-US" sz="1100" dirty="0">
+              <a:t>52%</a:t>
+            </a:r>
+            <a:endParaRPr lang="ko-KR" altLang="en-US" sz="4400" dirty="0">
               <a:solidFill>
                 <a:schemeClr val="tx1"/>
               </a:solidFill>
@@ -5032,14 +4364,14 @@
       </p:sp>
       <p:sp>
         <p:nvSpPr>
-          <p:cNvPr id="87" name="직사각형 86"/>
+          <p:cNvPr id="24" name="직사각형 23"/>
           <p:cNvSpPr/>
           <p:nvPr/>
         </p:nvSpPr>
         <p:spPr>
           <a:xfrm>
-            <a:off x="2172002" y="5329030"/>
-            <a:ext cx="10014190" cy="256536"/>
+            <a:off x="10407024" y="1141043"/>
+            <a:ext cx="1784976" cy="1277257"/>
           </a:xfrm>
           <a:prstGeom prst="rect">
             <a:avLst/>
@@ -5049,7 +4381,7 @@
           </a:solidFill>
           <a:ln>
             <a:solidFill>
-              <a:schemeClr val="tx1"/>
+              <a:srgbClr val="000000"/>
             </a:solidFill>
           </a:ln>
         </p:spPr>
@@ -5073,23 +4405,16 @@
           <a:bodyPr rtlCol="0" anchor="ctr"/>
           <a:lstStyle/>
           <a:p>
-            <a:r>
-              <a:rPr lang="ko-KR" altLang="en-US" sz="1100" dirty="0" smtClean="0">
+            <a:pPr algn="ctr"/>
+            <a:r>
+              <a:rPr lang="en-US" altLang="ko-KR" sz="4400" dirty="0" smtClean="0">
                 <a:solidFill>
                   <a:schemeClr val="tx1"/>
                 </a:solidFill>
               </a:rPr>
-              <a:t>팀 </a:t>
-            </a:r>
-            <a:r>
-              <a:rPr lang="en-US" altLang="ko-KR" sz="1100" dirty="0" smtClean="0">
-                <a:solidFill>
-                  <a:schemeClr val="tx1"/>
-                </a:solidFill>
-              </a:rPr>
-              <a:t>: ???</a:t>
-            </a:r>
-            <a:endParaRPr lang="ko-KR" altLang="en-US" sz="1100" dirty="0">
+              <a:t>48%</a:t>
+            </a:r>
+            <a:endParaRPr lang="ko-KR" altLang="en-US" sz="4400" dirty="0">
               <a:solidFill>
                 <a:schemeClr val="tx1"/>
               </a:solidFill>
@@ -5099,14 +4424,766 @@
       </p:sp>
       <p:sp>
         <p:nvSpPr>
-          <p:cNvPr id="88" name="직사각형 87"/>
+          <p:cNvPr id="25" name="모서리가 둥근 직사각형 24"/>
           <p:cNvSpPr/>
           <p:nvPr/>
         </p:nvSpPr>
         <p:spPr>
           <a:xfrm>
-            <a:off x="2172002" y="5569996"/>
-            <a:ext cx="10014190" cy="256536"/>
+            <a:off x="1277222" y="1398957"/>
+            <a:ext cx="2786778" cy="778186"/>
+          </a:xfrm>
+          <a:prstGeom prst="roundRect">
+            <a:avLst/>
+          </a:prstGeom>
+        </p:spPr>
+        <p:style>
+          <a:lnRef idx="2">
+            <a:schemeClr val="accent1">
+              <a:shade val="50000"/>
+            </a:schemeClr>
+          </a:lnRef>
+          <a:fillRef idx="1">
+            <a:schemeClr val="accent1"/>
+          </a:fillRef>
+          <a:effectRef idx="0">
+            <a:schemeClr val="accent1"/>
+          </a:effectRef>
+          <a:fontRef idx="minor">
+            <a:schemeClr val="lt1"/>
+          </a:fontRef>
+        </p:style>
+        <p:txBody>
+          <a:bodyPr rtlCol="0" anchor="ctr"/>
+          <a:lstStyle/>
+          <a:p>
+            <a:pPr algn="ctr"/>
+            <a:r>
+              <a:rPr lang="en-US" altLang="ko-KR" smtClean="0"/>
+              <a:t>A</a:t>
+            </a:r>
+            <a:r>
+              <a:rPr lang="ko-KR" altLang="en-US" dirty="0" smtClean="0"/>
+              <a:t>팀</a:t>
+            </a:r>
+            <a:endParaRPr lang="ko-KR" altLang="en-US" dirty="0"/>
+          </a:p>
+        </p:txBody>
+      </p:sp>
+      <p:sp>
+        <p:nvSpPr>
+          <p:cNvPr id="26" name="모서리가 둥근 직사각형 25"/>
+          <p:cNvSpPr/>
+          <p:nvPr/>
+        </p:nvSpPr>
+        <p:spPr>
+          <a:xfrm>
+            <a:off x="7460466" y="1390578"/>
+            <a:ext cx="2786778" cy="778186"/>
+          </a:xfrm>
+          <a:prstGeom prst="roundRect">
+            <a:avLst/>
+          </a:prstGeom>
+        </p:spPr>
+        <p:style>
+          <a:lnRef idx="2">
+            <a:schemeClr val="accent1">
+              <a:shade val="50000"/>
+            </a:schemeClr>
+          </a:lnRef>
+          <a:fillRef idx="1">
+            <a:schemeClr val="accent1"/>
+          </a:fillRef>
+          <a:effectRef idx="0">
+            <a:schemeClr val="accent1"/>
+          </a:effectRef>
+          <a:fontRef idx="minor">
+            <a:schemeClr val="lt1"/>
+          </a:fontRef>
+        </p:style>
+        <p:txBody>
+          <a:bodyPr rtlCol="0" anchor="ctr"/>
+          <a:lstStyle/>
+          <a:p>
+            <a:pPr algn="ctr"/>
+            <a:r>
+              <a:rPr lang="en-US" altLang="ko-KR" dirty="0"/>
+              <a:t>B</a:t>
+            </a:r>
+            <a:r>
+              <a:rPr lang="ko-KR" altLang="en-US" dirty="0" smtClean="0"/>
+              <a:t>팀</a:t>
+            </a:r>
+            <a:endParaRPr lang="ko-KR" altLang="en-US" dirty="0"/>
+          </a:p>
+        </p:txBody>
+      </p:sp>
+      <p:sp>
+        <p:nvSpPr>
+          <p:cNvPr id="27" name="직사각형 26"/>
+          <p:cNvSpPr/>
+          <p:nvPr/>
+        </p:nvSpPr>
+        <p:spPr>
+          <a:xfrm>
+            <a:off x="309227" y="2844800"/>
+            <a:ext cx="2745889" cy="1683657"/>
+          </a:xfrm>
+          <a:prstGeom prst="rect">
+            <a:avLst/>
+          </a:prstGeom>
+        </p:spPr>
+        <p:style>
+          <a:lnRef idx="2">
+            <a:schemeClr val="accent1">
+              <a:shade val="50000"/>
+            </a:schemeClr>
+          </a:lnRef>
+          <a:fillRef idx="1">
+            <a:schemeClr val="accent1"/>
+          </a:fillRef>
+          <a:effectRef idx="0">
+            <a:schemeClr val="accent1"/>
+          </a:effectRef>
+          <a:fontRef idx="minor">
+            <a:schemeClr val="lt1"/>
+          </a:fontRef>
+        </p:style>
+        <p:txBody>
+          <a:bodyPr rtlCol="0" anchor="ctr"/>
+          <a:lstStyle/>
+          <a:p>
+            <a:pPr algn="ctr"/>
+            <a:r>
+              <a:rPr lang="en-US" altLang="ko-KR" dirty="0" smtClean="0"/>
+              <a:t>A</a:t>
+            </a:r>
+            <a:r>
+              <a:rPr lang="ko-KR" altLang="en-US" dirty="0" smtClean="0"/>
+              <a:t>팀의 득점 분석 꺾은선 그래프</a:t>
+            </a:r>
+            <a:endParaRPr lang="ko-KR" altLang="en-US" dirty="0"/>
+          </a:p>
+        </p:txBody>
+      </p:sp>
+      <p:sp>
+        <p:nvSpPr>
+          <p:cNvPr id="28" name="직사각형 27"/>
+          <p:cNvSpPr/>
+          <p:nvPr/>
+        </p:nvSpPr>
+        <p:spPr>
+          <a:xfrm>
+            <a:off x="6356939" y="2820791"/>
+            <a:ext cx="2745889" cy="1683657"/>
+          </a:xfrm>
+          <a:prstGeom prst="rect">
+            <a:avLst/>
+          </a:prstGeom>
+        </p:spPr>
+        <p:style>
+          <a:lnRef idx="2">
+            <a:schemeClr val="accent1">
+              <a:shade val="50000"/>
+            </a:schemeClr>
+          </a:lnRef>
+          <a:fillRef idx="1">
+            <a:schemeClr val="accent1"/>
+          </a:fillRef>
+          <a:effectRef idx="0">
+            <a:schemeClr val="accent1"/>
+          </a:effectRef>
+          <a:fontRef idx="minor">
+            <a:schemeClr val="lt1"/>
+          </a:fontRef>
+        </p:style>
+        <p:txBody>
+          <a:bodyPr rtlCol="0" anchor="ctr"/>
+          <a:lstStyle/>
+          <a:p>
+            <a:pPr algn="ctr"/>
+            <a:r>
+              <a:rPr lang="en-US" altLang="ko-KR" dirty="0" smtClean="0"/>
+              <a:t>B</a:t>
+            </a:r>
+            <a:r>
+              <a:rPr lang="ko-KR" altLang="en-US" dirty="0" smtClean="0"/>
+              <a:t>팀의 득점 분석 꺾은선 그래프</a:t>
+            </a:r>
+            <a:endParaRPr lang="ko-KR" altLang="en-US" dirty="0"/>
+          </a:p>
+        </p:txBody>
+      </p:sp>
+      <p:sp>
+        <p:nvSpPr>
+          <p:cNvPr id="29" name="직사각형 28"/>
+          <p:cNvSpPr/>
+          <p:nvPr/>
+        </p:nvSpPr>
+        <p:spPr>
+          <a:xfrm>
+            <a:off x="309227" y="4742543"/>
+            <a:ext cx="2745889" cy="1683657"/>
+          </a:xfrm>
+          <a:prstGeom prst="rect">
+            <a:avLst/>
+          </a:prstGeom>
+        </p:spPr>
+        <p:style>
+          <a:lnRef idx="2">
+            <a:schemeClr val="accent1">
+              <a:shade val="50000"/>
+            </a:schemeClr>
+          </a:lnRef>
+          <a:fillRef idx="1">
+            <a:schemeClr val="accent1"/>
+          </a:fillRef>
+          <a:effectRef idx="0">
+            <a:schemeClr val="accent1"/>
+          </a:effectRef>
+          <a:fontRef idx="minor">
+            <a:schemeClr val="lt1"/>
+          </a:fontRef>
+        </p:style>
+        <p:txBody>
+          <a:bodyPr rtlCol="0" anchor="ctr"/>
+          <a:lstStyle/>
+          <a:p>
+            <a:pPr algn="ctr"/>
+            <a:r>
+              <a:rPr lang="en-US" altLang="ko-KR" dirty="0" smtClean="0"/>
+              <a:t>A</a:t>
+            </a:r>
+            <a:r>
+              <a:rPr lang="ko-KR" altLang="en-US" dirty="0" smtClean="0"/>
+              <a:t>팀의 유효슈팅 당 득점 분석 막대그래프 </a:t>
+            </a:r>
+            <a:endParaRPr lang="ko-KR" altLang="en-US" dirty="0"/>
+          </a:p>
+        </p:txBody>
+      </p:sp>
+      <p:sp>
+        <p:nvSpPr>
+          <p:cNvPr id="30" name="직사각형 29"/>
+          <p:cNvSpPr/>
+          <p:nvPr/>
+        </p:nvSpPr>
+        <p:spPr>
+          <a:xfrm>
+            <a:off x="3236468" y="2820791"/>
+            <a:ext cx="2745889" cy="1683657"/>
+          </a:xfrm>
+          <a:prstGeom prst="rect">
+            <a:avLst/>
+          </a:prstGeom>
+        </p:spPr>
+        <p:style>
+          <a:lnRef idx="2">
+            <a:schemeClr val="accent1">
+              <a:shade val="50000"/>
+            </a:schemeClr>
+          </a:lnRef>
+          <a:fillRef idx="1">
+            <a:schemeClr val="accent1"/>
+          </a:fillRef>
+          <a:effectRef idx="0">
+            <a:schemeClr val="accent1"/>
+          </a:effectRef>
+          <a:fontRef idx="minor">
+            <a:schemeClr val="lt1"/>
+          </a:fontRef>
+        </p:style>
+        <p:txBody>
+          <a:bodyPr rtlCol="0" anchor="ctr"/>
+          <a:lstStyle/>
+          <a:p>
+            <a:pPr algn="ctr"/>
+            <a:r>
+              <a:rPr lang="en-US" altLang="ko-KR" dirty="0" smtClean="0"/>
+              <a:t>A</a:t>
+            </a:r>
+            <a:r>
+              <a:rPr lang="ko-KR" altLang="en-US" dirty="0" smtClean="0"/>
+              <a:t>팀의 실점 분석 꺾은선 그래프</a:t>
+            </a:r>
+            <a:endParaRPr lang="ko-KR" altLang="en-US" dirty="0"/>
+          </a:p>
+        </p:txBody>
+      </p:sp>
+      <p:sp>
+        <p:nvSpPr>
+          <p:cNvPr id="32" name="직사각형 31"/>
+          <p:cNvSpPr/>
+          <p:nvPr/>
+        </p:nvSpPr>
+        <p:spPr>
+          <a:xfrm>
+            <a:off x="6356939" y="4809248"/>
+            <a:ext cx="2745889" cy="1683657"/>
+          </a:xfrm>
+          <a:prstGeom prst="rect">
+            <a:avLst/>
+          </a:prstGeom>
+        </p:spPr>
+        <p:style>
+          <a:lnRef idx="2">
+            <a:schemeClr val="accent1">
+              <a:shade val="50000"/>
+            </a:schemeClr>
+          </a:lnRef>
+          <a:fillRef idx="1">
+            <a:schemeClr val="accent1"/>
+          </a:fillRef>
+          <a:effectRef idx="0">
+            <a:schemeClr val="accent1"/>
+          </a:effectRef>
+          <a:fontRef idx="minor">
+            <a:schemeClr val="lt1"/>
+          </a:fontRef>
+        </p:style>
+        <p:txBody>
+          <a:bodyPr rtlCol="0" anchor="ctr"/>
+          <a:lstStyle/>
+          <a:p>
+            <a:pPr algn="ctr"/>
+            <a:r>
+              <a:rPr lang="en-US" altLang="ko-KR" dirty="0" smtClean="0"/>
+              <a:t>B</a:t>
+            </a:r>
+            <a:r>
+              <a:rPr lang="ko-KR" altLang="en-US" dirty="0" smtClean="0"/>
+              <a:t>팀의 유효슈팅 당 득점 분석 막대그래프</a:t>
+            </a:r>
+            <a:endParaRPr lang="ko-KR" altLang="en-US" dirty="0"/>
+          </a:p>
+        </p:txBody>
+      </p:sp>
+      <p:sp>
+        <p:nvSpPr>
+          <p:cNvPr id="33" name="직사각형 32"/>
+          <p:cNvSpPr/>
+          <p:nvPr/>
+        </p:nvSpPr>
+        <p:spPr>
+          <a:xfrm>
+            <a:off x="9299430" y="2810592"/>
+            <a:ext cx="2745889" cy="1683657"/>
+          </a:xfrm>
+          <a:prstGeom prst="rect">
+            <a:avLst/>
+          </a:prstGeom>
+        </p:spPr>
+        <p:style>
+          <a:lnRef idx="2">
+            <a:schemeClr val="accent1">
+              <a:shade val="50000"/>
+            </a:schemeClr>
+          </a:lnRef>
+          <a:fillRef idx="1">
+            <a:schemeClr val="accent1"/>
+          </a:fillRef>
+          <a:effectRef idx="0">
+            <a:schemeClr val="accent1"/>
+          </a:effectRef>
+          <a:fontRef idx="minor">
+            <a:schemeClr val="lt1"/>
+          </a:fontRef>
+        </p:style>
+        <p:txBody>
+          <a:bodyPr rtlCol="0" anchor="ctr"/>
+          <a:lstStyle/>
+          <a:p>
+            <a:pPr algn="ctr"/>
+            <a:r>
+              <a:rPr lang="en-US" altLang="ko-KR" dirty="0" smtClean="0"/>
+              <a:t> B</a:t>
+            </a:r>
+            <a:r>
+              <a:rPr lang="ko-KR" altLang="en-US" dirty="0" smtClean="0"/>
+              <a:t>팀의 득점 분석 꺾은선 그래프</a:t>
+            </a:r>
+            <a:endParaRPr lang="ko-KR" altLang="en-US" dirty="0"/>
+          </a:p>
+        </p:txBody>
+      </p:sp>
+      <p:sp>
+        <p:nvSpPr>
+          <p:cNvPr id="34" name="타원 33"/>
+          <p:cNvSpPr/>
+          <p:nvPr/>
+        </p:nvSpPr>
+        <p:spPr>
+          <a:xfrm>
+            <a:off x="3336439" y="4675838"/>
+            <a:ext cx="1806571" cy="1750362"/>
+          </a:xfrm>
+          <a:prstGeom prst="ellipse">
+            <a:avLst/>
+          </a:prstGeom>
+        </p:spPr>
+        <p:style>
+          <a:lnRef idx="2">
+            <a:schemeClr val="accent1">
+              <a:shade val="50000"/>
+            </a:schemeClr>
+          </a:lnRef>
+          <a:fillRef idx="1">
+            <a:schemeClr val="accent1"/>
+          </a:fillRef>
+          <a:effectRef idx="0">
+            <a:schemeClr val="accent1"/>
+          </a:effectRef>
+          <a:fontRef idx="minor">
+            <a:schemeClr val="lt1"/>
+          </a:fontRef>
+        </p:style>
+        <p:txBody>
+          <a:bodyPr rtlCol="0" anchor="ctr"/>
+          <a:lstStyle/>
+          <a:p>
+            <a:pPr algn="ctr"/>
+            <a:r>
+              <a:rPr lang="en-US" altLang="ko-KR" dirty="0" smtClean="0"/>
+              <a:t>A</a:t>
+            </a:r>
+            <a:r>
+              <a:rPr lang="ko-KR" altLang="en-US" dirty="0" smtClean="0"/>
+              <a:t>팀의 에이스 골 횟수 분석 원 그래프</a:t>
+            </a:r>
+            <a:endParaRPr lang="ko-KR" altLang="en-US" dirty="0"/>
+          </a:p>
+        </p:txBody>
+      </p:sp>
+      <p:sp>
+        <p:nvSpPr>
+          <p:cNvPr id="35" name="타원 34"/>
+          <p:cNvSpPr/>
+          <p:nvPr/>
+        </p:nvSpPr>
+        <p:spPr>
+          <a:xfrm>
+            <a:off x="9308134" y="4742543"/>
+            <a:ext cx="1806571" cy="1750362"/>
+          </a:xfrm>
+          <a:prstGeom prst="ellipse">
+            <a:avLst/>
+          </a:prstGeom>
+        </p:spPr>
+        <p:style>
+          <a:lnRef idx="2">
+            <a:schemeClr val="accent1">
+              <a:shade val="50000"/>
+            </a:schemeClr>
+          </a:lnRef>
+          <a:fillRef idx="1">
+            <a:schemeClr val="accent1"/>
+          </a:fillRef>
+          <a:effectRef idx="0">
+            <a:schemeClr val="accent1"/>
+          </a:effectRef>
+          <a:fontRef idx="minor">
+            <a:schemeClr val="lt1"/>
+          </a:fontRef>
+        </p:style>
+        <p:txBody>
+          <a:bodyPr rtlCol="0" anchor="ctr"/>
+          <a:lstStyle/>
+          <a:p>
+            <a:pPr algn="ctr"/>
+            <a:r>
+              <a:rPr lang="en-US" altLang="ko-KR" dirty="0" smtClean="0"/>
+              <a:t> B</a:t>
+            </a:r>
+            <a:r>
+              <a:rPr lang="ko-KR" altLang="en-US" dirty="0" smtClean="0"/>
+              <a:t>팀의 에이스 골 </a:t>
+            </a:r>
+            <a:r>
+              <a:rPr lang="ko-KR" altLang="en-US" dirty="0"/>
+              <a:t>횟</a:t>
+            </a:r>
+            <a:r>
+              <a:rPr lang="ko-KR" altLang="en-US" dirty="0" smtClean="0"/>
+              <a:t>수 분석 원 그래프</a:t>
+            </a:r>
+            <a:endParaRPr lang="ko-KR" altLang="en-US" dirty="0"/>
+          </a:p>
+        </p:txBody>
+      </p:sp>
+      <p:sp>
+        <p:nvSpPr>
+          <p:cNvPr id="39" name="모서리가 둥근 직사각형 38"/>
+          <p:cNvSpPr/>
+          <p:nvPr/>
+        </p:nvSpPr>
+        <p:spPr>
+          <a:xfrm>
+            <a:off x="5270886" y="5017467"/>
+            <a:ext cx="641100" cy="261257"/>
+          </a:xfrm>
+          <a:prstGeom prst="roundRect">
+            <a:avLst/>
+          </a:prstGeom>
+        </p:spPr>
+        <p:style>
+          <a:lnRef idx="2">
+            <a:schemeClr val="accent1">
+              <a:shade val="50000"/>
+            </a:schemeClr>
+          </a:lnRef>
+          <a:fillRef idx="1">
+            <a:schemeClr val="accent1"/>
+          </a:fillRef>
+          <a:effectRef idx="0">
+            <a:schemeClr val="accent1"/>
+          </a:effectRef>
+          <a:fontRef idx="minor">
+            <a:schemeClr val="lt1"/>
+          </a:fontRef>
+        </p:style>
+        <p:txBody>
+          <a:bodyPr rtlCol="0" anchor="ctr"/>
+          <a:lstStyle/>
+          <a:p>
+            <a:pPr algn="ctr"/>
+            <a:r>
+              <a:rPr lang="en-US" altLang="ko-KR" dirty="0" smtClean="0"/>
+              <a:t>???</a:t>
+            </a:r>
+            <a:endParaRPr lang="ko-KR" altLang="en-US" dirty="0"/>
+          </a:p>
+        </p:txBody>
+      </p:sp>
+      <p:sp>
+        <p:nvSpPr>
+          <p:cNvPr id="40" name="모서리가 둥근 직사각형 39"/>
+          <p:cNvSpPr/>
+          <p:nvPr/>
+        </p:nvSpPr>
+        <p:spPr>
+          <a:xfrm>
+            <a:off x="5263827" y="5406169"/>
+            <a:ext cx="641100" cy="261257"/>
+          </a:xfrm>
+          <a:prstGeom prst="roundRect">
+            <a:avLst/>
+          </a:prstGeom>
+        </p:spPr>
+        <p:style>
+          <a:lnRef idx="2">
+            <a:schemeClr val="accent1">
+              <a:shade val="50000"/>
+            </a:schemeClr>
+          </a:lnRef>
+          <a:fillRef idx="1">
+            <a:schemeClr val="accent1"/>
+          </a:fillRef>
+          <a:effectRef idx="0">
+            <a:schemeClr val="accent1"/>
+          </a:effectRef>
+          <a:fontRef idx="minor">
+            <a:schemeClr val="lt1"/>
+          </a:fontRef>
+        </p:style>
+        <p:txBody>
+          <a:bodyPr rtlCol="0" anchor="ctr"/>
+          <a:lstStyle/>
+          <a:p>
+            <a:pPr algn="ctr"/>
+            <a:r>
+              <a:rPr lang="en-US" altLang="ko-KR" dirty="0" smtClean="0"/>
+              <a:t>???</a:t>
+            </a:r>
+            <a:endParaRPr lang="ko-KR" altLang="en-US" dirty="0"/>
+          </a:p>
+        </p:txBody>
+      </p:sp>
+      <p:sp>
+        <p:nvSpPr>
+          <p:cNvPr id="41" name="모서리가 둥근 직사각형 40"/>
+          <p:cNvSpPr/>
+          <p:nvPr/>
+        </p:nvSpPr>
+        <p:spPr>
+          <a:xfrm>
+            <a:off x="5270886" y="5760281"/>
+            <a:ext cx="641100" cy="283868"/>
+          </a:xfrm>
+          <a:prstGeom prst="roundRect">
+            <a:avLst/>
+          </a:prstGeom>
+        </p:spPr>
+        <p:style>
+          <a:lnRef idx="2">
+            <a:schemeClr val="accent1">
+              <a:shade val="50000"/>
+            </a:schemeClr>
+          </a:lnRef>
+          <a:fillRef idx="1">
+            <a:schemeClr val="accent1"/>
+          </a:fillRef>
+          <a:effectRef idx="0">
+            <a:schemeClr val="accent1"/>
+          </a:effectRef>
+          <a:fontRef idx="minor">
+            <a:schemeClr val="lt1"/>
+          </a:fontRef>
+        </p:style>
+        <p:txBody>
+          <a:bodyPr rtlCol="0" anchor="ctr"/>
+          <a:lstStyle/>
+          <a:p>
+            <a:pPr algn="ctr"/>
+            <a:r>
+              <a:rPr lang="en-US" altLang="ko-KR" dirty="0" smtClean="0"/>
+              <a:t>???</a:t>
+            </a:r>
+            <a:endParaRPr lang="ko-KR" altLang="en-US" dirty="0"/>
+          </a:p>
+        </p:txBody>
+      </p:sp>
+      <p:sp>
+        <p:nvSpPr>
+          <p:cNvPr id="42" name="모서리가 둥근 직사각형 41"/>
+          <p:cNvSpPr/>
+          <p:nvPr/>
+        </p:nvSpPr>
+        <p:spPr>
+          <a:xfrm>
+            <a:off x="11333003" y="5011550"/>
+            <a:ext cx="641100" cy="261257"/>
+          </a:xfrm>
+          <a:prstGeom prst="roundRect">
+            <a:avLst/>
+          </a:prstGeom>
+        </p:spPr>
+        <p:style>
+          <a:lnRef idx="2">
+            <a:schemeClr val="accent1">
+              <a:shade val="50000"/>
+            </a:schemeClr>
+          </a:lnRef>
+          <a:fillRef idx="1">
+            <a:schemeClr val="accent1"/>
+          </a:fillRef>
+          <a:effectRef idx="0">
+            <a:schemeClr val="accent1"/>
+          </a:effectRef>
+          <a:fontRef idx="minor">
+            <a:schemeClr val="lt1"/>
+          </a:fontRef>
+        </p:style>
+        <p:txBody>
+          <a:bodyPr rtlCol="0" anchor="ctr"/>
+          <a:lstStyle/>
+          <a:p>
+            <a:pPr algn="ctr"/>
+            <a:r>
+              <a:rPr lang="en-US" altLang="ko-KR" dirty="0" smtClean="0"/>
+              <a:t>???</a:t>
+            </a:r>
+            <a:endParaRPr lang="ko-KR" altLang="en-US" dirty="0"/>
+          </a:p>
+        </p:txBody>
+      </p:sp>
+      <p:sp>
+        <p:nvSpPr>
+          <p:cNvPr id="43" name="모서리가 둥근 직사각형 42"/>
+          <p:cNvSpPr/>
+          <p:nvPr/>
+        </p:nvSpPr>
+        <p:spPr>
+          <a:xfrm>
+            <a:off x="11335348" y="5397776"/>
+            <a:ext cx="641100" cy="261257"/>
+          </a:xfrm>
+          <a:prstGeom prst="roundRect">
+            <a:avLst/>
+          </a:prstGeom>
+        </p:spPr>
+        <p:style>
+          <a:lnRef idx="2">
+            <a:schemeClr val="accent1">
+              <a:shade val="50000"/>
+            </a:schemeClr>
+          </a:lnRef>
+          <a:fillRef idx="1">
+            <a:schemeClr val="accent1"/>
+          </a:fillRef>
+          <a:effectRef idx="0">
+            <a:schemeClr val="accent1"/>
+          </a:effectRef>
+          <a:fontRef idx="minor">
+            <a:schemeClr val="lt1"/>
+          </a:fontRef>
+        </p:style>
+        <p:txBody>
+          <a:bodyPr rtlCol="0" anchor="ctr"/>
+          <a:lstStyle/>
+          <a:p>
+            <a:pPr algn="ctr"/>
+            <a:r>
+              <a:rPr lang="en-US" altLang="ko-KR" dirty="0" smtClean="0"/>
+              <a:t>???</a:t>
+            </a:r>
+            <a:endParaRPr lang="ko-KR" altLang="en-US" dirty="0"/>
+          </a:p>
+        </p:txBody>
+      </p:sp>
+      <p:sp>
+        <p:nvSpPr>
+          <p:cNvPr id="44" name="모서리가 둥근 직사각형 43"/>
+          <p:cNvSpPr/>
+          <p:nvPr/>
+        </p:nvSpPr>
+        <p:spPr>
+          <a:xfrm>
+            <a:off x="11332802" y="5833204"/>
+            <a:ext cx="641100" cy="261257"/>
+          </a:xfrm>
+          <a:prstGeom prst="roundRect">
+            <a:avLst/>
+          </a:prstGeom>
+        </p:spPr>
+        <p:style>
+          <a:lnRef idx="2">
+            <a:schemeClr val="accent1">
+              <a:shade val="50000"/>
+            </a:schemeClr>
+          </a:lnRef>
+          <a:fillRef idx="1">
+            <a:schemeClr val="accent1"/>
+          </a:fillRef>
+          <a:effectRef idx="0">
+            <a:schemeClr val="accent1"/>
+          </a:effectRef>
+          <a:fontRef idx="minor">
+            <a:schemeClr val="lt1"/>
+          </a:fontRef>
+        </p:style>
+        <p:txBody>
+          <a:bodyPr rtlCol="0" anchor="ctr"/>
+          <a:lstStyle/>
+          <a:p>
+            <a:pPr algn="ctr"/>
+            <a:r>
+              <a:rPr lang="en-US" altLang="ko-KR" dirty="0" smtClean="0"/>
+              <a:t>???</a:t>
+            </a:r>
+            <a:endParaRPr lang="ko-KR" altLang="en-US" dirty="0"/>
+          </a:p>
+        </p:txBody>
+      </p:sp>
+      <p:sp>
+        <p:nvSpPr>
+          <p:cNvPr id="46" name="직사각형 45"/>
+          <p:cNvSpPr/>
+          <p:nvPr/>
+        </p:nvSpPr>
+        <p:spPr>
+          <a:xfrm>
+            <a:off x="0" y="0"/>
+            <a:ext cx="3633086" cy="1141043"/>
           </a:xfrm>
           <a:prstGeom prst="rect">
             <a:avLst/>
@@ -5116,7 +5193,7 @@
           </a:solidFill>
           <a:ln>
             <a:solidFill>
-              <a:schemeClr val="tx1"/>
+              <a:srgbClr val="000000"/>
             </a:solidFill>
           </a:ln>
         </p:spPr>
@@ -5140,490 +5217,43 @@
           <a:bodyPr rtlCol="0" anchor="ctr"/>
           <a:lstStyle/>
           <a:p>
-            <a:r>
-              <a:rPr lang="ko-KR" altLang="en-US" sz="1100" dirty="0" smtClean="0">
+            <a:pPr algn="ctr"/>
+            <a:r>
+              <a:rPr lang="en-US" altLang="ko-KR" b="1" dirty="0" smtClean="0">
                 <a:solidFill>
                   <a:schemeClr val="tx1"/>
                 </a:solidFill>
+                <a:latin typeface="굴림" panose="020B0600000101010101" pitchFamily="50" charset="-127"/>
+                <a:ea typeface="굴림" panose="020B0600000101010101" pitchFamily="50" charset="-127"/>
               </a:rPr>
-              <a:t>홈</a:t>
-            </a:r>
-            <a:r>
-              <a:rPr lang="en-US" altLang="ko-KR" sz="1100" dirty="0" smtClean="0">
+              <a:t>2021-22 EPL </a:t>
+            </a:r>
+            <a:r>
+              <a:rPr lang="ko-KR" altLang="en-US" b="1" dirty="0" err="1" smtClean="0">
                 <a:solidFill>
                   <a:schemeClr val="tx1"/>
                 </a:solidFill>
+                <a:latin typeface="굴림" panose="020B0600000101010101" pitchFamily="50" charset="-127"/>
+                <a:ea typeface="굴림" panose="020B0600000101010101" pitchFamily="50" charset="-127"/>
               </a:rPr>
-              <a:t>/</a:t>
-            </a:r>
-            <a:r>
-              <a:rPr lang="ko-KR" altLang="en-US" sz="1100" dirty="0" smtClean="0">
+              <a:t>승부예측</a:t>
+            </a:r>
+            <a:r>
+              <a:rPr lang="ko-KR" altLang="en-US" b="1" dirty="0" smtClean="0">
                 <a:solidFill>
                   <a:schemeClr val="tx1"/>
                 </a:solidFill>
+                <a:latin typeface="굴림" panose="020B0600000101010101" pitchFamily="50" charset="-127"/>
+                <a:ea typeface="굴림" panose="020B0600000101010101" pitchFamily="50" charset="-127"/>
               </a:rPr>
-              <a:t>원정 </a:t>
-            </a:r>
-            <a:r>
-              <a:rPr lang="en-US" altLang="ko-KR" sz="1100" dirty="0" smtClean="0">
-                <a:solidFill>
-                  <a:schemeClr val="tx1"/>
-                </a:solidFill>
-              </a:rPr>
-              <a:t>: ???</a:t>
-            </a:r>
-            <a:endParaRPr lang="ko-KR" altLang="en-US" sz="1100" dirty="0">
+              <a:t> 대시보드</a:t>
+            </a:r>
+            <a:endParaRPr lang="ko-KR" altLang="en-US" b="1" dirty="0">
               <a:solidFill>
                 <a:schemeClr val="tx1"/>
               </a:solidFill>
-            </a:endParaRPr>
-          </a:p>
-        </p:txBody>
-      </p:sp>
-      <p:sp>
-        <p:nvSpPr>
-          <p:cNvPr id="89" name="직사각형 88"/>
-          <p:cNvSpPr/>
-          <p:nvPr/>
-        </p:nvSpPr>
-        <p:spPr>
-          <a:xfrm>
-            <a:off x="2172002" y="5825915"/>
-            <a:ext cx="10014190" cy="256536"/>
-          </a:xfrm>
-          <a:prstGeom prst="rect">
-            <a:avLst/>
-          </a:prstGeom>
-          <a:solidFill>
-            <a:schemeClr val="bg1"/>
-          </a:solidFill>
-          <a:ln>
-            <a:solidFill>
-              <a:schemeClr val="tx1"/>
-            </a:solidFill>
-          </a:ln>
-        </p:spPr>
-        <p:style>
-          <a:lnRef idx="2">
-            <a:schemeClr val="accent1">
-              <a:shade val="50000"/>
-            </a:schemeClr>
-          </a:lnRef>
-          <a:fillRef idx="1">
-            <a:schemeClr val="accent1"/>
-          </a:fillRef>
-          <a:effectRef idx="0">
-            <a:schemeClr val="accent1"/>
-          </a:effectRef>
-          <a:fontRef idx="minor">
-            <a:schemeClr val="lt1"/>
-          </a:fontRef>
-        </p:style>
-        <p:txBody>
-          <a:bodyPr rtlCol="0" anchor="ctr"/>
-          <a:lstStyle/>
-          <a:p>
-            <a:r>
-              <a:rPr lang="ko-KR" altLang="en-US" sz="1100" dirty="0" smtClean="0">
-                <a:solidFill>
-                  <a:schemeClr val="tx1"/>
-                </a:solidFill>
-              </a:rPr>
-              <a:t>그래프 </a:t>
-            </a:r>
-            <a:r>
-              <a:rPr lang="en-US" altLang="ko-KR" sz="1100" dirty="0" smtClean="0">
-                <a:solidFill>
-                  <a:schemeClr val="tx1"/>
-                </a:solidFill>
-              </a:rPr>
-              <a:t>: ??? </a:t>
-            </a:r>
-            <a:r>
-              <a:rPr lang="ko-KR" altLang="en-US" sz="1100" dirty="0" smtClean="0">
-                <a:solidFill>
-                  <a:schemeClr val="tx1"/>
-                </a:solidFill>
-              </a:rPr>
-              <a:t>그래프</a:t>
-            </a:r>
-            <a:endParaRPr lang="ko-KR" altLang="en-US" sz="1100" dirty="0">
-              <a:solidFill>
-                <a:schemeClr val="tx1"/>
-              </a:solidFill>
-            </a:endParaRPr>
-          </a:p>
-        </p:txBody>
-      </p:sp>
-      <p:sp>
-        <p:nvSpPr>
-          <p:cNvPr id="90" name="직사각형 89"/>
-          <p:cNvSpPr/>
-          <p:nvPr/>
-        </p:nvSpPr>
-        <p:spPr>
-          <a:xfrm>
-            <a:off x="2172002" y="6072324"/>
-            <a:ext cx="10014190" cy="256536"/>
-          </a:xfrm>
-          <a:prstGeom prst="rect">
-            <a:avLst/>
-          </a:prstGeom>
-          <a:solidFill>
-            <a:schemeClr val="bg1"/>
-          </a:solidFill>
-          <a:ln>
-            <a:solidFill>
-              <a:schemeClr val="tx1"/>
-            </a:solidFill>
-          </a:ln>
-        </p:spPr>
-        <p:style>
-          <a:lnRef idx="2">
-            <a:schemeClr val="accent1">
-              <a:shade val="50000"/>
-            </a:schemeClr>
-          </a:lnRef>
-          <a:fillRef idx="1">
-            <a:schemeClr val="accent1"/>
-          </a:fillRef>
-          <a:effectRef idx="0">
-            <a:schemeClr val="accent1"/>
-          </a:effectRef>
-          <a:fontRef idx="minor">
-            <a:schemeClr val="lt1"/>
-          </a:fontRef>
-        </p:style>
-        <p:txBody>
-          <a:bodyPr rtlCol="0" anchor="ctr"/>
-          <a:lstStyle/>
-          <a:p>
-            <a:r>
-              <a:rPr lang="en-US" altLang="ko-KR" sz="1100" dirty="0" smtClean="0">
-                <a:solidFill>
-                  <a:schemeClr val="tx1"/>
-                </a:solidFill>
-              </a:rPr>
-              <a:t>X(</a:t>
-            </a:r>
-            <a:r>
-              <a:rPr lang="ko-KR" altLang="en-US" sz="1100" dirty="0" smtClean="0">
-                <a:solidFill>
-                  <a:schemeClr val="tx1"/>
-                </a:solidFill>
-              </a:rPr>
-              <a:t>가로</a:t>
-            </a:r>
-            <a:r>
-              <a:rPr lang="en-US" altLang="ko-KR" sz="1100" dirty="0" smtClean="0">
-                <a:solidFill>
-                  <a:schemeClr val="tx1"/>
-                </a:solidFill>
-              </a:rPr>
-              <a:t>) </a:t>
-            </a:r>
-            <a:r>
-              <a:rPr lang="ko-KR" altLang="en-US" sz="1100" dirty="0" smtClean="0">
-                <a:solidFill>
-                  <a:schemeClr val="tx1"/>
-                </a:solidFill>
-              </a:rPr>
-              <a:t>값 </a:t>
-            </a:r>
-            <a:r>
-              <a:rPr lang="en-US" altLang="ko-KR" sz="1100" dirty="0" smtClean="0">
-                <a:solidFill>
-                  <a:schemeClr val="tx1"/>
-                </a:solidFill>
-              </a:rPr>
-              <a:t>: ???</a:t>
-            </a:r>
-            <a:endParaRPr lang="ko-KR" altLang="en-US" sz="1100" dirty="0">
-              <a:solidFill>
-                <a:schemeClr val="tx1"/>
-              </a:solidFill>
-            </a:endParaRPr>
-          </a:p>
-        </p:txBody>
-      </p:sp>
-      <p:sp>
-        <p:nvSpPr>
-          <p:cNvPr id="91" name="직사각형 90"/>
-          <p:cNvSpPr/>
-          <p:nvPr/>
-        </p:nvSpPr>
-        <p:spPr>
-          <a:xfrm>
-            <a:off x="2172002" y="6327625"/>
-            <a:ext cx="10014190" cy="256536"/>
-          </a:xfrm>
-          <a:prstGeom prst="rect">
-            <a:avLst/>
-          </a:prstGeom>
-          <a:solidFill>
-            <a:schemeClr val="bg1"/>
-          </a:solidFill>
-          <a:ln>
-            <a:solidFill>
-              <a:schemeClr val="tx1"/>
-            </a:solidFill>
-          </a:ln>
-        </p:spPr>
-        <p:style>
-          <a:lnRef idx="2">
-            <a:schemeClr val="accent1">
-              <a:shade val="50000"/>
-            </a:schemeClr>
-          </a:lnRef>
-          <a:fillRef idx="1">
-            <a:schemeClr val="accent1"/>
-          </a:fillRef>
-          <a:effectRef idx="0">
-            <a:schemeClr val="accent1"/>
-          </a:effectRef>
-          <a:fontRef idx="minor">
-            <a:schemeClr val="lt1"/>
-          </a:fontRef>
-        </p:style>
-        <p:txBody>
-          <a:bodyPr rtlCol="0" anchor="ctr"/>
-          <a:lstStyle/>
-          <a:p>
-            <a:r>
-              <a:rPr lang="en-US" altLang="ko-KR" sz="1100" dirty="0" smtClean="0">
-                <a:solidFill>
-                  <a:schemeClr val="tx1"/>
-                </a:solidFill>
-              </a:rPr>
-              <a:t>Y(</a:t>
-            </a:r>
-            <a:r>
-              <a:rPr lang="ko-KR" altLang="en-US" sz="1100" dirty="0" smtClean="0">
-                <a:solidFill>
-                  <a:schemeClr val="tx1"/>
-                </a:solidFill>
-              </a:rPr>
-              <a:t>세로</a:t>
-            </a:r>
-            <a:r>
-              <a:rPr lang="en-US" altLang="ko-KR" sz="1100" dirty="0" smtClean="0">
-                <a:solidFill>
-                  <a:schemeClr val="tx1"/>
-                </a:solidFill>
-              </a:rPr>
-              <a:t>) </a:t>
-            </a:r>
-            <a:r>
-              <a:rPr lang="ko-KR" altLang="en-US" sz="1100" dirty="0" smtClean="0">
-                <a:solidFill>
-                  <a:schemeClr val="tx1"/>
-                </a:solidFill>
-              </a:rPr>
-              <a:t>값 </a:t>
-            </a:r>
-            <a:r>
-              <a:rPr lang="en-US" altLang="ko-KR" sz="1100" dirty="0" smtClean="0">
-                <a:solidFill>
-                  <a:schemeClr val="tx1"/>
-                </a:solidFill>
-              </a:rPr>
-              <a:t>: ???</a:t>
-            </a:r>
-            <a:endParaRPr lang="ko-KR" altLang="en-US" sz="1100" dirty="0">
-              <a:solidFill>
-                <a:schemeClr val="tx1"/>
-              </a:solidFill>
-            </a:endParaRPr>
-          </a:p>
-        </p:txBody>
-      </p:sp>
-      <p:sp>
-        <p:nvSpPr>
-          <p:cNvPr id="92" name="직사각형 91"/>
-          <p:cNvSpPr/>
-          <p:nvPr/>
-        </p:nvSpPr>
-        <p:spPr>
-          <a:xfrm>
-            <a:off x="2172002" y="6590222"/>
-            <a:ext cx="10014190" cy="256536"/>
-          </a:xfrm>
-          <a:prstGeom prst="rect">
-            <a:avLst/>
-          </a:prstGeom>
-          <a:solidFill>
-            <a:schemeClr val="bg1"/>
-          </a:solidFill>
-          <a:ln>
-            <a:solidFill>
-              <a:schemeClr val="tx1"/>
-            </a:solidFill>
-          </a:ln>
-        </p:spPr>
-        <p:style>
-          <a:lnRef idx="2">
-            <a:schemeClr val="accent1">
-              <a:shade val="50000"/>
-            </a:schemeClr>
-          </a:lnRef>
-          <a:fillRef idx="1">
-            <a:schemeClr val="accent1"/>
-          </a:fillRef>
-          <a:effectRef idx="0">
-            <a:schemeClr val="accent1"/>
-          </a:effectRef>
-          <a:fontRef idx="minor">
-            <a:schemeClr val="lt1"/>
-          </a:fontRef>
-        </p:style>
-        <p:txBody>
-          <a:bodyPr rtlCol="0" anchor="ctr"/>
-          <a:lstStyle/>
-          <a:p>
-            <a:r>
-              <a:rPr lang="ko-KR" altLang="en-US" sz="1100" dirty="0" smtClean="0">
-                <a:solidFill>
-                  <a:schemeClr val="tx1"/>
-                </a:solidFill>
-              </a:rPr>
-              <a:t>색상 </a:t>
-            </a:r>
-            <a:r>
-              <a:rPr lang="en-US" altLang="ko-KR" sz="1100" dirty="0" smtClean="0">
-                <a:solidFill>
-                  <a:schemeClr val="tx1"/>
-                </a:solidFill>
-              </a:rPr>
-              <a:t>:  X = ??? / Y = ???</a:t>
-            </a:r>
-            <a:endParaRPr lang="ko-KR" altLang="en-US" sz="1100" dirty="0">
-              <a:solidFill>
-                <a:schemeClr val="tx1"/>
-              </a:solidFill>
-            </a:endParaRPr>
-          </a:p>
-        </p:txBody>
-      </p:sp>
-      <p:sp>
-        <p:nvSpPr>
-          <p:cNvPr id="41" name="직사각형 40"/>
-          <p:cNvSpPr/>
-          <p:nvPr/>
-        </p:nvSpPr>
-        <p:spPr>
-          <a:xfrm>
-            <a:off x="3256384" y="684063"/>
-            <a:ext cx="6088196" cy="559641"/>
-          </a:xfrm>
-          <a:prstGeom prst="rect">
-            <a:avLst/>
-          </a:prstGeom>
-          <a:solidFill>
-            <a:schemeClr val="bg1"/>
-          </a:solidFill>
-          <a:ln>
-            <a:solidFill>
-              <a:schemeClr val="tx1"/>
-            </a:solidFill>
-          </a:ln>
-        </p:spPr>
-        <p:style>
-          <a:lnRef idx="2">
-            <a:schemeClr val="accent1">
-              <a:shade val="50000"/>
-            </a:schemeClr>
-          </a:lnRef>
-          <a:fillRef idx="1">
-            <a:schemeClr val="accent1"/>
-          </a:fillRef>
-          <a:effectRef idx="0">
-            <a:schemeClr val="accent1"/>
-          </a:effectRef>
-          <a:fontRef idx="minor">
-            <a:schemeClr val="lt1"/>
-          </a:fontRef>
-        </p:style>
-        <p:txBody>
-          <a:bodyPr rtlCol="0" anchor="ctr"/>
-          <a:lstStyle/>
-          <a:p>
-            <a:pPr algn="ctr"/>
-            <a:r>
-              <a:rPr lang="en-US" altLang="ko-KR" dirty="0" smtClean="0">
-                <a:solidFill>
-                  <a:schemeClr val="tx1"/>
-                </a:solidFill>
-              </a:rPr>
-              <a:t>???</a:t>
-            </a:r>
-            <a:r>
-              <a:rPr lang="ko-KR" altLang="en-US" dirty="0" smtClean="0">
-                <a:solidFill>
-                  <a:schemeClr val="tx1"/>
-                </a:solidFill>
-              </a:rPr>
-              <a:t>팀의 </a:t>
-            </a:r>
-            <a:r>
-              <a:rPr lang="en-US" altLang="ko-KR" dirty="0">
-                <a:solidFill>
-                  <a:schemeClr val="tx1"/>
-                </a:solidFill>
-              </a:rPr>
-              <a:t>x</a:t>
-            </a:r>
-            <a:r>
-              <a:rPr lang="ko-KR" altLang="en-US" dirty="0" smtClean="0">
-                <a:solidFill>
-                  <a:schemeClr val="tx1"/>
-                </a:solidFill>
-              </a:rPr>
-              <a:t>당 </a:t>
-            </a:r>
-            <a:r>
-              <a:rPr lang="en-US" altLang="ko-KR" dirty="0" smtClean="0">
-                <a:solidFill>
-                  <a:schemeClr val="tx1"/>
-                </a:solidFill>
-              </a:rPr>
-              <a:t>y</a:t>
-            </a:r>
-            <a:r>
-              <a:rPr lang="ko-KR" altLang="en-US" dirty="0" smtClean="0">
-                <a:solidFill>
-                  <a:schemeClr val="tx1"/>
-                </a:solidFill>
-              </a:rPr>
-              <a:t>의 값 </a:t>
-            </a:r>
-            <a:r>
-              <a:rPr lang="en-US" altLang="ko-KR" dirty="0" smtClean="0">
-                <a:solidFill>
-                  <a:schemeClr val="tx1"/>
-                </a:solidFill>
-              </a:rPr>
-              <a:t>(???</a:t>
-            </a:r>
-            <a:r>
-              <a:rPr lang="ko-KR" altLang="en-US" dirty="0" smtClean="0">
-                <a:solidFill>
-                  <a:schemeClr val="tx1"/>
-                </a:solidFill>
-              </a:rPr>
-              <a:t>그래프</a:t>
-            </a:r>
-            <a:r>
-              <a:rPr lang="en-US" altLang="ko-KR" dirty="0" smtClean="0">
-                <a:solidFill>
-                  <a:schemeClr val="tx1"/>
-                </a:solidFill>
-              </a:rPr>
-              <a:t>)</a:t>
-            </a:r>
-            <a:endParaRPr lang="ko-KR" altLang="en-US" dirty="0">
-              <a:solidFill>
-                <a:schemeClr val="tx1"/>
-              </a:solidFill>
+              <a:latin typeface="굴림" panose="020B0600000101010101" pitchFamily="50" charset="-127"/>
+              <a:ea typeface="굴림" panose="020B0600000101010101" pitchFamily="50" charset="-127"/>
             </a:endParaRPr>
           </a:p>
         </p:txBody>
@@ -5631,7 +5261,7 @@
     </p:spTree>
     <p:extLst>
       <p:ext uri="{BB962C8B-B14F-4D97-AF65-F5344CB8AC3E}">
-        <p14:creationId xmlns:p14="http://schemas.microsoft.com/office/powerpoint/2010/main" val="4024388501"/>
+        <p14:creationId xmlns:p14="http://schemas.microsoft.com/office/powerpoint/2010/main" val="2277362"/>
       </p:ext>
     </p:extLst>
   </p:cSld>

--- a/design.pptx
+++ b/design.pptx
@@ -244,7 +244,7 @@
           <a:p>
             <a:fld id="{EDB13A16-E8B7-49B3-BFC3-A609BD0FC85B}" type="datetimeFigureOut">
               <a:rPr lang="ko-KR" altLang="en-US" smtClean="0"/>
-              <a:t>2023-06-25 Sunday</a:t>
+              <a:t>2023-07-09 Sunday</a:t>
             </a:fld>
             <a:endParaRPr lang="ko-KR" altLang="en-US"/>
           </a:p>
@@ -414,7 +414,7 @@
           <a:p>
             <a:fld id="{EDB13A16-E8B7-49B3-BFC3-A609BD0FC85B}" type="datetimeFigureOut">
               <a:rPr lang="ko-KR" altLang="en-US" smtClean="0"/>
-              <a:t>2023-06-25 Sunday</a:t>
+              <a:t>2023-07-09 Sunday</a:t>
             </a:fld>
             <a:endParaRPr lang="ko-KR" altLang="en-US"/>
           </a:p>
@@ -594,7 +594,7 @@
           <a:p>
             <a:fld id="{EDB13A16-E8B7-49B3-BFC3-A609BD0FC85B}" type="datetimeFigureOut">
               <a:rPr lang="ko-KR" altLang="en-US" smtClean="0"/>
-              <a:t>2023-06-25 Sunday</a:t>
+              <a:t>2023-07-09 Sunday</a:t>
             </a:fld>
             <a:endParaRPr lang="ko-KR" altLang="en-US"/>
           </a:p>
@@ -764,7 +764,7 @@
           <a:p>
             <a:fld id="{EDB13A16-E8B7-49B3-BFC3-A609BD0FC85B}" type="datetimeFigureOut">
               <a:rPr lang="ko-KR" altLang="en-US" smtClean="0"/>
-              <a:t>2023-06-25 Sunday</a:t>
+              <a:t>2023-07-09 Sunday</a:t>
             </a:fld>
             <a:endParaRPr lang="ko-KR" altLang="en-US"/>
           </a:p>
@@ -1010,7 +1010,7 @@
           <a:p>
             <a:fld id="{EDB13A16-E8B7-49B3-BFC3-A609BD0FC85B}" type="datetimeFigureOut">
               <a:rPr lang="ko-KR" altLang="en-US" smtClean="0"/>
-              <a:t>2023-06-25 Sunday</a:t>
+              <a:t>2023-07-09 Sunday</a:t>
             </a:fld>
             <a:endParaRPr lang="ko-KR" altLang="en-US"/>
           </a:p>
@@ -1242,7 +1242,7 @@
           <a:p>
             <a:fld id="{EDB13A16-E8B7-49B3-BFC3-A609BD0FC85B}" type="datetimeFigureOut">
               <a:rPr lang="ko-KR" altLang="en-US" smtClean="0"/>
-              <a:t>2023-06-25 Sunday</a:t>
+              <a:t>2023-07-09 Sunday</a:t>
             </a:fld>
             <a:endParaRPr lang="ko-KR" altLang="en-US"/>
           </a:p>
@@ -1609,7 +1609,7 @@
           <a:p>
             <a:fld id="{EDB13A16-E8B7-49B3-BFC3-A609BD0FC85B}" type="datetimeFigureOut">
               <a:rPr lang="ko-KR" altLang="en-US" smtClean="0"/>
-              <a:t>2023-06-25 Sunday</a:t>
+              <a:t>2023-07-09 Sunday</a:t>
             </a:fld>
             <a:endParaRPr lang="ko-KR" altLang="en-US"/>
           </a:p>
@@ -1727,7 +1727,7 @@
           <a:p>
             <a:fld id="{EDB13A16-E8B7-49B3-BFC3-A609BD0FC85B}" type="datetimeFigureOut">
               <a:rPr lang="ko-KR" altLang="en-US" smtClean="0"/>
-              <a:t>2023-06-25 Sunday</a:t>
+              <a:t>2023-07-09 Sunday</a:t>
             </a:fld>
             <a:endParaRPr lang="ko-KR" altLang="en-US"/>
           </a:p>
@@ -1822,7 +1822,7 @@
           <a:p>
             <a:fld id="{EDB13A16-E8B7-49B3-BFC3-A609BD0FC85B}" type="datetimeFigureOut">
               <a:rPr lang="ko-KR" altLang="en-US" smtClean="0"/>
-              <a:t>2023-06-25 Sunday</a:t>
+              <a:t>2023-07-09 Sunday</a:t>
             </a:fld>
             <a:endParaRPr lang="ko-KR" altLang="en-US"/>
           </a:p>
@@ -2099,7 +2099,7 @@
           <a:p>
             <a:fld id="{EDB13A16-E8B7-49B3-BFC3-A609BD0FC85B}" type="datetimeFigureOut">
               <a:rPr lang="ko-KR" altLang="en-US" smtClean="0"/>
-              <a:t>2023-06-25 Sunday</a:t>
+              <a:t>2023-07-09 Sunday</a:t>
             </a:fld>
             <a:endParaRPr lang="ko-KR" altLang="en-US"/>
           </a:p>
@@ -2352,7 +2352,7 @@
           <a:p>
             <a:fld id="{EDB13A16-E8B7-49B3-BFC3-A609BD0FC85B}" type="datetimeFigureOut">
               <a:rPr lang="ko-KR" altLang="en-US" smtClean="0"/>
-              <a:t>2023-06-25 Sunday</a:t>
+              <a:t>2023-07-09 Sunday</a:t>
             </a:fld>
             <a:endParaRPr lang="ko-KR" altLang="en-US"/>
           </a:p>
@@ -2565,7 +2565,7 @@
           <a:p>
             <a:fld id="{EDB13A16-E8B7-49B3-BFC3-A609BD0FC85B}" type="datetimeFigureOut">
               <a:rPr lang="ko-KR" altLang="en-US" smtClean="0"/>
-              <a:t>2023-06-25 Sunday</a:t>
+              <a:t>2023-07-09 Sunday</a:t>
             </a:fld>
             <a:endParaRPr lang="ko-KR" altLang="en-US"/>
           </a:p>
@@ -3618,6 +3618,13 @@
   <p:clrMapOvr>
     <a:masterClrMapping/>
   </p:clrMapOvr>
+  <p:timing>
+    <p:tnLst>
+      <p:par>
+        <p:cTn id="1" dur="indefinite" restart="never" nodeType="tmRoot"/>
+      </p:par>
+    </p:tnLst>
+  </p:timing>
 </p:sld>
 </file>
 
@@ -4032,94 +4039,6 @@
       </p:sp>
       <p:sp>
         <p:nvSpPr>
-          <p:cNvPr id="13" name="모서리가 둥근 직사각형 12"/>
-          <p:cNvSpPr/>
-          <p:nvPr/>
-        </p:nvSpPr>
-        <p:spPr>
-          <a:xfrm>
-            <a:off x="10407024" y="174171"/>
-            <a:ext cx="1509205" cy="317637"/>
-          </a:xfrm>
-          <a:prstGeom prst="roundRect">
-            <a:avLst/>
-          </a:prstGeom>
-        </p:spPr>
-        <p:style>
-          <a:lnRef idx="2">
-            <a:schemeClr val="accent1">
-              <a:shade val="50000"/>
-            </a:schemeClr>
-          </a:lnRef>
-          <a:fillRef idx="1">
-            <a:schemeClr val="accent1"/>
-          </a:fillRef>
-          <a:effectRef idx="0">
-            <a:schemeClr val="accent1"/>
-          </a:effectRef>
-          <a:fontRef idx="minor">
-            <a:schemeClr val="lt1"/>
-          </a:fontRef>
-        </p:style>
-        <p:txBody>
-          <a:bodyPr rtlCol="0" anchor="ctr"/>
-          <a:lstStyle/>
-          <a:p>
-            <a:pPr algn="ctr"/>
-            <a:r>
-              <a:rPr lang="ko-KR" altLang="en-US" dirty="0" smtClean="0"/>
-              <a:t>승부 예측</a:t>
-            </a:r>
-            <a:endParaRPr lang="ko-KR" altLang="en-US" dirty="0"/>
-          </a:p>
-        </p:txBody>
-      </p:sp>
-      <p:sp>
-        <p:nvSpPr>
-          <p:cNvPr id="14" name="모서리가 둥근 직사각형 13"/>
-          <p:cNvSpPr/>
-          <p:nvPr/>
-        </p:nvSpPr>
-        <p:spPr>
-          <a:xfrm>
-            <a:off x="10442537" y="671565"/>
-            <a:ext cx="1490368" cy="337544"/>
-          </a:xfrm>
-          <a:prstGeom prst="roundRect">
-            <a:avLst/>
-          </a:prstGeom>
-        </p:spPr>
-        <p:style>
-          <a:lnRef idx="2">
-            <a:schemeClr val="accent1">
-              <a:shade val="50000"/>
-            </a:schemeClr>
-          </a:lnRef>
-          <a:fillRef idx="1">
-            <a:schemeClr val="accent1"/>
-          </a:fillRef>
-          <a:effectRef idx="0">
-            <a:schemeClr val="accent1"/>
-          </a:effectRef>
-          <a:fontRef idx="minor">
-            <a:schemeClr val="lt1"/>
-          </a:fontRef>
-        </p:style>
-        <p:txBody>
-          <a:bodyPr rtlCol="0" anchor="ctr"/>
-          <a:lstStyle/>
-          <a:p>
-            <a:pPr algn="ctr"/>
-            <a:r>
-              <a:rPr lang="ko-KR" altLang="en-US" sz="1200" dirty="0" smtClean="0"/>
-              <a:t>양 팀 전력 분석</a:t>
-            </a:r>
-            <a:endParaRPr lang="ko-KR" altLang="en-US" sz="1200" dirty="0"/>
-          </a:p>
-        </p:txBody>
-      </p:sp>
-      <p:sp>
-        <p:nvSpPr>
           <p:cNvPr id="15" name="직사각형 14"/>
           <p:cNvSpPr/>
           <p:nvPr/>
@@ -4222,7 +4141,7 @@
         </p:nvSpPr>
         <p:spPr>
           <a:xfrm>
-            <a:off x="188686" y="1364343"/>
+            <a:off x="152522" y="1691470"/>
             <a:ext cx="899850" cy="812800"/>
           </a:xfrm>
           <a:prstGeom prst="rect">
@@ -4254,7 +4173,22 @@
               <a:rPr lang="en-US" altLang="ko-KR" dirty="0" smtClean="0"/>
               <a:t>H</a:t>
             </a:r>
-            <a:endParaRPr lang="ko-KR" altLang="en-US" dirty="0"/>
+          </a:p>
+          <a:p>
+            <a:pPr algn="ctr"/>
+            <a:r>
+              <a:rPr lang="en-US" altLang="ko-KR" sz="800" dirty="0" smtClean="0"/>
+              <a:t>(</a:t>
+            </a:r>
+            <a:r>
+              <a:rPr lang="ko-KR" altLang="en-US" sz="800" dirty="0" smtClean="0"/>
+              <a:t>홈</a:t>
+            </a:r>
+            <a:r>
+              <a:rPr lang="en-US" altLang="ko-KR" sz="800" dirty="0" smtClean="0"/>
+              <a:t>)</a:t>
+            </a:r>
+            <a:endParaRPr lang="ko-KR" altLang="en-US" sz="800" dirty="0"/>
           </a:p>
         </p:txBody>
       </p:sp>
@@ -4266,7 +4200,7 @@
         </p:nvSpPr>
         <p:spPr>
           <a:xfrm>
-            <a:off x="6356939" y="1364343"/>
+            <a:off x="6331055" y="1691470"/>
             <a:ext cx="943747" cy="812800"/>
           </a:xfrm>
           <a:prstGeom prst="rect">
@@ -4295,10 +4229,25 @@
           <a:p>
             <a:pPr algn="ctr"/>
             <a:r>
-              <a:rPr lang="en-US" altLang="ko-KR" dirty="0"/>
+              <a:rPr lang="en-US" altLang="ko-KR" dirty="0" smtClean="0"/>
               <a:t>A</a:t>
             </a:r>
-            <a:endParaRPr lang="ko-KR" altLang="en-US" dirty="0"/>
+          </a:p>
+          <a:p>
+            <a:pPr algn="ctr"/>
+            <a:r>
+              <a:rPr lang="en-US" altLang="ko-KR" sz="800" dirty="0" smtClean="0"/>
+              <a:t>(</a:t>
+            </a:r>
+            <a:r>
+              <a:rPr lang="ko-KR" altLang="en-US" sz="800" dirty="0" smtClean="0"/>
+              <a:t>원정</a:t>
+            </a:r>
+            <a:r>
+              <a:rPr lang="en-US" altLang="ko-KR" sz="800" dirty="0" smtClean="0"/>
+              <a:t>)</a:t>
+            </a:r>
+            <a:endParaRPr lang="ko-KR" altLang="en-US" sz="800" dirty="0"/>
           </a:p>
         </p:txBody>
       </p:sp>
@@ -4352,9 +4301,49 @@
                   <a:schemeClr val="tx1"/>
                 </a:solidFill>
               </a:rPr>
-              <a:t>52%</a:t>
-            </a:r>
-            <a:endParaRPr lang="ko-KR" altLang="en-US" sz="4400" dirty="0">
+              <a:t>52</a:t>
+            </a:r>
+            <a:r>
+              <a:rPr lang="en-US" altLang="ko-KR" sz="4400" dirty="0" smtClean="0">
+                <a:solidFill>
+                  <a:schemeClr val="tx1"/>
+                </a:solidFill>
+              </a:rPr>
+              <a:t>%</a:t>
+            </a:r>
+            <a:endParaRPr lang="en-US" altLang="ko-KR" sz="800" dirty="0" smtClean="0">
+              <a:solidFill>
+                <a:schemeClr val="tx1"/>
+              </a:solidFill>
+            </a:endParaRPr>
+          </a:p>
+          <a:p>
+            <a:pPr algn="ctr"/>
+            <a:r>
+              <a:rPr lang="en-US" altLang="ko-KR" sz="800" dirty="0" smtClean="0">
+                <a:solidFill>
+                  <a:schemeClr val="tx1"/>
+                </a:solidFill>
+              </a:rPr>
+              <a:t>(A</a:t>
+            </a:r>
+            <a:r>
+              <a:rPr lang="ko-KR" altLang="en-US" sz="800" dirty="0" smtClean="0">
+                <a:solidFill>
+                  <a:schemeClr val="tx1"/>
+                </a:solidFill>
+              </a:rPr>
+              <a:t>팀의 승리 확률</a:t>
+            </a:r>
+            <a:r>
+              <a:rPr lang="en-US" altLang="ko-KR" sz="800" dirty="0" smtClean="0">
+                <a:solidFill>
+                  <a:schemeClr val="tx1"/>
+                </a:solidFill>
+              </a:rPr>
+              <a:t>)</a:t>
+            </a:r>
+            <a:endParaRPr lang="ko-KR" altLang="en-US" sz="800" dirty="0">
               <a:solidFill>
                 <a:schemeClr val="tx1"/>
               </a:solidFill>
@@ -4412,9 +4401,44 @@
                   <a:schemeClr val="tx1"/>
                 </a:solidFill>
               </a:rPr>
-              <a:t>48%</a:t>
-            </a:r>
-            <a:endParaRPr lang="ko-KR" altLang="en-US" sz="4400" dirty="0">
+              <a:t>48</a:t>
+            </a:r>
+            <a:r>
+              <a:rPr lang="en-US" altLang="ko-KR" sz="4400" dirty="0" smtClean="0">
+                <a:solidFill>
+                  <a:schemeClr val="tx1"/>
+                </a:solidFill>
+              </a:rPr>
+              <a:t>%</a:t>
+            </a:r>
+          </a:p>
+          <a:p>
+            <a:pPr algn="ctr"/>
+            <a:r>
+              <a:rPr lang="en-US" altLang="ko-KR" sz="800" dirty="0" smtClean="0">
+                <a:solidFill>
+                  <a:schemeClr val="tx1"/>
+                </a:solidFill>
+              </a:rPr>
+              <a:t>(B</a:t>
+            </a:r>
+            <a:r>
+              <a:rPr lang="ko-KR" altLang="en-US" sz="800" dirty="0" smtClean="0">
+                <a:solidFill>
+                  <a:schemeClr val="tx1"/>
+                </a:solidFill>
+              </a:rPr>
+              <a:t>팀의 승리 확률</a:t>
+            </a:r>
+            <a:r>
+              <a:rPr lang="en-US" altLang="ko-KR" sz="800" dirty="0" smtClean="0">
+                <a:solidFill>
+                  <a:schemeClr val="tx1"/>
+                </a:solidFill>
+              </a:rPr>
+              <a:t>)</a:t>
+            </a:r>
+            <a:endParaRPr lang="ko-KR" altLang="en-US" sz="800" dirty="0">
               <a:solidFill>
                 <a:schemeClr val="tx1"/>
               </a:solidFill>
@@ -4430,7 +4454,7 @@
         </p:nvSpPr>
         <p:spPr>
           <a:xfrm>
-            <a:off x="1277222" y="1398957"/>
+            <a:off x="1378699" y="1708777"/>
             <a:ext cx="2786778" cy="778186"/>
           </a:xfrm>
           <a:prstGeom prst="roundRect">
@@ -4459,12 +4483,12 @@
           <a:p>
             <a:pPr algn="ctr"/>
             <a:r>
-              <a:rPr lang="en-US" altLang="ko-KR" smtClean="0"/>
+              <a:rPr lang="en-US" altLang="ko-KR" dirty="0" smtClean="0"/>
               <a:t>A</a:t>
             </a:r>
             <a:r>
               <a:rPr lang="ko-KR" altLang="en-US" dirty="0" smtClean="0"/>
-              <a:t>팀</a:t>
+              <a:t>팀 이름</a:t>
             </a:r>
             <a:endParaRPr lang="ko-KR" altLang="en-US" dirty="0"/>
           </a:p>
@@ -4478,7 +4502,7 @@
         </p:nvSpPr>
         <p:spPr>
           <a:xfrm>
-            <a:off x="7460466" y="1390578"/>
+            <a:off x="7495624" y="1706935"/>
             <a:ext cx="2786778" cy="778186"/>
           </a:xfrm>
           <a:prstGeom prst="roundRect">
@@ -4512,7 +4536,11 @@
             </a:r>
             <a:r>
               <a:rPr lang="ko-KR" altLang="en-US" dirty="0" smtClean="0"/>
-              <a:t>팀</a:t>
+              <a:t>팀 이</a:t>
+            </a:r>
+            <a:r>
+              <a:rPr lang="ko-KR" altLang="en-US" dirty="0" smtClean="0"/>
+              <a:t>름</a:t>
             </a:r>
             <a:endParaRPr lang="ko-KR" altLang="en-US" dirty="0"/>
           </a:p>
@@ -4526,7 +4554,7 @@
         </p:nvSpPr>
         <p:spPr>
           <a:xfrm>
-            <a:off x="309227" y="2844800"/>
+            <a:off x="147296" y="2797530"/>
             <a:ext cx="2745889" cy="1683657"/>
           </a:xfrm>
           <a:prstGeom prst="rect">
@@ -4622,7 +4650,7 @@
         </p:nvSpPr>
         <p:spPr>
           <a:xfrm>
-            <a:off x="309227" y="4742543"/>
+            <a:off x="147296" y="4762019"/>
             <a:ext cx="2745889" cy="1683657"/>
           </a:xfrm>
           <a:prstGeom prst="rect">
@@ -4670,7 +4698,7 @@
         </p:nvSpPr>
         <p:spPr>
           <a:xfrm>
-            <a:off x="3236468" y="2820791"/>
+            <a:off x="3159038" y="2797529"/>
             <a:ext cx="2745889" cy="1683657"/>
           </a:xfrm>
           <a:prstGeom prst="rect">
@@ -4800,7 +4828,15 @@
             </a:r>
             <a:r>
               <a:rPr lang="ko-KR" altLang="en-US" dirty="0" smtClean="0"/>
-              <a:t>팀의 득점 분석 꺾은선 그래프</a:t>
+              <a:t>팀의 </a:t>
+            </a:r>
+            <a:r>
+              <a:rPr lang="ko-KR" altLang="en-US" dirty="0" smtClean="0"/>
+              <a:t>실점 </a:t>
+            </a:r>
+            <a:r>
+              <a:rPr lang="ko-KR" altLang="en-US" dirty="0" smtClean="0"/>
+              <a:t>분석 꺾은선 그래프</a:t>
             </a:r>
             <a:endParaRPr lang="ko-KR" altLang="en-US" dirty="0"/>
           </a:p>
@@ -5226,7 +5262,7 @@
                 <a:latin typeface="굴림" panose="020B0600000101010101" pitchFamily="50" charset="-127"/>
                 <a:ea typeface="굴림" panose="020B0600000101010101" pitchFamily="50" charset="-127"/>
               </a:rPr>
-              <a:t>2021-22 EPL </a:t>
+              <a:t>EPL </a:t>
             </a:r>
             <a:r>
               <a:rPr lang="ko-KR" altLang="en-US" b="1" dirty="0" err="1" smtClean="0">
@@ -5255,6 +5291,702 @@
               <a:latin typeface="굴림" panose="020B0600000101010101" pitchFamily="50" charset="-127"/>
               <a:ea typeface="굴림" panose="020B0600000101010101" pitchFamily="50" charset="-127"/>
             </a:endParaRPr>
+          </a:p>
+        </p:txBody>
+      </p:sp>
+      <p:sp>
+        <p:nvSpPr>
+          <p:cNvPr id="3" name="직사각형 2"/>
+          <p:cNvSpPr/>
+          <p:nvPr/>
+        </p:nvSpPr>
+        <p:spPr>
+          <a:xfrm>
+            <a:off x="147296" y="6828575"/>
+            <a:ext cx="2745889" cy="1654233"/>
+          </a:xfrm>
+          <a:prstGeom prst="rect">
+            <a:avLst/>
+          </a:prstGeom>
+        </p:spPr>
+        <p:style>
+          <a:lnRef idx="2">
+            <a:schemeClr val="accent1">
+              <a:shade val="50000"/>
+            </a:schemeClr>
+          </a:lnRef>
+          <a:fillRef idx="1">
+            <a:schemeClr val="accent1"/>
+          </a:fillRef>
+          <a:effectRef idx="0">
+            <a:schemeClr val="accent1"/>
+          </a:effectRef>
+          <a:fontRef idx="minor">
+            <a:schemeClr val="lt1"/>
+          </a:fontRef>
+        </p:style>
+        <p:txBody>
+          <a:bodyPr rtlCol="0" anchor="ctr"/>
+          <a:lstStyle/>
+          <a:p>
+            <a:pPr algn="ctr"/>
+            <a:r>
+              <a:rPr lang="en-US" altLang="ko-KR" dirty="0" smtClean="0"/>
+              <a:t>A</a:t>
+            </a:r>
+            <a:r>
+              <a:rPr lang="ko-KR" altLang="en-US" dirty="0" smtClean="0"/>
+              <a:t>팀의 최근 </a:t>
+            </a:r>
+            <a:r>
+              <a:rPr lang="en-US" altLang="ko-KR" dirty="0" smtClean="0"/>
+              <a:t>3</a:t>
+            </a:r>
+            <a:r>
+              <a:rPr lang="ko-KR" altLang="en-US" dirty="0" smtClean="0"/>
+              <a:t>경기 전적 표</a:t>
+            </a:r>
+            <a:endParaRPr lang="ko-KR" altLang="en-US" dirty="0"/>
+          </a:p>
+        </p:txBody>
+      </p:sp>
+      <p:sp>
+        <p:nvSpPr>
+          <p:cNvPr id="37" name="직사각형 36"/>
+          <p:cNvSpPr/>
+          <p:nvPr/>
+        </p:nvSpPr>
+        <p:spPr>
+          <a:xfrm>
+            <a:off x="6356939" y="6857999"/>
+            <a:ext cx="2745889" cy="1654233"/>
+          </a:xfrm>
+          <a:prstGeom prst="rect">
+            <a:avLst/>
+          </a:prstGeom>
+        </p:spPr>
+        <p:style>
+          <a:lnRef idx="2">
+            <a:schemeClr val="accent1">
+              <a:shade val="50000"/>
+            </a:schemeClr>
+          </a:lnRef>
+          <a:fillRef idx="1">
+            <a:schemeClr val="accent1"/>
+          </a:fillRef>
+          <a:effectRef idx="0">
+            <a:schemeClr val="accent1"/>
+          </a:effectRef>
+          <a:fontRef idx="minor">
+            <a:schemeClr val="lt1"/>
+          </a:fontRef>
+        </p:style>
+        <p:txBody>
+          <a:bodyPr rtlCol="0" anchor="ctr"/>
+          <a:lstStyle/>
+          <a:p>
+            <a:pPr algn="ctr"/>
+            <a:r>
+              <a:rPr lang="en-US" altLang="ko-KR" dirty="0" smtClean="0"/>
+              <a:t>B</a:t>
+            </a:r>
+            <a:r>
+              <a:rPr lang="ko-KR" altLang="en-US" dirty="0" smtClean="0"/>
+              <a:t>팀의 최근 </a:t>
+            </a:r>
+            <a:r>
+              <a:rPr lang="en-US" altLang="ko-KR" dirty="0" smtClean="0"/>
+              <a:t>3</a:t>
+            </a:r>
+            <a:r>
+              <a:rPr lang="ko-KR" altLang="en-US" dirty="0" smtClean="0"/>
+              <a:t>경기 전적 표</a:t>
+            </a:r>
+            <a:endParaRPr lang="ko-KR" altLang="en-US" dirty="0"/>
+          </a:p>
+        </p:txBody>
+      </p:sp>
+      <p:sp>
+        <p:nvSpPr>
+          <p:cNvPr id="45" name="직사각형 44"/>
+          <p:cNvSpPr/>
+          <p:nvPr/>
+        </p:nvSpPr>
+        <p:spPr>
+          <a:xfrm>
+            <a:off x="3159038" y="6813862"/>
+            <a:ext cx="2745889" cy="1683657"/>
+          </a:xfrm>
+          <a:prstGeom prst="rect">
+            <a:avLst/>
+          </a:prstGeom>
+        </p:spPr>
+        <p:style>
+          <a:lnRef idx="2">
+            <a:schemeClr val="accent1">
+              <a:shade val="50000"/>
+            </a:schemeClr>
+          </a:lnRef>
+          <a:fillRef idx="1">
+            <a:schemeClr val="accent1"/>
+          </a:fillRef>
+          <a:effectRef idx="0">
+            <a:schemeClr val="accent1"/>
+          </a:effectRef>
+          <a:fontRef idx="minor">
+            <a:schemeClr val="lt1"/>
+          </a:fontRef>
+        </p:style>
+        <p:txBody>
+          <a:bodyPr rtlCol="0" anchor="ctr"/>
+          <a:lstStyle/>
+          <a:p>
+            <a:pPr algn="ctr"/>
+            <a:r>
+              <a:rPr lang="en-US" altLang="ko-KR" dirty="0" smtClean="0"/>
+              <a:t>A</a:t>
+            </a:r>
+            <a:r>
+              <a:rPr lang="ko-KR" altLang="en-US" dirty="0" smtClean="0"/>
+              <a:t>팀의 </a:t>
+            </a:r>
+            <a:r>
+              <a:rPr lang="ko-KR" altLang="en-US" dirty="0" smtClean="0"/>
+              <a:t>홈 경기 전적 표</a:t>
+            </a:r>
+            <a:endParaRPr lang="ko-KR" altLang="en-US" dirty="0"/>
+          </a:p>
+        </p:txBody>
+      </p:sp>
+      <p:sp>
+        <p:nvSpPr>
+          <p:cNvPr id="47" name="직사각형 46"/>
+          <p:cNvSpPr/>
+          <p:nvPr/>
+        </p:nvSpPr>
+        <p:spPr>
+          <a:xfrm>
+            <a:off x="9308134" y="6828575"/>
+            <a:ext cx="2745889" cy="1683657"/>
+          </a:xfrm>
+          <a:prstGeom prst="rect">
+            <a:avLst/>
+          </a:prstGeom>
+        </p:spPr>
+        <p:style>
+          <a:lnRef idx="2">
+            <a:schemeClr val="accent1">
+              <a:shade val="50000"/>
+            </a:schemeClr>
+          </a:lnRef>
+          <a:fillRef idx="1">
+            <a:schemeClr val="accent1"/>
+          </a:fillRef>
+          <a:effectRef idx="0">
+            <a:schemeClr val="accent1"/>
+          </a:effectRef>
+          <a:fontRef idx="minor">
+            <a:schemeClr val="lt1"/>
+          </a:fontRef>
+        </p:style>
+        <p:txBody>
+          <a:bodyPr rtlCol="0" anchor="ctr"/>
+          <a:lstStyle/>
+          <a:p>
+            <a:pPr algn="ctr"/>
+            <a:r>
+              <a:rPr lang="en-US" altLang="ko-KR" dirty="0"/>
+              <a:t>B</a:t>
+            </a:r>
+            <a:r>
+              <a:rPr lang="ko-KR" altLang="en-US" dirty="0" smtClean="0"/>
+              <a:t>팀의 원정</a:t>
+            </a:r>
+            <a:r>
+              <a:rPr lang="ko-KR" altLang="en-US" dirty="0" smtClean="0"/>
+              <a:t> 경기 전적 표</a:t>
+            </a:r>
+            <a:endParaRPr lang="ko-KR" altLang="en-US" dirty="0"/>
+          </a:p>
+        </p:txBody>
+      </p:sp>
+      <p:sp>
+        <p:nvSpPr>
+          <p:cNvPr id="17" name="직사각형 16"/>
+          <p:cNvSpPr/>
+          <p:nvPr/>
+        </p:nvSpPr>
+        <p:spPr>
+          <a:xfrm>
+            <a:off x="0" y="8703425"/>
+            <a:ext cx="12192000" cy="1935546"/>
+          </a:xfrm>
+          <a:prstGeom prst="rect">
+            <a:avLst/>
+          </a:prstGeom>
+          <a:solidFill>
+            <a:schemeClr val="bg1"/>
+          </a:solidFill>
+          <a:ln>
+            <a:solidFill>
+              <a:schemeClr val="tx1"/>
+            </a:solidFill>
+          </a:ln>
+        </p:spPr>
+        <p:style>
+          <a:lnRef idx="2">
+            <a:schemeClr val="accent1">
+              <a:shade val="50000"/>
+            </a:schemeClr>
+          </a:lnRef>
+          <a:fillRef idx="1">
+            <a:schemeClr val="accent1"/>
+          </a:fillRef>
+          <a:effectRef idx="0">
+            <a:schemeClr val="accent1"/>
+          </a:effectRef>
+          <a:fontRef idx="minor">
+            <a:schemeClr val="lt1"/>
+          </a:fontRef>
+        </p:style>
+        <p:txBody>
+          <a:bodyPr rtlCol="0" anchor="ctr"/>
+          <a:lstStyle/>
+          <a:p>
+            <a:pPr algn="ctr"/>
+            <a:endParaRPr lang="ko-KR" altLang="en-US"/>
+          </a:p>
+        </p:txBody>
+      </p:sp>
+      <p:sp>
+        <p:nvSpPr>
+          <p:cNvPr id="19" name="직사각형 18"/>
+          <p:cNvSpPr/>
+          <p:nvPr/>
+        </p:nvSpPr>
+        <p:spPr>
+          <a:xfrm>
+            <a:off x="3159037" y="8890402"/>
+            <a:ext cx="2745889" cy="1537855"/>
+          </a:xfrm>
+          <a:prstGeom prst="rect">
+            <a:avLst/>
+          </a:prstGeom>
+        </p:spPr>
+        <p:style>
+          <a:lnRef idx="2">
+            <a:schemeClr val="accent1">
+              <a:shade val="50000"/>
+            </a:schemeClr>
+          </a:lnRef>
+          <a:fillRef idx="1">
+            <a:schemeClr val="accent1"/>
+          </a:fillRef>
+          <a:effectRef idx="0">
+            <a:schemeClr val="accent1"/>
+          </a:effectRef>
+          <a:fontRef idx="minor">
+            <a:schemeClr val="lt1"/>
+          </a:fontRef>
+        </p:style>
+        <p:txBody>
+          <a:bodyPr rtlCol="0" anchor="ctr"/>
+          <a:lstStyle/>
+          <a:p>
+            <a:pPr algn="ctr"/>
+            <a:r>
+              <a:rPr lang="en-US" altLang="ko-KR" dirty="0" smtClean="0"/>
+              <a:t>A</a:t>
+            </a:r>
+            <a:r>
+              <a:rPr lang="ko-KR" altLang="en-US" dirty="0" smtClean="0"/>
+              <a:t>팀과 </a:t>
+            </a:r>
+            <a:r>
+              <a:rPr lang="en-US" altLang="ko-KR" dirty="0" smtClean="0"/>
+              <a:t>B</a:t>
+            </a:r>
+            <a:r>
+              <a:rPr lang="ko-KR" altLang="en-US" dirty="0" smtClean="0"/>
+              <a:t>팀의 상대</a:t>
+            </a:r>
+            <a:r>
+              <a:rPr lang="en-US" altLang="ko-KR" dirty="0" smtClean="0"/>
+              <a:t> </a:t>
+            </a:r>
+            <a:r>
+              <a:rPr lang="ko-KR" altLang="en-US" dirty="0" smtClean="0"/>
+              <a:t>전적</a:t>
+            </a:r>
+            <a:r>
+              <a:rPr lang="en-US" altLang="ko-KR" dirty="0" smtClean="0"/>
+              <a:t>(</a:t>
+            </a:r>
+            <a:r>
+              <a:rPr lang="ko-KR" altLang="en-US" dirty="0" smtClean="0"/>
+              <a:t>표</a:t>
+            </a:r>
+            <a:r>
+              <a:rPr lang="en-US" altLang="ko-KR" dirty="0" smtClean="0"/>
+              <a:t>)</a:t>
+            </a:r>
+            <a:endParaRPr lang="ko-KR" altLang="en-US" dirty="0"/>
+          </a:p>
+        </p:txBody>
+      </p:sp>
+      <p:sp>
+        <p:nvSpPr>
+          <p:cNvPr id="22" name="직사각형 21"/>
+          <p:cNvSpPr/>
+          <p:nvPr/>
+        </p:nvSpPr>
+        <p:spPr>
+          <a:xfrm>
+            <a:off x="147295" y="8890403"/>
+            <a:ext cx="2745889" cy="1537855"/>
+          </a:xfrm>
+          <a:prstGeom prst="rect">
+            <a:avLst/>
+          </a:prstGeom>
+        </p:spPr>
+        <p:style>
+          <a:lnRef idx="2">
+            <a:schemeClr val="accent1">
+              <a:shade val="50000"/>
+            </a:schemeClr>
+          </a:lnRef>
+          <a:fillRef idx="1">
+            <a:schemeClr val="accent1"/>
+          </a:fillRef>
+          <a:effectRef idx="0">
+            <a:schemeClr val="accent1"/>
+          </a:effectRef>
+          <a:fontRef idx="minor">
+            <a:schemeClr val="lt1"/>
+          </a:fontRef>
+        </p:style>
+        <p:txBody>
+          <a:bodyPr rtlCol="0" anchor="ctr"/>
+          <a:lstStyle/>
+          <a:p>
+            <a:pPr algn="ctr"/>
+            <a:r>
+              <a:rPr lang="en-US" altLang="ko-KR" dirty="0" smtClean="0"/>
+              <a:t>A</a:t>
+            </a:r>
+            <a:r>
+              <a:rPr lang="ko-KR" altLang="en-US" dirty="0" smtClean="0"/>
+              <a:t>팀과 </a:t>
+            </a:r>
+            <a:r>
+              <a:rPr lang="en-US" altLang="ko-KR" dirty="0" smtClean="0"/>
+              <a:t>B</a:t>
+            </a:r>
+            <a:r>
+              <a:rPr lang="ko-KR" altLang="en-US" dirty="0" smtClean="0"/>
+              <a:t>팀의 시간 당</a:t>
+            </a:r>
+            <a:endParaRPr lang="en-US" altLang="ko-KR" dirty="0" smtClean="0"/>
+          </a:p>
+          <a:p>
+            <a:pPr algn="ctr"/>
+            <a:r>
+              <a:rPr lang="ko-KR" altLang="en-US" dirty="0" smtClean="0"/>
+              <a:t>골 횟수 꺾은선 그래프</a:t>
+            </a:r>
+            <a:endParaRPr lang="ko-KR" altLang="en-US" dirty="0"/>
+          </a:p>
+        </p:txBody>
+      </p:sp>
+      <p:sp>
+        <p:nvSpPr>
+          <p:cNvPr id="23" name="직사각형 22"/>
+          <p:cNvSpPr/>
+          <p:nvPr/>
+        </p:nvSpPr>
+        <p:spPr>
+          <a:xfrm>
+            <a:off x="6355226" y="8886049"/>
+            <a:ext cx="2745889" cy="1484225"/>
+          </a:xfrm>
+          <a:prstGeom prst="rect">
+            <a:avLst/>
+          </a:prstGeom>
+        </p:spPr>
+        <p:style>
+          <a:lnRef idx="2">
+            <a:schemeClr val="accent1">
+              <a:shade val="50000"/>
+            </a:schemeClr>
+          </a:lnRef>
+          <a:fillRef idx="1">
+            <a:schemeClr val="accent1"/>
+          </a:fillRef>
+          <a:effectRef idx="0">
+            <a:schemeClr val="accent1"/>
+          </a:effectRef>
+          <a:fontRef idx="minor">
+            <a:schemeClr val="lt1"/>
+          </a:fontRef>
+        </p:style>
+        <p:txBody>
+          <a:bodyPr rtlCol="0" anchor="ctr"/>
+          <a:lstStyle/>
+          <a:p>
+            <a:pPr algn="ctr"/>
+            <a:r>
+              <a:rPr lang="en-US" altLang="ko-KR" dirty="0" smtClean="0"/>
+              <a:t>21-22</a:t>
+            </a:r>
+            <a:r>
+              <a:rPr lang="ko-KR" altLang="en-US" dirty="0" smtClean="0"/>
+              <a:t>시즌 </a:t>
+            </a:r>
+            <a:r>
+              <a:rPr lang="en-US" altLang="ko-KR" dirty="0" smtClean="0"/>
+              <a:t>A</a:t>
+            </a:r>
+            <a:r>
+              <a:rPr lang="ko-KR" altLang="en-US" dirty="0" smtClean="0"/>
+              <a:t>팀과 </a:t>
+            </a:r>
+            <a:r>
+              <a:rPr lang="en-US" altLang="ko-KR" dirty="0" smtClean="0"/>
+              <a:t>B</a:t>
+            </a:r>
+            <a:r>
+              <a:rPr lang="ko-KR" altLang="en-US" dirty="0" smtClean="0"/>
+              <a:t>팀의 승리 횟수 막대그래프</a:t>
+            </a:r>
+            <a:endParaRPr lang="ko-KR" altLang="en-US" dirty="0"/>
+          </a:p>
+        </p:txBody>
+      </p:sp>
+      <p:sp>
+        <p:nvSpPr>
+          <p:cNvPr id="31" name="직사각형 30"/>
+          <p:cNvSpPr/>
+          <p:nvPr/>
+        </p:nvSpPr>
+        <p:spPr>
+          <a:xfrm>
+            <a:off x="9465374" y="8923080"/>
+            <a:ext cx="2431407" cy="676285"/>
+          </a:xfrm>
+          <a:prstGeom prst="rect">
+            <a:avLst/>
+          </a:prstGeom>
+        </p:spPr>
+        <p:style>
+          <a:lnRef idx="2">
+            <a:schemeClr val="accent1">
+              <a:shade val="50000"/>
+            </a:schemeClr>
+          </a:lnRef>
+          <a:fillRef idx="1">
+            <a:schemeClr val="accent1"/>
+          </a:fillRef>
+          <a:effectRef idx="0">
+            <a:schemeClr val="accent1"/>
+          </a:effectRef>
+          <a:fontRef idx="minor">
+            <a:schemeClr val="lt1"/>
+          </a:fontRef>
+        </p:style>
+        <p:txBody>
+          <a:bodyPr rtlCol="0" anchor="ctr"/>
+          <a:lstStyle/>
+          <a:p>
+            <a:pPr algn="ctr"/>
+            <a:r>
+              <a:rPr lang="en-US" altLang="ko-KR" dirty="0" smtClean="0"/>
+              <a:t>A</a:t>
+            </a:r>
+            <a:r>
+              <a:rPr lang="ko-KR" altLang="en-US" dirty="0" smtClean="0"/>
+              <a:t>팀의 점유율 평균</a:t>
+            </a:r>
+            <a:endParaRPr lang="ko-KR" altLang="en-US" dirty="0"/>
+          </a:p>
+        </p:txBody>
+      </p:sp>
+      <p:sp>
+        <p:nvSpPr>
+          <p:cNvPr id="48" name="직사각형 47"/>
+          <p:cNvSpPr/>
+          <p:nvPr/>
+        </p:nvSpPr>
+        <p:spPr>
+          <a:xfrm>
+            <a:off x="9465374" y="9725560"/>
+            <a:ext cx="2431407" cy="699761"/>
+          </a:xfrm>
+          <a:prstGeom prst="rect">
+            <a:avLst/>
+          </a:prstGeom>
+        </p:spPr>
+        <p:style>
+          <a:lnRef idx="2">
+            <a:schemeClr val="accent1">
+              <a:shade val="50000"/>
+            </a:schemeClr>
+          </a:lnRef>
+          <a:fillRef idx="1">
+            <a:schemeClr val="accent1"/>
+          </a:fillRef>
+          <a:effectRef idx="0">
+            <a:schemeClr val="accent1"/>
+          </a:effectRef>
+          <a:fontRef idx="minor">
+            <a:schemeClr val="lt1"/>
+          </a:fontRef>
+        </p:style>
+        <p:txBody>
+          <a:bodyPr rtlCol="0" anchor="ctr"/>
+          <a:lstStyle/>
+          <a:p>
+            <a:pPr algn="ctr"/>
+            <a:r>
+              <a:rPr lang="en-US" altLang="ko-KR" dirty="0" smtClean="0"/>
+              <a:t>B</a:t>
+            </a:r>
+            <a:r>
+              <a:rPr lang="ko-KR" altLang="en-US" dirty="0" smtClean="0"/>
+              <a:t>팀의 점유율 평균</a:t>
+            </a:r>
+            <a:endParaRPr lang="ko-KR" altLang="en-US" dirty="0"/>
+          </a:p>
+        </p:txBody>
+      </p:sp>
+      <p:sp>
+        <p:nvSpPr>
+          <p:cNvPr id="36" name="모서리가 둥근 직사각형 35"/>
+          <p:cNvSpPr/>
+          <p:nvPr/>
+        </p:nvSpPr>
+        <p:spPr>
+          <a:xfrm>
+            <a:off x="10371497" y="341753"/>
+            <a:ext cx="1638295" cy="371967"/>
+          </a:xfrm>
+          <a:prstGeom prst="roundRect">
+            <a:avLst/>
+          </a:prstGeom>
+        </p:spPr>
+        <p:style>
+          <a:lnRef idx="2">
+            <a:schemeClr val="accent1">
+              <a:shade val="50000"/>
+            </a:schemeClr>
+          </a:lnRef>
+          <a:fillRef idx="1">
+            <a:schemeClr val="accent1"/>
+          </a:fillRef>
+          <a:effectRef idx="0">
+            <a:schemeClr val="accent1"/>
+          </a:effectRef>
+          <a:fontRef idx="minor">
+            <a:schemeClr val="lt1"/>
+          </a:fontRef>
+        </p:style>
+        <p:txBody>
+          <a:bodyPr rtlCol="0" anchor="ctr"/>
+          <a:lstStyle/>
+          <a:p>
+            <a:pPr algn="ctr"/>
+            <a:r>
+              <a:rPr lang="ko-KR" altLang="en-US" dirty="0" smtClean="0"/>
+              <a:t>적용하기</a:t>
+            </a:r>
+            <a:endParaRPr lang="ko-KR" altLang="en-US" dirty="0"/>
+          </a:p>
+        </p:txBody>
+      </p:sp>
+      <p:sp>
+        <p:nvSpPr>
+          <p:cNvPr id="49" name="모서리가 둥근 직사각형 48"/>
+          <p:cNvSpPr/>
+          <p:nvPr/>
+        </p:nvSpPr>
+        <p:spPr>
+          <a:xfrm>
+            <a:off x="152522" y="1216407"/>
+            <a:ext cx="1490368" cy="337544"/>
+          </a:xfrm>
+          <a:prstGeom prst="roundRect">
+            <a:avLst/>
+          </a:prstGeom>
+        </p:spPr>
+        <p:style>
+          <a:lnRef idx="2">
+            <a:schemeClr val="accent1">
+              <a:shade val="50000"/>
+            </a:schemeClr>
+          </a:lnRef>
+          <a:fillRef idx="1">
+            <a:schemeClr val="accent1"/>
+          </a:fillRef>
+          <a:effectRef idx="0">
+            <a:schemeClr val="accent1"/>
+          </a:effectRef>
+          <a:fontRef idx="minor">
+            <a:schemeClr val="lt1"/>
+          </a:fontRef>
+        </p:style>
+        <p:txBody>
+          <a:bodyPr rtlCol="0" anchor="ctr"/>
+          <a:lstStyle/>
+          <a:p>
+            <a:pPr algn="ctr"/>
+            <a:r>
+              <a:rPr lang="ko-KR" altLang="en-US" sz="1200" dirty="0" smtClean="0"/>
+              <a:t>양 팀 전력 분석</a:t>
+            </a:r>
+            <a:endParaRPr lang="ko-KR" altLang="en-US" sz="1200" dirty="0"/>
+          </a:p>
+        </p:txBody>
+      </p:sp>
+      <p:sp>
+        <p:nvSpPr>
+          <p:cNvPr id="50" name="모서리가 둥근 직사각형 49"/>
+          <p:cNvSpPr/>
+          <p:nvPr/>
+        </p:nvSpPr>
+        <p:spPr>
+          <a:xfrm>
+            <a:off x="6331055" y="1211782"/>
+            <a:ext cx="1490368" cy="337544"/>
+          </a:xfrm>
+          <a:prstGeom prst="roundRect">
+            <a:avLst/>
+          </a:prstGeom>
+        </p:spPr>
+        <p:style>
+          <a:lnRef idx="2">
+            <a:schemeClr val="accent1">
+              <a:shade val="50000"/>
+            </a:schemeClr>
+          </a:lnRef>
+          <a:fillRef idx="1">
+            <a:schemeClr val="accent1"/>
+          </a:fillRef>
+          <a:effectRef idx="0">
+            <a:schemeClr val="accent1"/>
+          </a:effectRef>
+          <a:fontRef idx="minor">
+            <a:schemeClr val="lt1"/>
+          </a:fontRef>
+        </p:style>
+        <p:txBody>
+          <a:bodyPr rtlCol="0" anchor="ctr"/>
+          <a:lstStyle/>
+          <a:p>
+            <a:pPr algn="ctr"/>
+            <a:r>
+              <a:rPr lang="ko-KR" altLang="en-US" sz="1200" dirty="0" smtClean="0"/>
+              <a:t>양 팀 전력 분석</a:t>
+            </a:r>
+            <a:endParaRPr lang="ko-KR" altLang="en-US" sz="1200" dirty="0"/>
           </a:p>
         </p:txBody>
       </p:sp>
@@ -5268,6 +6000,13 @@
   <p:clrMapOvr>
     <a:masterClrMapping/>
   </p:clrMapOvr>
+  <p:timing>
+    <p:tnLst>
+      <p:par>
+        <p:cTn id="1" dur="indefinite" restart="never" nodeType="tmRoot"/>
+      </p:par>
+    </p:tnLst>
+  </p:timing>
 </p:sld>
 </file>
 

--- a/design.pptx
+++ b/design.pptx
@@ -244,7 +244,7 @@
           <a:p>
             <a:fld id="{EDB13A16-E8B7-49B3-BFC3-A609BD0FC85B}" type="datetimeFigureOut">
               <a:rPr lang="ko-KR" altLang="en-US" smtClean="0"/>
-              <a:t>2023-07-09 Sunday</a:t>
+              <a:t>2023-07-15 Saturday</a:t>
             </a:fld>
             <a:endParaRPr lang="ko-KR" altLang="en-US"/>
           </a:p>
@@ -414,7 +414,7 @@
           <a:p>
             <a:fld id="{EDB13A16-E8B7-49B3-BFC3-A609BD0FC85B}" type="datetimeFigureOut">
               <a:rPr lang="ko-KR" altLang="en-US" smtClean="0"/>
-              <a:t>2023-07-09 Sunday</a:t>
+              <a:t>2023-07-15 Saturday</a:t>
             </a:fld>
             <a:endParaRPr lang="ko-KR" altLang="en-US"/>
           </a:p>
@@ -594,7 +594,7 @@
           <a:p>
             <a:fld id="{EDB13A16-E8B7-49B3-BFC3-A609BD0FC85B}" type="datetimeFigureOut">
               <a:rPr lang="ko-KR" altLang="en-US" smtClean="0"/>
-              <a:t>2023-07-09 Sunday</a:t>
+              <a:t>2023-07-15 Saturday</a:t>
             </a:fld>
             <a:endParaRPr lang="ko-KR" altLang="en-US"/>
           </a:p>
@@ -764,7 +764,7 @@
           <a:p>
             <a:fld id="{EDB13A16-E8B7-49B3-BFC3-A609BD0FC85B}" type="datetimeFigureOut">
               <a:rPr lang="ko-KR" altLang="en-US" smtClean="0"/>
-              <a:t>2023-07-09 Sunday</a:t>
+              <a:t>2023-07-15 Saturday</a:t>
             </a:fld>
             <a:endParaRPr lang="ko-KR" altLang="en-US"/>
           </a:p>
@@ -1010,7 +1010,7 @@
           <a:p>
             <a:fld id="{EDB13A16-E8B7-49B3-BFC3-A609BD0FC85B}" type="datetimeFigureOut">
               <a:rPr lang="ko-KR" altLang="en-US" smtClean="0"/>
-              <a:t>2023-07-09 Sunday</a:t>
+              <a:t>2023-07-15 Saturday</a:t>
             </a:fld>
             <a:endParaRPr lang="ko-KR" altLang="en-US"/>
           </a:p>
@@ -1242,7 +1242,7 @@
           <a:p>
             <a:fld id="{EDB13A16-E8B7-49B3-BFC3-A609BD0FC85B}" type="datetimeFigureOut">
               <a:rPr lang="ko-KR" altLang="en-US" smtClean="0"/>
-              <a:t>2023-07-09 Sunday</a:t>
+              <a:t>2023-07-15 Saturday</a:t>
             </a:fld>
             <a:endParaRPr lang="ko-KR" altLang="en-US"/>
           </a:p>
@@ -1609,7 +1609,7 @@
           <a:p>
             <a:fld id="{EDB13A16-E8B7-49B3-BFC3-A609BD0FC85B}" type="datetimeFigureOut">
               <a:rPr lang="ko-KR" altLang="en-US" smtClean="0"/>
-              <a:t>2023-07-09 Sunday</a:t>
+              <a:t>2023-07-15 Saturday</a:t>
             </a:fld>
             <a:endParaRPr lang="ko-KR" altLang="en-US"/>
           </a:p>
@@ -1727,7 +1727,7 @@
           <a:p>
             <a:fld id="{EDB13A16-E8B7-49B3-BFC3-A609BD0FC85B}" type="datetimeFigureOut">
               <a:rPr lang="ko-KR" altLang="en-US" smtClean="0"/>
-              <a:t>2023-07-09 Sunday</a:t>
+              <a:t>2023-07-15 Saturday</a:t>
             </a:fld>
             <a:endParaRPr lang="ko-KR" altLang="en-US"/>
           </a:p>
@@ -1822,7 +1822,7 @@
           <a:p>
             <a:fld id="{EDB13A16-E8B7-49B3-BFC3-A609BD0FC85B}" type="datetimeFigureOut">
               <a:rPr lang="ko-KR" altLang="en-US" smtClean="0"/>
-              <a:t>2023-07-09 Sunday</a:t>
+              <a:t>2023-07-15 Saturday</a:t>
             </a:fld>
             <a:endParaRPr lang="ko-KR" altLang="en-US"/>
           </a:p>
@@ -2099,7 +2099,7 @@
           <a:p>
             <a:fld id="{EDB13A16-E8B7-49B3-BFC3-A609BD0FC85B}" type="datetimeFigureOut">
               <a:rPr lang="ko-KR" altLang="en-US" smtClean="0"/>
-              <a:t>2023-07-09 Sunday</a:t>
+              <a:t>2023-07-15 Saturday</a:t>
             </a:fld>
             <a:endParaRPr lang="ko-KR" altLang="en-US"/>
           </a:p>
@@ -2352,7 +2352,7 @@
           <a:p>
             <a:fld id="{EDB13A16-E8B7-49B3-BFC3-A609BD0FC85B}" type="datetimeFigureOut">
               <a:rPr lang="ko-KR" altLang="en-US" smtClean="0"/>
-              <a:t>2023-07-09 Sunday</a:t>
+              <a:t>2023-07-15 Saturday</a:t>
             </a:fld>
             <a:endParaRPr lang="ko-KR" altLang="en-US"/>
           </a:p>
@@ -2565,7 +2565,7 @@
           <a:p>
             <a:fld id="{EDB13A16-E8B7-49B3-BFC3-A609BD0FC85B}" type="datetimeFigureOut">
               <a:rPr lang="ko-KR" altLang="en-US" smtClean="0"/>
-              <a:t>2023-07-09 Sunday</a:t>
+              <a:t>2023-07-15 Saturday</a:t>
             </a:fld>
             <a:endParaRPr lang="ko-KR" altLang="en-US"/>
           </a:p>
@@ -4171,8 +4171,9 @@
             <a:pPr algn="ctr"/>
             <a:r>
               <a:rPr lang="en-US" altLang="ko-KR" dirty="0" smtClean="0"/>
-              <a:t>H</a:t>
-            </a:r>
+              <a:t>A</a:t>
+            </a:r>
+            <a:endParaRPr lang="en-US" altLang="ko-KR" dirty="0" smtClean="0"/>
           </a:p>
           <a:p>
             <a:pPr algn="ctr"/>
@@ -4230,7 +4231,7 @@
             <a:pPr algn="ctr"/>
             <a:r>
               <a:rPr lang="en-US" altLang="ko-KR" dirty="0" smtClean="0"/>
-              <a:t>A</a:t>
+              <a:t>B</a:t>
             </a:r>
           </a:p>
           <a:p>
@@ -4301,15 +4302,7 @@
                   <a:schemeClr val="tx1"/>
                 </a:solidFill>
               </a:rPr>
-              <a:t>52</a:t>
-            </a:r>
-            <a:r>
-              <a:rPr lang="en-US" altLang="ko-KR" sz="4400" dirty="0" smtClean="0">
-                <a:solidFill>
-                  <a:schemeClr val="tx1"/>
-                </a:solidFill>
-              </a:rPr>
-              <a:t>%</a:t>
+              <a:t>52%</a:t>
             </a:r>
             <a:endParaRPr lang="en-US" altLang="ko-KR" sz="800" dirty="0" smtClean="0">
               <a:solidFill>
@@ -4401,15 +4394,7 @@
                   <a:schemeClr val="tx1"/>
                 </a:solidFill>
               </a:rPr>
-              <a:t>48</a:t>
-            </a:r>
-            <a:r>
-              <a:rPr lang="en-US" altLang="ko-KR" sz="4400" dirty="0" smtClean="0">
-                <a:solidFill>
-                  <a:schemeClr val="tx1"/>
-                </a:solidFill>
-              </a:rPr>
-              <a:t>%</a:t>
+              <a:t>48%</a:t>
             </a:r>
           </a:p>
           <a:p>
@@ -4536,11 +4521,7 @@
             </a:r>
             <a:r>
               <a:rPr lang="ko-KR" altLang="en-US" dirty="0" smtClean="0"/>
-              <a:t>팀 이</a:t>
-            </a:r>
-            <a:r>
-              <a:rPr lang="ko-KR" altLang="en-US" dirty="0" smtClean="0"/>
-              <a:t>름</a:t>
+              <a:t>팀 이름</a:t>
             </a:r>
             <a:endParaRPr lang="ko-KR" altLang="en-US" dirty="0"/>
           </a:p>
@@ -4828,15 +4809,7 @@
             </a:r>
             <a:r>
               <a:rPr lang="ko-KR" altLang="en-US" dirty="0" smtClean="0"/>
-              <a:t>팀의 </a:t>
-            </a:r>
-            <a:r>
-              <a:rPr lang="ko-KR" altLang="en-US" dirty="0" smtClean="0"/>
-              <a:t>실점 </a:t>
-            </a:r>
-            <a:r>
-              <a:rPr lang="ko-KR" altLang="en-US" dirty="0" smtClean="0"/>
-              <a:t>분석 꺾은선 그래프</a:t>
+              <a:t>팀의 실점 분석 꺾은선 그래프</a:t>
             </a:r>
             <a:endParaRPr lang="ko-KR" altLang="en-US" dirty="0"/>
           </a:p>
@@ -5344,7 +5317,11 @@
             </a:r>
             <a:r>
               <a:rPr lang="ko-KR" altLang="en-US" dirty="0" smtClean="0"/>
-              <a:t>경기 전적 표</a:t>
+              <a:t>경기 </a:t>
+            </a:r>
+            <a:r>
+              <a:rPr lang="ko-KR" altLang="en-US" dirty="0" smtClean="0"/>
+              <a:t>전적 표</a:t>
             </a:r>
             <a:endParaRPr lang="ko-KR" altLang="en-US" dirty="0"/>
           </a:p>
@@ -5392,7 +5369,11 @@
             </a:r>
             <a:r>
               <a:rPr lang="ko-KR" altLang="en-US" dirty="0" smtClean="0"/>
-              <a:t>팀의 최근 </a:t>
+              <a:t>팀의 </a:t>
+            </a:r>
+            <a:r>
+              <a:rPr lang="ko-KR" altLang="en-US" dirty="0" smtClean="0"/>
+              <a:t>최근 </a:t>
             </a:r>
             <a:r>
               <a:rPr lang="en-US" altLang="ko-KR" dirty="0" smtClean="0"/>
@@ -5400,7 +5381,11 @@
             </a:r>
             <a:r>
               <a:rPr lang="ko-KR" altLang="en-US" dirty="0" smtClean="0"/>
-              <a:t>경기 전적 표</a:t>
+              <a:t>경기 </a:t>
+            </a:r>
+            <a:r>
+              <a:rPr lang="ko-KR" altLang="en-US" dirty="0" smtClean="0"/>
+              <a:t>전적 표</a:t>
             </a:r>
             <a:endParaRPr lang="ko-KR" altLang="en-US" dirty="0"/>
           </a:p>
@@ -5448,11 +5433,7 @@
             </a:r>
             <a:r>
               <a:rPr lang="ko-KR" altLang="en-US" dirty="0" smtClean="0"/>
-              <a:t>팀의 </a:t>
-            </a:r>
-            <a:r>
-              <a:rPr lang="ko-KR" altLang="en-US" dirty="0" smtClean="0"/>
-              <a:t>홈 경기 전적 표</a:t>
+              <a:t>팀의 홈 경기 전적 표</a:t>
             </a:r>
             <a:endParaRPr lang="ko-KR" altLang="en-US" dirty="0"/>
           </a:p>
@@ -5500,11 +5481,7 @@
             </a:r>
             <a:r>
               <a:rPr lang="ko-KR" altLang="en-US" dirty="0" smtClean="0"/>
-              <a:t>팀의 원정</a:t>
-            </a:r>
-            <a:r>
-              <a:rPr lang="ko-KR" altLang="en-US" dirty="0" smtClean="0"/>
-              <a:t> 경기 전적 표</a:t>
+              <a:t>팀의 원정 경기 전적 표</a:t>
             </a:r>
             <a:endParaRPr lang="ko-KR" altLang="en-US" dirty="0"/>
           </a:p>

--- a/design.pptx
+++ b/design.pptx
@@ -244,7 +244,7 @@
           <a:p>
             <a:fld id="{EDB13A16-E8B7-49B3-BFC3-A609BD0FC85B}" type="datetimeFigureOut">
               <a:rPr lang="ko-KR" altLang="en-US" smtClean="0"/>
-              <a:t>2023-07-15 Saturday</a:t>
+              <a:t>2023-07-16 Sunday</a:t>
             </a:fld>
             <a:endParaRPr lang="ko-KR" altLang="en-US"/>
           </a:p>
@@ -414,7 +414,7 @@
           <a:p>
             <a:fld id="{EDB13A16-E8B7-49B3-BFC3-A609BD0FC85B}" type="datetimeFigureOut">
               <a:rPr lang="ko-KR" altLang="en-US" smtClean="0"/>
-              <a:t>2023-07-15 Saturday</a:t>
+              <a:t>2023-07-16 Sunday</a:t>
             </a:fld>
             <a:endParaRPr lang="ko-KR" altLang="en-US"/>
           </a:p>
@@ -594,7 +594,7 @@
           <a:p>
             <a:fld id="{EDB13A16-E8B7-49B3-BFC3-A609BD0FC85B}" type="datetimeFigureOut">
               <a:rPr lang="ko-KR" altLang="en-US" smtClean="0"/>
-              <a:t>2023-07-15 Saturday</a:t>
+              <a:t>2023-07-16 Sunday</a:t>
             </a:fld>
             <a:endParaRPr lang="ko-KR" altLang="en-US"/>
           </a:p>
@@ -764,7 +764,7 @@
           <a:p>
             <a:fld id="{EDB13A16-E8B7-49B3-BFC3-A609BD0FC85B}" type="datetimeFigureOut">
               <a:rPr lang="ko-KR" altLang="en-US" smtClean="0"/>
-              <a:t>2023-07-15 Saturday</a:t>
+              <a:t>2023-07-16 Sunday</a:t>
             </a:fld>
             <a:endParaRPr lang="ko-KR" altLang="en-US"/>
           </a:p>
@@ -1010,7 +1010,7 @@
           <a:p>
             <a:fld id="{EDB13A16-E8B7-49B3-BFC3-A609BD0FC85B}" type="datetimeFigureOut">
               <a:rPr lang="ko-KR" altLang="en-US" smtClean="0"/>
-              <a:t>2023-07-15 Saturday</a:t>
+              <a:t>2023-07-16 Sunday</a:t>
             </a:fld>
             <a:endParaRPr lang="ko-KR" altLang="en-US"/>
           </a:p>
@@ -1242,7 +1242,7 @@
           <a:p>
             <a:fld id="{EDB13A16-E8B7-49B3-BFC3-A609BD0FC85B}" type="datetimeFigureOut">
               <a:rPr lang="ko-KR" altLang="en-US" smtClean="0"/>
-              <a:t>2023-07-15 Saturday</a:t>
+              <a:t>2023-07-16 Sunday</a:t>
             </a:fld>
             <a:endParaRPr lang="ko-KR" altLang="en-US"/>
           </a:p>
@@ -1609,7 +1609,7 @@
           <a:p>
             <a:fld id="{EDB13A16-E8B7-49B3-BFC3-A609BD0FC85B}" type="datetimeFigureOut">
               <a:rPr lang="ko-KR" altLang="en-US" smtClean="0"/>
-              <a:t>2023-07-15 Saturday</a:t>
+              <a:t>2023-07-16 Sunday</a:t>
             </a:fld>
             <a:endParaRPr lang="ko-KR" altLang="en-US"/>
           </a:p>
@@ -1727,7 +1727,7 @@
           <a:p>
             <a:fld id="{EDB13A16-E8B7-49B3-BFC3-A609BD0FC85B}" type="datetimeFigureOut">
               <a:rPr lang="ko-KR" altLang="en-US" smtClean="0"/>
-              <a:t>2023-07-15 Saturday</a:t>
+              <a:t>2023-07-16 Sunday</a:t>
             </a:fld>
             <a:endParaRPr lang="ko-KR" altLang="en-US"/>
           </a:p>
@@ -1822,7 +1822,7 @@
           <a:p>
             <a:fld id="{EDB13A16-E8B7-49B3-BFC3-A609BD0FC85B}" type="datetimeFigureOut">
               <a:rPr lang="ko-KR" altLang="en-US" smtClean="0"/>
-              <a:t>2023-07-15 Saturday</a:t>
+              <a:t>2023-07-16 Sunday</a:t>
             </a:fld>
             <a:endParaRPr lang="ko-KR" altLang="en-US"/>
           </a:p>
@@ -2099,7 +2099,7 @@
           <a:p>
             <a:fld id="{EDB13A16-E8B7-49B3-BFC3-A609BD0FC85B}" type="datetimeFigureOut">
               <a:rPr lang="ko-KR" altLang="en-US" smtClean="0"/>
-              <a:t>2023-07-15 Saturday</a:t>
+              <a:t>2023-07-16 Sunday</a:t>
             </a:fld>
             <a:endParaRPr lang="ko-KR" altLang="en-US"/>
           </a:p>
@@ -2352,7 +2352,7 @@
           <a:p>
             <a:fld id="{EDB13A16-E8B7-49B3-BFC3-A609BD0FC85B}" type="datetimeFigureOut">
               <a:rPr lang="ko-KR" altLang="en-US" smtClean="0"/>
-              <a:t>2023-07-15 Saturday</a:t>
+              <a:t>2023-07-16 Sunday</a:t>
             </a:fld>
             <a:endParaRPr lang="ko-KR" altLang="en-US"/>
           </a:p>
@@ -2565,7 +2565,7 @@
           <a:p>
             <a:fld id="{EDB13A16-E8B7-49B3-BFC3-A609BD0FC85B}" type="datetimeFigureOut">
               <a:rPr lang="ko-KR" altLang="en-US" smtClean="0"/>
-              <a:t>2023-07-15 Saturday</a:t>
+              <a:t>2023-07-16 Sunday</a:t>
             </a:fld>
             <a:endParaRPr lang="ko-KR" altLang="en-US"/>
           </a:p>
@@ -4173,7 +4173,6 @@
               <a:rPr lang="en-US" altLang="ko-KR" dirty="0" smtClean="0"/>
               <a:t>A</a:t>
             </a:r>
-            <a:endParaRPr lang="en-US" altLang="ko-KR" dirty="0" smtClean="0"/>
           </a:p>
           <a:p>
             <a:pPr algn="ctr"/>
@@ -5317,11 +5316,7 @@
             </a:r>
             <a:r>
               <a:rPr lang="ko-KR" altLang="en-US" dirty="0" smtClean="0"/>
-              <a:t>경기 </a:t>
-            </a:r>
-            <a:r>
-              <a:rPr lang="ko-KR" altLang="en-US" dirty="0" smtClean="0"/>
-              <a:t>전적 표</a:t>
+              <a:t>경기 전적 표</a:t>
             </a:r>
             <a:endParaRPr lang="ko-KR" altLang="en-US" dirty="0"/>
           </a:p>
@@ -5369,11 +5364,7 @@
             </a:r>
             <a:r>
               <a:rPr lang="ko-KR" altLang="en-US" dirty="0" smtClean="0"/>
-              <a:t>팀의 </a:t>
-            </a:r>
-            <a:r>
-              <a:rPr lang="ko-KR" altLang="en-US" dirty="0" smtClean="0"/>
-              <a:t>최근 </a:t>
+              <a:t>팀의 최근 </a:t>
             </a:r>
             <a:r>
               <a:rPr lang="en-US" altLang="ko-KR" dirty="0" smtClean="0"/>
@@ -5381,11 +5372,7 @@
             </a:r>
             <a:r>
               <a:rPr lang="ko-KR" altLang="en-US" dirty="0" smtClean="0"/>
-              <a:t>경기 </a:t>
-            </a:r>
-            <a:r>
-              <a:rPr lang="ko-KR" altLang="en-US" dirty="0" smtClean="0"/>
-              <a:t>전적 표</a:t>
+              <a:t>경기 전적 표</a:t>
             </a:r>
             <a:endParaRPr lang="ko-KR" altLang="en-US" dirty="0"/>
           </a:p>

--- a/design.pptx
+++ b/design.pptx
@@ -244,7 +244,7 @@
           <a:p>
             <a:fld id="{EDB13A16-E8B7-49B3-BFC3-A609BD0FC85B}" type="datetimeFigureOut">
               <a:rPr lang="ko-KR" altLang="en-US" smtClean="0"/>
-              <a:t>2023-07-16 Sunday</a:t>
+              <a:t>2023-07-22 Saturday</a:t>
             </a:fld>
             <a:endParaRPr lang="ko-KR" altLang="en-US"/>
           </a:p>
@@ -414,7 +414,7 @@
           <a:p>
             <a:fld id="{EDB13A16-E8B7-49B3-BFC3-A609BD0FC85B}" type="datetimeFigureOut">
               <a:rPr lang="ko-KR" altLang="en-US" smtClean="0"/>
-              <a:t>2023-07-16 Sunday</a:t>
+              <a:t>2023-07-22 Saturday</a:t>
             </a:fld>
             <a:endParaRPr lang="ko-KR" altLang="en-US"/>
           </a:p>
@@ -594,7 +594,7 @@
           <a:p>
             <a:fld id="{EDB13A16-E8B7-49B3-BFC3-A609BD0FC85B}" type="datetimeFigureOut">
               <a:rPr lang="ko-KR" altLang="en-US" smtClean="0"/>
-              <a:t>2023-07-16 Sunday</a:t>
+              <a:t>2023-07-22 Saturday</a:t>
             </a:fld>
             <a:endParaRPr lang="ko-KR" altLang="en-US"/>
           </a:p>
@@ -764,7 +764,7 @@
           <a:p>
             <a:fld id="{EDB13A16-E8B7-49B3-BFC3-A609BD0FC85B}" type="datetimeFigureOut">
               <a:rPr lang="ko-KR" altLang="en-US" smtClean="0"/>
-              <a:t>2023-07-16 Sunday</a:t>
+              <a:t>2023-07-22 Saturday</a:t>
             </a:fld>
             <a:endParaRPr lang="ko-KR" altLang="en-US"/>
           </a:p>
@@ -1010,7 +1010,7 @@
           <a:p>
             <a:fld id="{EDB13A16-E8B7-49B3-BFC3-A609BD0FC85B}" type="datetimeFigureOut">
               <a:rPr lang="ko-KR" altLang="en-US" smtClean="0"/>
-              <a:t>2023-07-16 Sunday</a:t>
+              <a:t>2023-07-22 Saturday</a:t>
             </a:fld>
             <a:endParaRPr lang="ko-KR" altLang="en-US"/>
           </a:p>
@@ -1242,7 +1242,7 @@
           <a:p>
             <a:fld id="{EDB13A16-E8B7-49B3-BFC3-A609BD0FC85B}" type="datetimeFigureOut">
               <a:rPr lang="ko-KR" altLang="en-US" smtClean="0"/>
-              <a:t>2023-07-16 Sunday</a:t>
+              <a:t>2023-07-22 Saturday</a:t>
             </a:fld>
             <a:endParaRPr lang="ko-KR" altLang="en-US"/>
           </a:p>
@@ -1609,7 +1609,7 @@
           <a:p>
             <a:fld id="{EDB13A16-E8B7-49B3-BFC3-A609BD0FC85B}" type="datetimeFigureOut">
               <a:rPr lang="ko-KR" altLang="en-US" smtClean="0"/>
-              <a:t>2023-07-16 Sunday</a:t>
+              <a:t>2023-07-22 Saturday</a:t>
             </a:fld>
             <a:endParaRPr lang="ko-KR" altLang="en-US"/>
           </a:p>
@@ -1727,7 +1727,7 @@
           <a:p>
             <a:fld id="{EDB13A16-E8B7-49B3-BFC3-A609BD0FC85B}" type="datetimeFigureOut">
               <a:rPr lang="ko-KR" altLang="en-US" smtClean="0"/>
-              <a:t>2023-07-16 Sunday</a:t>
+              <a:t>2023-07-22 Saturday</a:t>
             </a:fld>
             <a:endParaRPr lang="ko-KR" altLang="en-US"/>
           </a:p>
@@ -1822,7 +1822,7 @@
           <a:p>
             <a:fld id="{EDB13A16-E8B7-49B3-BFC3-A609BD0FC85B}" type="datetimeFigureOut">
               <a:rPr lang="ko-KR" altLang="en-US" smtClean="0"/>
-              <a:t>2023-07-16 Sunday</a:t>
+              <a:t>2023-07-22 Saturday</a:t>
             </a:fld>
             <a:endParaRPr lang="ko-KR" altLang="en-US"/>
           </a:p>
@@ -2099,7 +2099,7 @@
           <a:p>
             <a:fld id="{EDB13A16-E8B7-49B3-BFC3-A609BD0FC85B}" type="datetimeFigureOut">
               <a:rPr lang="ko-KR" altLang="en-US" smtClean="0"/>
-              <a:t>2023-07-16 Sunday</a:t>
+              <a:t>2023-07-22 Saturday</a:t>
             </a:fld>
             <a:endParaRPr lang="ko-KR" altLang="en-US"/>
           </a:p>
@@ -2352,7 +2352,7 @@
           <a:p>
             <a:fld id="{EDB13A16-E8B7-49B3-BFC3-A609BD0FC85B}" type="datetimeFigureOut">
               <a:rPr lang="ko-KR" altLang="en-US" smtClean="0"/>
-              <a:t>2023-07-16 Sunday</a:t>
+              <a:t>2023-07-22 Saturday</a:t>
             </a:fld>
             <a:endParaRPr lang="ko-KR" altLang="en-US"/>
           </a:p>
@@ -2565,7 +2565,7 @@
           <a:p>
             <a:fld id="{EDB13A16-E8B7-49B3-BFC3-A609BD0FC85B}" type="datetimeFigureOut">
               <a:rPr lang="ko-KR" altLang="en-US" smtClean="0"/>
-              <a:t>2023-07-16 Sunday</a:t>
+              <a:t>2023-07-22 Saturday</a:t>
             </a:fld>
             <a:endParaRPr lang="ko-KR" altLang="en-US"/>
           </a:p>
@@ -4816,374 +4816,6 @@
       </p:sp>
       <p:sp>
         <p:nvSpPr>
-          <p:cNvPr id="34" name="타원 33"/>
-          <p:cNvSpPr/>
-          <p:nvPr/>
-        </p:nvSpPr>
-        <p:spPr>
-          <a:xfrm>
-            <a:off x="3336439" y="4675838"/>
-            <a:ext cx="1806571" cy="1750362"/>
-          </a:xfrm>
-          <a:prstGeom prst="ellipse">
-            <a:avLst/>
-          </a:prstGeom>
-        </p:spPr>
-        <p:style>
-          <a:lnRef idx="2">
-            <a:schemeClr val="accent1">
-              <a:shade val="50000"/>
-            </a:schemeClr>
-          </a:lnRef>
-          <a:fillRef idx="1">
-            <a:schemeClr val="accent1"/>
-          </a:fillRef>
-          <a:effectRef idx="0">
-            <a:schemeClr val="accent1"/>
-          </a:effectRef>
-          <a:fontRef idx="minor">
-            <a:schemeClr val="lt1"/>
-          </a:fontRef>
-        </p:style>
-        <p:txBody>
-          <a:bodyPr rtlCol="0" anchor="ctr"/>
-          <a:lstStyle/>
-          <a:p>
-            <a:pPr algn="ctr"/>
-            <a:r>
-              <a:rPr lang="en-US" altLang="ko-KR" dirty="0" smtClean="0"/>
-              <a:t>A</a:t>
-            </a:r>
-            <a:r>
-              <a:rPr lang="ko-KR" altLang="en-US" dirty="0" smtClean="0"/>
-              <a:t>팀의 에이스 골 횟수 분석 원 그래프</a:t>
-            </a:r>
-            <a:endParaRPr lang="ko-KR" altLang="en-US" dirty="0"/>
-          </a:p>
-        </p:txBody>
-      </p:sp>
-      <p:sp>
-        <p:nvSpPr>
-          <p:cNvPr id="35" name="타원 34"/>
-          <p:cNvSpPr/>
-          <p:nvPr/>
-        </p:nvSpPr>
-        <p:spPr>
-          <a:xfrm>
-            <a:off x="9308134" y="4742543"/>
-            <a:ext cx="1806571" cy="1750362"/>
-          </a:xfrm>
-          <a:prstGeom prst="ellipse">
-            <a:avLst/>
-          </a:prstGeom>
-        </p:spPr>
-        <p:style>
-          <a:lnRef idx="2">
-            <a:schemeClr val="accent1">
-              <a:shade val="50000"/>
-            </a:schemeClr>
-          </a:lnRef>
-          <a:fillRef idx="1">
-            <a:schemeClr val="accent1"/>
-          </a:fillRef>
-          <a:effectRef idx="0">
-            <a:schemeClr val="accent1"/>
-          </a:effectRef>
-          <a:fontRef idx="minor">
-            <a:schemeClr val="lt1"/>
-          </a:fontRef>
-        </p:style>
-        <p:txBody>
-          <a:bodyPr rtlCol="0" anchor="ctr"/>
-          <a:lstStyle/>
-          <a:p>
-            <a:pPr algn="ctr"/>
-            <a:r>
-              <a:rPr lang="en-US" altLang="ko-KR" dirty="0" smtClean="0"/>
-              <a:t> B</a:t>
-            </a:r>
-            <a:r>
-              <a:rPr lang="ko-KR" altLang="en-US" dirty="0" smtClean="0"/>
-              <a:t>팀의 에이스 골 </a:t>
-            </a:r>
-            <a:r>
-              <a:rPr lang="ko-KR" altLang="en-US" dirty="0"/>
-              <a:t>횟</a:t>
-            </a:r>
-            <a:r>
-              <a:rPr lang="ko-KR" altLang="en-US" dirty="0" smtClean="0"/>
-              <a:t>수 분석 원 그래프</a:t>
-            </a:r>
-            <a:endParaRPr lang="ko-KR" altLang="en-US" dirty="0"/>
-          </a:p>
-        </p:txBody>
-      </p:sp>
-      <p:sp>
-        <p:nvSpPr>
-          <p:cNvPr id="39" name="모서리가 둥근 직사각형 38"/>
-          <p:cNvSpPr/>
-          <p:nvPr/>
-        </p:nvSpPr>
-        <p:spPr>
-          <a:xfrm>
-            <a:off x="5270886" y="5017467"/>
-            <a:ext cx="641100" cy="261257"/>
-          </a:xfrm>
-          <a:prstGeom prst="roundRect">
-            <a:avLst/>
-          </a:prstGeom>
-        </p:spPr>
-        <p:style>
-          <a:lnRef idx="2">
-            <a:schemeClr val="accent1">
-              <a:shade val="50000"/>
-            </a:schemeClr>
-          </a:lnRef>
-          <a:fillRef idx="1">
-            <a:schemeClr val="accent1"/>
-          </a:fillRef>
-          <a:effectRef idx="0">
-            <a:schemeClr val="accent1"/>
-          </a:effectRef>
-          <a:fontRef idx="minor">
-            <a:schemeClr val="lt1"/>
-          </a:fontRef>
-        </p:style>
-        <p:txBody>
-          <a:bodyPr rtlCol="0" anchor="ctr"/>
-          <a:lstStyle/>
-          <a:p>
-            <a:pPr algn="ctr"/>
-            <a:r>
-              <a:rPr lang="en-US" altLang="ko-KR" dirty="0" smtClean="0"/>
-              <a:t>???</a:t>
-            </a:r>
-            <a:endParaRPr lang="ko-KR" altLang="en-US" dirty="0"/>
-          </a:p>
-        </p:txBody>
-      </p:sp>
-      <p:sp>
-        <p:nvSpPr>
-          <p:cNvPr id="40" name="모서리가 둥근 직사각형 39"/>
-          <p:cNvSpPr/>
-          <p:nvPr/>
-        </p:nvSpPr>
-        <p:spPr>
-          <a:xfrm>
-            <a:off x="5263827" y="5406169"/>
-            <a:ext cx="641100" cy="261257"/>
-          </a:xfrm>
-          <a:prstGeom prst="roundRect">
-            <a:avLst/>
-          </a:prstGeom>
-        </p:spPr>
-        <p:style>
-          <a:lnRef idx="2">
-            <a:schemeClr val="accent1">
-              <a:shade val="50000"/>
-            </a:schemeClr>
-          </a:lnRef>
-          <a:fillRef idx="1">
-            <a:schemeClr val="accent1"/>
-          </a:fillRef>
-          <a:effectRef idx="0">
-            <a:schemeClr val="accent1"/>
-          </a:effectRef>
-          <a:fontRef idx="minor">
-            <a:schemeClr val="lt1"/>
-          </a:fontRef>
-        </p:style>
-        <p:txBody>
-          <a:bodyPr rtlCol="0" anchor="ctr"/>
-          <a:lstStyle/>
-          <a:p>
-            <a:pPr algn="ctr"/>
-            <a:r>
-              <a:rPr lang="en-US" altLang="ko-KR" dirty="0" smtClean="0"/>
-              <a:t>???</a:t>
-            </a:r>
-            <a:endParaRPr lang="ko-KR" altLang="en-US" dirty="0"/>
-          </a:p>
-        </p:txBody>
-      </p:sp>
-      <p:sp>
-        <p:nvSpPr>
-          <p:cNvPr id="41" name="모서리가 둥근 직사각형 40"/>
-          <p:cNvSpPr/>
-          <p:nvPr/>
-        </p:nvSpPr>
-        <p:spPr>
-          <a:xfrm>
-            <a:off x="5270886" y="5760281"/>
-            <a:ext cx="641100" cy="283868"/>
-          </a:xfrm>
-          <a:prstGeom prst="roundRect">
-            <a:avLst/>
-          </a:prstGeom>
-        </p:spPr>
-        <p:style>
-          <a:lnRef idx="2">
-            <a:schemeClr val="accent1">
-              <a:shade val="50000"/>
-            </a:schemeClr>
-          </a:lnRef>
-          <a:fillRef idx="1">
-            <a:schemeClr val="accent1"/>
-          </a:fillRef>
-          <a:effectRef idx="0">
-            <a:schemeClr val="accent1"/>
-          </a:effectRef>
-          <a:fontRef idx="minor">
-            <a:schemeClr val="lt1"/>
-          </a:fontRef>
-        </p:style>
-        <p:txBody>
-          <a:bodyPr rtlCol="0" anchor="ctr"/>
-          <a:lstStyle/>
-          <a:p>
-            <a:pPr algn="ctr"/>
-            <a:r>
-              <a:rPr lang="en-US" altLang="ko-KR" dirty="0" smtClean="0"/>
-              <a:t>???</a:t>
-            </a:r>
-            <a:endParaRPr lang="ko-KR" altLang="en-US" dirty="0"/>
-          </a:p>
-        </p:txBody>
-      </p:sp>
-      <p:sp>
-        <p:nvSpPr>
-          <p:cNvPr id="42" name="모서리가 둥근 직사각형 41"/>
-          <p:cNvSpPr/>
-          <p:nvPr/>
-        </p:nvSpPr>
-        <p:spPr>
-          <a:xfrm>
-            <a:off x="11333003" y="5011550"/>
-            <a:ext cx="641100" cy="261257"/>
-          </a:xfrm>
-          <a:prstGeom prst="roundRect">
-            <a:avLst/>
-          </a:prstGeom>
-        </p:spPr>
-        <p:style>
-          <a:lnRef idx="2">
-            <a:schemeClr val="accent1">
-              <a:shade val="50000"/>
-            </a:schemeClr>
-          </a:lnRef>
-          <a:fillRef idx="1">
-            <a:schemeClr val="accent1"/>
-          </a:fillRef>
-          <a:effectRef idx="0">
-            <a:schemeClr val="accent1"/>
-          </a:effectRef>
-          <a:fontRef idx="minor">
-            <a:schemeClr val="lt1"/>
-          </a:fontRef>
-        </p:style>
-        <p:txBody>
-          <a:bodyPr rtlCol="0" anchor="ctr"/>
-          <a:lstStyle/>
-          <a:p>
-            <a:pPr algn="ctr"/>
-            <a:r>
-              <a:rPr lang="en-US" altLang="ko-KR" dirty="0" smtClean="0"/>
-              <a:t>???</a:t>
-            </a:r>
-            <a:endParaRPr lang="ko-KR" altLang="en-US" dirty="0"/>
-          </a:p>
-        </p:txBody>
-      </p:sp>
-      <p:sp>
-        <p:nvSpPr>
-          <p:cNvPr id="43" name="모서리가 둥근 직사각형 42"/>
-          <p:cNvSpPr/>
-          <p:nvPr/>
-        </p:nvSpPr>
-        <p:spPr>
-          <a:xfrm>
-            <a:off x="11335348" y="5397776"/>
-            <a:ext cx="641100" cy="261257"/>
-          </a:xfrm>
-          <a:prstGeom prst="roundRect">
-            <a:avLst/>
-          </a:prstGeom>
-        </p:spPr>
-        <p:style>
-          <a:lnRef idx="2">
-            <a:schemeClr val="accent1">
-              <a:shade val="50000"/>
-            </a:schemeClr>
-          </a:lnRef>
-          <a:fillRef idx="1">
-            <a:schemeClr val="accent1"/>
-          </a:fillRef>
-          <a:effectRef idx="0">
-            <a:schemeClr val="accent1"/>
-          </a:effectRef>
-          <a:fontRef idx="minor">
-            <a:schemeClr val="lt1"/>
-          </a:fontRef>
-        </p:style>
-        <p:txBody>
-          <a:bodyPr rtlCol="0" anchor="ctr"/>
-          <a:lstStyle/>
-          <a:p>
-            <a:pPr algn="ctr"/>
-            <a:r>
-              <a:rPr lang="en-US" altLang="ko-KR" dirty="0" smtClean="0"/>
-              <a:t>???</a:t>
-            </a:r>
-            <a:endParaRPr lang="ko-KR" altLang="en-US" dirty="0"/>
-          </a:p>
-        </p:txBody>
-      </p:sp>
-      <p:sp>
-        <p:nvSpPr>
-          <p:cNvPr id="44" name="모서리가 둥근 직사각형 43"/>
-          <p:cNvSpPr/>
-          <p:nvPr/>
-        </p:nvSpPr>
-        <p:spPr>
-          <a:xfrm>
-            <a:off x="11332802" y="5833204"/>
-            <a:ext cx="641100" cy="261257"/>
-          </a:xfrm>
-          <a:prstGeom prst="roundRect">
-            <a:avLst/>
-          </a:prstGeom>
-        </p:spPr>
-        <p:style>
-          <a:lnRef idx="2">
-            <a:schemeClr val="accent1">
-              <a:shade val="50000"/>
-            </a:schemeClr>
-          </a:lnRef>
-          <a:fillRef idx="1">
-            <a:schemeClr val="accent1"/>
-          </a:fillRef>
-          <a:effectRef idx="0">
-            <a:schemeClr val="accent1"/>
-          </a:effectRef>
-          <a:fontRef idx="minor">
-            <a:schemeClr val="lt1"/>
-          </a:fontRef>
-        </p:style>
-        <p:txBody>
-          <a:bodyPr rtlCol="0" anchor="ctr"/>
-          <a:lstStyle/>
-          <a:p>
-            <a:pPr algn="ctr"/>
-            <a:r>
-              <a:rPr lang="en-US" altLang="ko-KR" dirty="0" smtClean="0"/>
-              <a:t>???</a:t>
-            </a:r>
-            <a:endParaRPr lang="ko-KR" altLang="en-US" dirty="0"/>
-          </a:p>
-        </p:txBody>
-      </p:sp>
-      <p:sp>
-        <p:nvSpPr>
           <p:cNvPr id="46" name="직사각형 45"/>
           <p:cNvSpPr/>
           <p:nvPr/>
@@ -5951,6 +5583,110 @@
               <a:t>양 팀 전력 분석</a:t>
             </a:r>
             <a:endParaRPr lang="ko-KR" altLang="en-US" sz="1200" dirty="0"/>
+          </a:p>
+        </p:txBody>
+      </p:sp>
+      <p:sp>
+        <p:nvSpPr>
+          <p:cNvPr id="2" name="직사각형 1"/>
+          <p:cNvSpPr/>
+          <p:nvPr/>
+        </p:nvSpPr>
+        <p:spPr>
+          <a:xfrm>
+            <a:off x="3159036" y="4762019"/>
+            <a:ext cx="2745889" cy="1683657"/>
+          </a:xfrm>
+          <a:prstGeom prst="rect">
+            <a:avLst/>
+          </a:prstGeom>
+        </p:spPr>
+        <p:style>
+          <a:lnRef idx="2">
+            <a:schemeClr val="accent1">
+              <a:shade val="50000"/>
+            </a:schemeClr>
+          </a:lnRef>
+          <a:fillRef idx="1">
+            <a:schemeClr val="accent1"/>
+          </a:fillRef>
+          <a:effectRef idx="0">
+            <a:schemeClr val="accent1"/>
+          </a:effectRef>
+          <a:fontRef idx="minor">
+            <a:schemeClr val="lt1"/>
+          </a:fontRef>
+        </p:style>
+        <p:txBody>
+          <a:bodyPr rtlCol="0" anchor="ctr"/>
+          <a:lstStyle/>
+          <a:p>
+            <a:pPr algn="ctr"/>
+            <a:r>
+              <a:rPr lang="en-US" altLang="ko-KR" dirty="0" smtClean="0"/>
+              <a:t>A</a:t>
+            </a:r>
+            <a:r>
+              <a:rPr lang="ko-KR" altLang="en-US" dirty="0" smtClean="0"/>
+              <a:t>팀의 점유율 당 득점 분석 </a:t>
+            </a:r>
+            <a:r>
+              <a:rPr lang="ko-KR" altLang="en-US" dirty="0" err="1" smtClean="0"/>
+              <a:t>산점도</a:t>
+            </a:r>
+            <a:endParaRPr lang="ko-KR" altLang="en-US" dirty="0"/>
+          </a:p>
+        </p:txBody>
+      </p:sp>
+      <p:sp>
+        <p:nvSpPr>
+          <p:cNvPr id="51" name="직사각형 50"/>
+          <p:cNvSpPr/>
+          <p:nvPr/>
+        </p:nvSpPr>
+        <p:spPr>
+          <a:xfrm>
+            <a:off x="9327281" y="4809247"/>
+            <a:ext cx="2745889" cy="1683657"/>
+          </a:xfrm>
+          <a:prstGeom prst="rect">
+            <a:avLst/>
+          </a:prstGeom>
+        </p:spPr>
+        <p:style>
+          <a:lnRef idx="2">
+            <a:schemeClr val="accent1">
+              <a:shade val="50000"/>
+            </a:schemeClr>
+          </a:lnRef>
+          <a:fillRef idx="1">
+            <a:schemeClr val="accent1"/>
+          </a:fillRef>
+          <a:effectRef idx="0">
+            <a:schemeClr val="accent1"/>
+          </a:effectRef>
+          <a:fontRef idx="minor">
+            <a:schemeClr val="lt1"/>
+          </a:fontRef>
+        </p:style>
+        <p:txBody>
+          <a:bodyPr rtlCol="0" anchor="ctr"/>
+          <a:lstStyle/>
+          <a:p>
+            <a:pPr algn="ctr"/>
+            <a:r>
+              <a:rPr lang="en-US" altLang="ko-KR" dirty="0" smtClean="0"/>
+              <a:t>B</a:t>
+            </a:r>
+            <a:r>
+              <a:rPr lang="ko-KR" altLang="en-US" dirty="0" smtClean="0"/>
+              <a:t>팀의 점유율 당 득점 분석 </a:t>
+            </a:r>
+            <a:r>
+              <a:rPr lang="ko-KR" altLang="en-US" dirty="0" err="1" smtClean="0"/>
+              <a:t>산점도</a:t>
+            </a:r>
+            <a:endParaRPr lang="ko-KR" altLang="en-US" dirty="0"/>
           </a:p>
         </p:txBody>
       </p:sp>

--- a/design.pptx
+++ b/design.pptx
@@ -244,7 +244,7 @@
           <a:p>
             <a:fld id="{EDB13A16-E8B7-49B3-BFC3-A609BD0FC85B}" type="datetimeFigureOut">
               <a:rPr lang="ko-KR" altLang="en-US" smtClean="0"/>
-              <a:t>2023-07-22 Saturday</a:t>
+              <a:t>2023-07-23 Sunday</a:t>
             </a:fld>
             <a:endParaRPr lang="ko-KR" altLang="en-US"/>
           </a:p>
@@ -414,7 +414,7 @@
           <a:p>
             <a:fld id="{EDB13A16-E8B7-49B3-BFC3-A609BD0FC85B}" type="datetimeFigureOut">
               <a:rPr lang="ko-KR" altLang="en-US" smtClean="0"/>
-              <a:t>2023-07-22 Saturday</a:t>
+              <a:t>2023-07-23 Sunday</a:t>
             </a:fld>
             <a:endParaRPr lang="ko-KR" altLang="en-US"/>
           </a:p>
@@ -594,7 +594,7 @@
           <a:p>
             <a:fld id="{EDB13A16-E8B7-49B3-BFC3-A609BD0FC85B}" type="datetimeFigureOut">
               <a:rPr lang="ko-KR" altLang="en-US" smtClean="0"/>
-              <a:t>2023-07-22 Saturday</a:t>
+              <a:t>2023-07-23 Sunday</a:t>
             </a:fld>
             <a:endParaRPr lang="ko-KR" altLang="en-US"/>
           </a:p>
@@ -764,7 +764,7 @@
           <a:p>
             <a:fld id="{EDB13A16-E8B7-49B3-BFC3-A609BD0FC85B}" type="datetimeFigureOut">
               <a:rPr lang="ko-KR" altLang="en-US" smtClean="0"/>
-              <a:t>2023-07-22 Saturday</a:t>
+              <a:t>2023-07-23 Sunday</a:t>
             </a:fld>
             <a:endParaRPr lang="ko-KR" altLang="en-US"/>
           </a:p>
@@ -1010,7 +1010,7 @@
           <a:p>
             <a:fld id="{EDB13A16-E8B7-49B3-BFC3-A609BD0FC85B}" type="datetimeFigureOut">
               <a:rPr lang="ko-KR" altLang="en-US" smtClean="0"/>
-              <a:t>2023-07-22 Saturday</a:t>
+              <a:t>2023-07-23 Sunday</a:t>
             </a:fld>
             <a:endParaRPr lang="ko-KR" altLang="en-US"/>
           </a:p>
@@ -1242,7 +1242,7 @@
           <a:p>
             <a:fld id="{EDB13A16-E8B7-49B3-BFC3-A609BD0FC85B}" type="datetimeFigureOut">
               <a:rPr lang="ko-KR" altLang="en-US" smtClean="0"/>
-              <a:t>2023-07-22 Saturday</a:t>
+              <a:t>2023-07-23 Sunday</a:t>
             </a:fld>
             <a:endParaRPr lang="ko-KR" altLang="en-US"/>
           </a:p>
@@ -1609,7 +1609,7 @@
           <a:p>
             <a:fld id="{EDB13A16-E8B7-49B3-BFC3-A609BD0FC85B}" type="datetimeFigureOut">
               <a:rPr lang="ko-KR" altLang="en-US" smtClean="0"/>
-              <a:t>2023-07-22 Saturday</a:t>
+              <a:t>2023-07-23 Sunday</a:t>
             </a:fld>
             <a:endParaRPr lang="ko-KR" altLang="en-US"/>
           </a:p>
@@ -1727,7 +1727,7 @@
           <a:p>
             <a:fld id="{EDB13A16-E8B7-49B3-BFC3-A609BD0FC85B}" type="datetimeFigureOut">
               <a:rPr lang="ko-KR" altLang="en-US" smtClean="0"/>
-              <a:t>2023-07-22 Saturday</a:t>
+              <a:t>2023-07-23 Sunday</a:t>
             </a:fld>
             <a:endParaRPr lang="ko-KR" altLang="en-US"/>
           </a:p>
@@ -1822,7 +1822,7 @@
           <a:p>
             <a:fld id="{EDB13A16-E8B7-49B3-BFC3-A609BD0FC85B}" type="datetimeFigureOut">
               <a:rPr lang="ko-KR" altLang="en-US" smtClean="0"/>
-              <a:t>2023-07-22 Saturday</a:t>
+              <a:t>2023-07-23 Sunday</a:t>
             </a:fld>
             <a:endParaRPr lang="ko-KR" altLang="en-US"/>
           </a:p>
@@ -2099,7 +2099,7 @@
           <a:p>
             <a:fld id="{EDB13A16-E8B7-49B3-BFC3-A609BD0FC85B}" type="datetimeFigureOut">
               <a:rPr lang="ko-KR" altLang="en-US" smtClean="0"/>
-              <a:t>2023-07-22 Saturday</a:t>
+              <a:t>2023-07-23 Sunday</a:t>
             </a:fld>
             <a:endParaRPr lang="ko-KR" altLang="en-US"/>
           </a:p>
@@ -2352,7 +2352,7 @@
           <a:p>
             <a:fld id="{EDB13A16-E8B7-49B3-BFC3-A609BD0FC85B}" type="datetimeFigureOut">
               <a:rPr lang="ko-KR" altLang="en-US" smtClean="0"/>
-              <a:t>2023-07-22 Saturday</a:t>
+              <a:t>2023-07-23 Sunday</a:t>
             </a:fld>
             <a:endParaRPr lang="ko-KR" altLang="en-US"/>
           </a:p>
@@ -2565,7 +2565,7 @@
           <a:p>
             <a:fld id="{EDB13A16-E8B7-49B3-BFC3-A609BD0FC85B}" type="datetimeFigureOut">
               <a:rPr lang="ko-KR" altLang="en-US" smtClean="0"/>
-              <a:t>2023-07-22 Saturday</a:t>
+              <a:t>2023-07-23 Sunday</a:t>
             </a:fld>
             <a:endParaRPr lang="ko-KR" altLang="en-US"/>
           </a:p>
@@ -5238,7 +5238,7 @@
         </p:nvSpPr>
         <p:spPr>
           <a:xfrm>
-            <a:off x="147295" y="8890403"/>
+            <a:off x="197811" y="8886049"/>
             <a:ext cx="2745889" cy="1537855"/>
           </a:xfrm>
           <a:prstGeom prst="rect">

--- a/design.pptx
+++ b/design.pptx
@@ -244,7 +244,7 @@
           <a:p>
             <a:fld id="{EDB13A16-E8B7-49B3-BFC3-A609BD0FC85B}" type="datetimeFigureOut">
               <a:rPr lang="ko-KR" altLang="en-US" smtClean="0"/>
-              <a:t>2023-07-23 Sunday</a:t>
+              <a:t>2023-08-05 Saturday</a:t>
             </a:fld>
             <a:endParaRPr lang="ko-KR" altLang="en-US"/>
           </a:p>
@@ -414,7 +414,7 @@
           <a:p>
             <a:fld id="{EDB13A16-E8B7-49B3-BFC3-A609BD0FC85B}" type="datetimeFigureOut">
               <a:rPr lang="ko-KR" altLang="en-US" smtClean="0"/>
-              <a:t>2023-07-23 Sunday</a:t>
+              <a:t>2023-08-05 Saturday</a:t>
             </a:fld>
             <a:endParaRPr lang="ko-KR" altLang="en-US"/>
           </a:p>
@@ -594,7 +594,7 @@
           <a:p>
             <a:fld id="{EDB13A16-E8B7-49B3-BFC3-A609BD0FC85B}" type="datetimeFigureOut">
               <a:rPr lang="ko-KR" altLang="en-US" smtClean="0"/>
-              <a:t>2023-07-23 Sunday</a:t>
+              <a:t>2023-08-05 Saturday</a:t>
             </a:fld>
             <a:endParaRPr lang="ko-KR" altLang="en-US"/>
           </a:p>
@@ -764,7 +764,7 @@
           <a:p>
             <a:fld id="{EDB13A16-E8B7-49B3-BFC3-A609BD0FC85B}" type="datetimeFigureOut">
               <a:rPr lang="ko-KR" altLang="en-US" smtClean="0"/>
-              <a:t>2023-07-23 Sunday</a:t>
+              <a:t>2023-08-05 Saturday</a:t>
             </a:fld>
             <a:endParaRPr lang="ko-KR" altLang="en-US"/>
           </a:p>
@@ -1010,7 +1010,7 @@
           <a:p>
             <a:fld id="{EDB13A16-E8B7-49B3-BFC3-A609BD0FC85B}" type="datetimeFigureOut">
               <a:rPr lang="ko-KR" altLang="en-US" smtClean="0"/>
-              <a:t>2023-07-23 Sunday</a:t>
+              <a:t>2023-08-05 Saturday</a:t>
             </a:fld>
             <a:endParaRPr lang="ko-KR" altLang="en-US"/>
           </a:p>
@@ -1242,7 +1242,7 @@
           <a:p>
             <a:fld id="{EDB13A16-E8B7-49B3-BFC3-A609BD0FC85B}" type="datetimeFigureOut">
               <a:rPr lang="ko-KR" altLang="en-US" smtClean="0"/>
-              <a:t>2023-07-23 Sunday</a:t>
+              <a:t>2023-08-05 Saturday</a:t>
             </a:fld>
             <a:endParaRPr lang="ko-KR" altLang="en-US"/>
           </a:p>
@@ -1609,7 +1609,7 @@
           <a:p>
             <a:fld id="{EDB13A16-E8B7-49B3-BFC3-A609BD0FC85B}" type="datetimeFigureOut">
               <a:rPr lang="ko-KR" altLang="en-US" smtClean="0"/>
-              <a:t>2023-07-23 Sunday</a:t>
+              <a:t>2023-08-05 Saturday</a:t>
             </a:fld>
             <a:endParaRPr lang="ko-KR" altLang="en-US"/>
           </a:p>
@@ -1727,7 +1727,7 @@
           <a:p>
             <a:fld id="{EDB13A16-E8B7-49B3-BFC3-A609BD0FC85B}" type="datetimeFigureOut">
               <a:rPr lang="ko-KR" altLang="en-US" smtClean="0"/>
-              <a:t>2023-07-23 Sunday</a:t>
+              <a:t>2023-08-05 Saturday</a:t>
             </a:fld>
             <a:endParaRPr lang="ko-KR" altLang="en-US"/>
           </a:p>
@@ -1822,7 +1822,7 @@
           <a:p>
             <a:fld id="{EDB13A16-E8B7-49B3-BFC3-A609BD0FC85B}" type="datetimeFigureOut">
               <a:rPr lang="ko-KR" altLang="en-US" smtClean="0"/>
-              <a:t>2023-07-23 Sunday</a:t>
+              <a:t>2023-08-05 Saturday</a:t>
             </a:fld>
             <a:endParaRPr lang="ko-KR" altLang="en-US"/>
           </a:p>
@@ -2099,7 +2099,7 @@
           <a:p>
             <a:fld id="{EDB13A16-E8B7-49B3-BFC3-A609BD0FC85B}" type="datetimeFigureOut">
               <a:rPr lang="ko-KR" altLang="en-US" smtClean="0"/>
-              <a:t>2023-07-23 Sunday</a:t>
+              <a:t>2023-08-05 Saturday</a:t>
             </a:fld>
             <a:endParaRPr lang="ko-KR" altLang="en-US"/>
           </a:p>
@@ -2352,7 +2352,7 @@
           <a:p>
             <a:fld id="{EDB13A16-E8B7-49B3-BFC3-A609BD0FC85B}" type="datetimeFigureOut">
               <a:rPr lang="ko-KR" altLang="en-US" smtClean="0"/>
-              <a:t>2023-07-23 Sunday</a:t>
+              <a:t>2023-08-05 Saturday</a:t>
             </a:fld>
             <a:endParaRPr lang="ko-KR" altLang="en-US"/>
           </a:p>
@@ -2565,7 +2565,7 @@
           <a:p>
             <a:fld id="{EDB13A16-E8B7-49B3-BFC3-A609BD0FC85B}" type="datetimeFigureOut">
               <a:rPr lang="ko-KR" altLang="en-US" smtClean="0"/>
-              <a:t>2023-07-23 Sunday</a:t>
+              <a:t>2023-08-05 Saturday</a:t>
             </a:fld>
             <a:endParaRPr lang="ko-KR" altLang="en-US"/>
           </a:p>
@@ -5018,7 +5018,7 @@
         </p:nvSpPr>
         <p:spPr>
           <a:xfrm>
-            <a:off x="3159038" y="6813862"/>
+            <a:off x="3143984" y="6799151"/>
             <a:ext cx="2745889" cy="1683657"/>
           </a:xfrm>
           <a:prstGeom prst="rect">

--- a/design.pptx
+++ b/design.pptx
@@ -244,7 +244,7 @@
           <a:p>
             <a:fld id="{EDB13A16-E8B7-49B3-BFC3-A609BD0FC85B}" type="datetimeFigureOut">
               <a:rPr lang="ko-KR" altLang="en-US" smtClean="0"/>
-              <a:t>2023-08-05 Saturday</a:t>
+              <a:t>2023-08-06 Sunday</a:t>
             </a:fld>
             <a:endParaRPr lang="ko-KR" altLang="en-US"/>
           </a:p>
@@ -414,7 +414,7 @@
           <a:p>
             <a:fld id="{EDB13A16-E8B7-49B3-BFC3-A609BD0FC85B}" type="datetimeFigureOut">
               <a:rPr lang="ko-KR" altLang="en-US" smtClean="0"/>
-              <a:t>2023-08-05 Saturday</a:t>
+              <a:t>2023-08-06 Sunday</a:t>
             </a:fld>
             <a:endParaRPr lang="ko-KR" altLang="en-US"/>
           </a:p>
@@ -594,7 +594,7 @@
           <a:p>
             <a:fld id="{EDB13A16-E8B7-49B3-BFC3-A609BD0FC85B}" type="datetimeFigureOut">
               <a:rPr lang="ko-KR" altLang="en-US" smtClean="0"/>
-              <a:t>2023-08-05 Saturday</a:t>
+              <a:t>2023-08-06 Sunday</a:t>
             </a:fld>
             <a:endParaRPr lang="ko-KR" altLang="en-US"/>
           </a:p>
@@ -764,7 +764,7 @@
           <a:p>
             <a:fld id="{EDB13A16-E8B7-49B3-BFC3-A609BD0FC85B}" type="datetimeFigureOut">
               <a:rPr lang="ko-KR" altLang="en-US" smtClean="0"/>
-              <a:t>2023-08-05 Saturday</a:t>
+              <a:t>2023-08-06 Sunday</a:t>
             </a:fld>
             <a:endParaRPr lang="ko-KR" altLang="en-US"/>
           </a:p>
@@ -1010,7 +1010,7 @@
           <a:p>
             <a:fld id="{EDB13A16-E8B7-49B3-BFC3-A609BD0FC85B}" type="datetimeFigureOut">
               <a:rPr lang="ko-KR" altLang="en-US" smtClean="0"/>
-              <a:t>2023-08-05 Saturday</a:t>
+              <a:t>2023-08-06 Sunday</a:t>
             </a:fld>
             <a:endParaRPr lang="ko-KR" altLang="en-US"/>
           </a:p>
@@ -1242,7 +1242,7 @@
           <a:p>
             <a:fld id="{EDB13A16-E8B7-49B3-BFC3-A609BD0FC85B}" type="datetimeFigureOut">
               <a:rPr lang="ko-KR" altLang="en-US" smtClean="0"/>
-              <a:t>2023-08-05 Saturday</a:t>
+              <a:t>2023-08-06 Sunday</a:t>
             </a:fld>
             <a:endParaRPr lang="ko-KR" altLang="en-US"/>
           </a:p>
@@ -1609,7 +1609,7 @@
           <a:p>
             <a:fld id="{EDB13A16-E8B7-49B3-BFC3-A609BD0FC85B}" type="datetimeFigureOut">
               <a:rPr lang="ko-KR" altLang="en-US" smtClean="0"/>
-              <a:t>2023-08-05 Saturday</a:t>
+              <a:t>2023-08-06 Sunday</a:t>
             </a:fld>
             <a:endParaRPr lang="ko-KR" altLang="en-US"/>
           </a:p>
@@ -1727,7 +1727,7 @@
           <a:p>
             <a:fld id="{EDB13A16-E8B7-49B3-BFC3-A609BD0FC85B}" type="datetimeFigureOut">
               <a:rPr lang="ko-KR" altLang="en-US" smtClean="0"/>
-              <a:t>2023-08-05 Saturday</a:t>
+              <a:t>2023-08-06 Sunday</a:t>
             </a:fld>
             <a:endParaRPr lang="ko-KR" altLang="en-US"/>
           </a:p>
@@ -1822,7 +1822,7 @@
           <a:p>
             <a:fld id="{EDB13A16-E8B7-49B3-BFC3-A609BD0FC85B}" type="datetimeFigureOut">
               <a:rPr lang="ko-KR" altLang="en-US" smtClean="0"/>
-              <a:t>2023-08-05 Saturday</a:t>
+              <a:t>2023-08-06 Sunday</a:t>
             </a:fld>
             <a:endParaRPr lang="ko-KR" altLang="en-US"/>
           </a:p>
@@ -2099,7 +2099,7 @@
           <a:p>
             <a:fld id="{EDB13A16-E8B7-49B3-BFC3-A609BD0FC85B}" type="datetimeFigureOut">
               <a:rPr lang="ko-KR" altLang="en-US" smtClean="0"/>
-              <a:t>2023-08-05 Saturday</a:t>
+              <a:t>2023-08-06 Sunday</a:t>
             </a:fld>
             <a:endParaRPr lang="ko-KR" altLang="en-US"/>
           </a:p>
@@ -2352,7 +2352,7 @@
           <a:p>
             <a:fld id="{EDB13A16-E8B7-49B3-BFC3-A609BD0FC85B}" type="datetimeFigureOut">
               <a:rPr lang="ko-KR" altLang="en-US" smtClean="0"/>
-              <a:t>2023-08-05 Saturday</a:t>
+              <a:t>2023-08-06 Sunday</a:t>
             </a:fld>
             <a:endParaRPr lang="ko-KR" altLang="en-US"/>
           </a:p>
@@ -2565,7 +2565,7 @@
           <a:p>
             <a:fld id="{EDB13A16-E8B7-49B3-BFC3-A609BD0FC85B}" type="datetimeFigureOut">
               <a:rPr lang="ko-KR" altLang="en-US" smtClean="0"/>
-              <a:t>2023-08-05 Saturday</a:t>
+              <a:t>2023-08-06 Sunday</a:t>
             </a:fld>
             <a:endParaRPr lang="ko-KR" altLang="en-US"/>
           </a:p>
@@ -4906,7 +4906,7 @@
         </p:nvSpPr>
         <p:spPr>
           <a:xfrm>
-            <a:off x="147296" y="6828575"/>
+            <a:off x="207958" y="6771048"/>
             <a:ext cx="2745889" cy="1654233"/>
           </a:xfrm>
           <a:prstGeom prst="rect">
@@ -5048,11 +5048,11 @@
             <a:pPr algn="ctr"/>
             <a:r>
               <a:rPr lang="en-US" altLang="ko-KR" dirty="0" smtClean="0"/>
-              <a:t>A</a:t>
+              <a:t>B</a:t>
             </a:r>
             <a:r>
               <a:rPr lang="ko-KR" altLang="en-US" dirty="0" smtClean="0"/>
-              <a:t>팀의 홈 경기 전적 표</a:t>
+              <a:t>팀과의 상대전적</a:t>
             </a:r>
             <a:endParaRPr lang="ko-KR" altLang="en-US" dirty="0"/>
           </a:p>
@@ -5095,12 +5095,12 @@
           <a:p>
             <a:pPr algn="ctr"/>
             <a:r>
-              <a:rPr lang="en-US" altLang="ko-KR" dirty="0"/>
-              <a:t>B</a:t>
+              <a:rPr lang="en-US" altLang="ko-KR" dirty="0" smtClean="0"/>
+              <a:t>A</a:t>
             </a:r>
             <a:r>
               <a:rPr lang="ko-KR" altLang="en-US" dirty="0" smtClean="0"/>
-              <a:t>팀의 원정 경기 전적 표</a:t>
+              <a:t>팀과의 상대전적</a:t>
             </a:r>
             <a:endParaRPr lang="ko-KR" altLang="en-US" dirty="0"/>
           </a:p>
@@ -5203,28 +5203,8 @@
               <a:t>B</a:t>
             </a:r>
             <a:r>
-              <a:rPr lang="ko-KR" altLang="en-US" dirty="0" smtClean="0"/>
-              <a:t>팀의 상대</a:t>
-            </a:r>
-            <a:r>
-              <a:rPr lang="en-US" altLang="ko-KR" dirty="0" smtClean="0"/>
-              <a:t> </a:t>
-            </a:r>
-            <a:r>
-              <a:rPr lang="ko-KR" altLang="en-US" dirty="0" smtClean="0"/>
-              <a:t>전적</a:t>
-            </a:r>
-            <a:r>
-              <a:rPr lang="en-US" altLang="ko-KR" dirty="0" smtClean="0"/>
-              <a:t>(</a:t>
-            </a:r>
-            <a:r>
-              <a:rPr lang="ko-KR" altLang="en-US" dirty="0" smtClean="0"/>
-              <a:t>표</a:t>
-            </a:r>
-            <a:r>
-              <a:rPr lang="en-US" altLang="ko-KR" dirty="0" smtClean="0"/>
-              <a:t>)</a:t>
+              <a:rPr lang="ko-KR" altLang="en-US" smtClean="0"/>
+              <a:t>팀의</a:t>
             </a:r>
             <a:endParaRPr lang="ko-KR" altLang="en-US" dirty="0"/>
           </a:p>

--- a/design.pptx
+++ b/design.pptx
@@ -244,7 +244,7 @@
           <a:p>
             <a:fld id="{EDB13A16-E8B7-49B3-BFC3-A609BD0FC85B}" type="datetimeFigureOut">
               <a:rPr lang="ko-KR" altLang="en-US" smtClean="0"/>
-              <a:t>2023-08-06 Sunday</a:t>
+              <a:t>2023-08-20 Sunday</a:t>
             </a:fld>
             <a:endParaRPr lang="ko-KR" altLang="en-US"/>
           </a:p>
@@ -414,7 +414,7 @@
           <a:p>
             <a:fld id="{EDB13A16-E8B7-49B3-BFC3-A609BD0FC85B}" type="datetimeFigureOut">
               <a:rPr lang="ko-KR" altLang="en-US" smtClean="0"/>
-              <a:t>2023-08-06 Sunday</a:t>
+              <a:t>2023-08-20 Sunday</a:t>
             </a:fld>
             <a:endParaRPr lang="ko-KR" altLang="en-US"/>
           </a:p>
@@ -594,7 +594,7 @@
           <a:p>
             <a:fld id="{EDB13A16-E8B7-49B3-BFC3-A609BD0FC85B}" type="datetimeFigureOut">
               <a:rPr lang="ko-KR" altLang="en-US" smtClean="0"/>
-              <a:t>2023-08-06 Sunday</a:t>
+              <a:t>2023-08-20 Sunday</a:t>
             </a:fld>
             <a:endParaRPr lang="ko-KR" altLang="en-US"/>
           </a:p>
@@ -764,7 +764,7 @@
           <a:p>
             <a:fld id="{EDB13A16-E8B7-49B3-BFC3-A609BD0FC85B}" type="datetimeFigureOut">
               <a:rPr lang="ko-KR" altLang="en-US" smtClean="0"/>
-              <a:t>2023-08-06 Sunday</a:t>
+              <a:t>2023-08-20 Sunday</a:t>
             </a:fld>
             <a:endParaRPr lang="ko-KR" altLang="en-US"/>
           </a:p>
@@ -1010,7 +1010,7 @@
           <a:p>
             <a:fld id="{EDB13A16-E8B7-49B3-BFC3-A609BD0FC85B}" type="datetimeFigureOut">
               <a:rPr lang="ko-KR" altLang="en-US" smtClean="0"/>
-              <a:t>2023-08-06 Sunday</a:t>
+              <a:t>2023-08-20 Sunday</a:t>
             </a:fld>
             <a:endParaRPr lang="ko-KR" altLang="en-US"/>
           </a:p>
@@ -1242,7 +1242,7 @@
           <a:p>
             <a:fld id="{EDB13A16-E8B7-49B3-BFC3-A609BD0FC85B}" type="datetimeFigureOut">
               <a:rPr lang="ko-KR" altLang="en-US" smtClean="0"/>
-              <a:t>2023-08-06 Sunday</a:t>
+              <a:t>2023-08-20 Sunday</a:t>
             </a:fld>
             <a:endParaRPr lang="ko-KR" altLang="en-US"/>
           </a:p>
@@ -1609,7 +1609,7 @@
           <a:p>
             <a:fld id="{EDB13A16-E8B7-49B3-BFC3-A609BD0FC85B}" type="datetimeFigureOut">
               <a:rPr lang="ko-KR" altLang="en-US" smtClean="0"/>
-              <a:t>2023-08-06 Sunday</a:t>
+              <a:t>2023-08-20 Sunday</a:t>
             </a:fld>
             <a:endParaRPr lang="ko-KR" altLang="en-US"/>
           </a:p>
@@ -1727,7 +1727,7 @@
           <a:p>
             <a:fld id="{EDB13A16-E8B7-49B3-BFC3-A609BD0FC85B}" type="datetimeFigureOut">
               <a:rPr lang="ko-KR" altLang="en-US" smtClean="0"/>
-              <a:t>2023-08-06 Sunday</a:t>
+              <a:t>2023-08-20 Sunday</a:t>
             </a:fld>
             <a:endParaRPr lang="ko-KR" altLang="en-US"/>
           </a:p>
@@ -1822,7 +1822,7 @@
           <a:p>
             <a:fld id="{EDB13A16-E8B7-49B3-BFC3-A609BD0FC85B}" type="datetimeFigureOut">
               <a:rPr lang="ko-KR" altLang="en-US" smtClean="0"/>
-              <a:t>2023-08-06 Sunday</a:t>
+              <a:t>2023-08-20 Sunday</a:t>
             </a:fld>
             <a:endParaRPr lang="ko-KR" altLang="en-US"/>
           </a:p>
@@ -2099,7 +2099,7 @@
           <a:p>
             <a:fld id="{EDB13A16-E8B7-49B3-BFC3-A609BD0FC85B}" type="datetimeFigureOut">
               <a:rPr lang="ko-KR" altLang="en-US" smtClean="0"/>
-              <a:t>2023-08-06 Sunday</a:t>
+              <a:t>2023-08-20 Sunday</a:t>
             </a:fld>
             <a:endParaRPr lang="ko-KR" altLang="en-US"/>
           </a:p>
@@ -2352,7 +2352,7 @@
           <a:p>
             <a:fld id="{EDB13A16-E8B7-49B3-BFC3-A609BD0FC85B}" type="datetimeFigureOut">
               <a:rPr lang="ko-KR" altLang="en-US" smtClean="0"/>
-              <a:t>2023-08-06 Sunday</a:t>
+              <a:t>2023-08-20 Sunday</a:t>
             </a:fld>
             <a:endParaRPr lang="ko-KR" altLang="en-US"/>
           </a:p>
@@ -2565,7 +2565,7 @@
           <a:p>
             <a:fld id="{EDB13A16-E8B7-49B3-BFC3-A609BD0FC85B}" type="datetimeFigureOut">
               <a:rPr lang="ko-KR" altLang="en-US" smtClean="0"/>
-              <a:t>2023-08-06 Sunday</a:t>
+              <a:t>2023-08-20 Sunday</a:t>
             </a:fld>
             <a:endParaRPr lang="ko-KR" altLang="en-US"/>
           </a:p>
@@ -5018,7 +5018,7 @@
         </p:nvSpPr>
         <p:spPr>
           <a:xfrm>
-            <a:off x="3143984" y="6799151"/>
+            <a:off x="3189426" y="6771048"/>
             <a:ext cx="2745889" cy="1683657"/>
           </a:xfrm>
           <a:prstGeom prst="rect">
@@ -5052,7 +5052,23 @@
             </a:r>
             <a:r>
               <a:rPr lang="ko-KR" altLang="en-US" dirty="0" smtClean="0"/>
-              <a:t>팀과의 상대전적</a:t>
+              <a:t>팀과의 </a:t>
+            </a:r>
+            <a:r>
+              <a:rPr lang="ko-KR" altLang="en-US" dirty="0" smtClean="0"/>
+              <a:t>상대전적</a:t>
+            </a:r>
+            <a:endParaRPr lang="en-US" altLang="ko-KR" dirty="0" smtClean="0"/>
+          </a:p>
+          <a:p>
+            <a:pPr algn="ctr"/>
+            <a:r>
+              <a:rPr lang="ko-KR" altLang="en-US" dirty="0" smtClean="0"/>
+              <a:t>표</a:t>
+            </a:r>
+            <a:r>
+              <a:rPr lang="en-US" altLang="ko-KR" dirty="0" smtClean="0"/>
+              <a:t>?</a:t>
             </a:r>
             <a:endParaRPr lang="ko-KR" altLang="en-US" dirty="0"/>
           </a:p>
@@ -5100,7 +5116,15 @@
             </a:r>
             <a:r>
               <a:rPr lang="ko-KR" altLang="en-US" dirty="0" smtClean="0"/>
-              <a:t>팀과의 상대전적</a:t>
+              <a:t>팀과의 </a:t>
+            </a:r>
+            <a:r>
+              <a:rPr lang="ko-KR" altLang="en-US" dirty="0" smtClean="0"/>
+              <a:t>상대전적 표</a:t>
+            </a:r>
+            <a:r>
+              <a:rPr lang="en-US" altLang="ko-KR" dirty="0" smtClean="0"/>
+              <a:t>?</a:t>
             </a:r>
             <a:endParaRPr lang="ko-KR" altLang="en-US" dirty="0"/>
           </a:p>
@@ -5203,8 +5227,24 @@
               <a:t>B</a:t>
             </a:r>
             <a:r>
-              <a:rPr lang="ko-KR" altLang="en-US" smtClean="0"/>
-              <a:t>팀의</a:t>
+              <a:rPr lang="ko-KR" altLang="en-US" dirty="0" smtClean="0"/>
+              <a:t>팀의 </a:t>
+            </a:r>
+            <a:r>
+              <a:rPr lang="ko-KR" altLang="en-US" dirty="0" smtClean="0"/>
+              <a:t>세트피스 </a:t>
+            </a:r>
+            <a:r>
+              <a:rPr lang="ko-KR" altLang="en-US" dirty="0" smtClean="0"/>
+              <a:t>당 골 횟수 </a:t>
+            </a:r>
+            <a:r>
+              <a:rPr lang="ko-KR" altLang="en-US" dirty="0" smtClean="0"/>
+              <a:t>막대 </a:t>
+            </a:r>
+            <a:r>
+              <a:rPr lang="ko-KR" altLang="en-US" dirty="0" smtClean="0"/>
+              <a:t>그래프 </a:t>
             </a:r>
             <a:endParaRPr lang="ko-KR" altLang="en-US" dirty="0"/>
           </a:p>
